--- a/Python/RL/深度强化学习.pptx
+++ b/Python/RL/深度强化学习.pptx
@@ -5,7 +5,7 @@
     <p:sldMasterId id="2147483648" r:id="rId1"/>
   </p:sldMasterIdLst>
   <p:notesMasterIdLst>
-    <p:notesMasterId r:id="rId34"/>
+    <p:notesMasterId r:id="rId32"/>
   </p:notesMasterIdLst>
   <p:sldIdLst>
     <p:sldId id="256" r:id="rId2"/>
@@ -22,29 +22,27 @@
     <p:sldId id="269" r:id="rId13"/>
     <p:sldId id="270" r:id="rId14"/>
     <p:sldId id="271" r:id="rId15"/>
-    <p:sldId id="291" r:id="rId16"/>
-    <p:sldId id="272" r:id="rId17"/>
+    <p:sldId id="272" r:id="rId16"/>
+    <p:sldId id="291" r:id="rId17"/>
     <p:sldId id="273" r:id="rId18"/>
     <p:sldId id="274" r:id="rId19"/>
     <p:sldId id="275" r:id="rId20"/>
     <p:sldId id="288" r:id="rId21"/>
-    <p:sldId id="289" r:id="rId22"/>
-    <p:sldId id="290" r:id="rId23"/>
-    <p:sldId id="283" r:id="rId24"/>
-    <p:sldId id="284" r:id="rId25"/>
-    <p:sldId id="285" r:id="rId26"/>
-    <p:sldId id="286" r:id="rId27"/>
-    <p:sldId id="276" r:id="rId28"/>
-    <p:sldId id="277" r:id="rId29"/>
-    <p:sldId id="278" r:id="rId30"/>
-    <p:sldId id="279" r:id="rId31"/>
-    <p:sldId id="280" r:id="rId32"/>
-    <p:sldId id="281" r:id="rId33"/>
+    <p:sldId id="283" r:id="rId22"/>
+    <p:sldId id="284" r:id="rId23"/>
+    <p:sldId id="285" r:id="rId24"/>
+    <p:sldId id="286" r:id="rId25"/>
+    <p:sldId id="276" r:id="rId26"/>
+    <p:sldId id="277" r:id="rId27"/>
+    <p:sldId id="278" r:id="rId28"/>
+    <p:sldId id="279" r:id="rId29"/>
+    <p:sldId id="280" r:id="rId30"/>
+    <p:sldId id="281" r:id="rId31"/>
   </p:sldIdLst>
   <p:sldSz cx="12192000" cy="6858000"/>
   <p:notesSz cx="6858000" cy="9144000"/>
   <p:custDataLst>
-    <p:tags r:id="rId35"/>
+    <p:tags r:id="rId33"/>
   </p:custDataLst>
   <p:defaultTextStyle>
     <a:defPPr>
@@ -245,7 +243,7 @@
           <a:p>
             <a:fld id="{4A648F17-BF6F-453D-A28F-C845509EFD1C}" type="datetimeFigureOut">
               <a:rPr lang="zh-CN" altLang="en-US" smtClean="0"/>
-              <a:t>2022/12/17</a:t>
+              <a:t>2023/2/9</a:t>
             </a:fld>
             <a:endParaRPr lang="zh-CN" altLang="en-US"/>
           </a:p>
@@ -659,7 +657,7 @@
           <a:p>
             <a:fld id="{760FBDFE-C587-4B4C-A407-44438C67B59E}" type="datetimeFigureOut">
               <a:rPr lang="zh-CN" altLang="en-US" smtClean="0"/>
-              <a:t>2022/12/17</a:t>
+              <a:t>2023/2/9</a:t>
             </a:fld>
             <a:endParaRPr lang="zh-CN" altLang="en-US"/>
           </a:p>
@@ -794,7 +792,7 @@
           <a:p>
             <a:fld id="{760FBDFE-C587-4B4C-A407-44438C67B59E}" type="datetimeFigureOut">
               <a:rPr lang="zh-CN" altLang="en-US" smtClean="0"/>
-              <a:t>2022/12/17</a:t>
+              <a:t>2023/2/9</a:t>
             </a:fld>
             <a:endParaRPr lang="zh-CN" altLang="en-US"/>
           </a:p>
@@ -952,7 +950,7 @@
           <a:p>
             <a:fld id="{760FBDFE-C587-4B4C-A407-44438C67B59E}" type="datetimeFigureOut">
               <a:rPr lang="zh-CN" altLang="en-US" smtClean="0"/>
-              <a:t>2022/12/17</a:t>
+              <a:t>2023/2/9</a:t>
             </a:fld>
             <a:endParaRPr lang="zh-CN" altLang="en-US"/>
           </a:p>
@@ -1259,7 +1257,7 @@
           <a:p>
             <a:fld id="{760FBDFE-C587-4B4C-A407-44438C67B59E}" type="datetimeFigureOut">
               <a:rPr lang="zh-CN" altLang="en-US" smtClean="0"/>
-              <a:t>2022/12/17</a:t>
+              <a:t>2023/2/9</a:t>
             </a:fld>
             <a:endParaRPr lang="zh-CN" altLang="en-US"/>
           </a:p>
@@ -1549,7 +1547,7 @@
           <a:p>
             <a:fld id="{760FBDFE-C587-4B4C-A407-44438C67B59E}" type="datetimeFigureOut">
               <a:rPr lang="zh-CN" altLang="en-US" smtClean="0"/>
-              <a:t>2022/12/17</a:t>
+              <a:t>2023/2/9</a:t>
             </a:fld>
             <a:endParaRPr lang="zh-CN" altLang="en-US"/>
           </a:p>
@@ -1803,7 +1801,7 @@
           <a:p>
             <a:fld id="{760FBDFE-C587-4B4C-A407-44438C67B59E}" type="datetimeFigureOut">
               <a:rPr lang="zh-CN" altLang="en-US" smtClean="0"/>
-              <a:t>2022/12/17</a:t>
+              <a:t>2023/2/9</a:t>
             </a:fld>
             <a:endParaRPr lang="zh-CN" altLang="en-US"/>
           </a:p>
@@ -2217,7 +2215,7 @@
           <a:p>
             <a:fld id="{760FBDFE-C587-4B4C-A407-44438C67B59E}" type="datetimeFigureOut">
               <a:rPr lang="zh-CN" altLang="en-US" smtClean="0"/>
-              <a:t>2022/12/17</a:t>
+              <a:t>2023/2/9</a:t>
             </a:fld>
             <a:endParaRPr lang="zh-CN" altLang="en-US"/>
           </a:p>
@@ -2349,7 +2347,7 @@
           <a:p>
             <a:fld id="{760FBDFE-C587-4B4C-A407-44438C67B59E}" type="datetimeFigureOut">
               <a:rPr lang="zh-CN" altLang="en-US" smtClean="0"/>
-              <a:t>2022/12/17</a:t>
+              <a:t>2023/2/9</a:t>
             </a:fld>
             <a:endParaRPr lang="zh-CN" altLang="en-US"/>
           </a:p>
@@ -2484,7 +2482,7 @@
           <a:p>
             <a:fld id="{760FBDFE-C587-4B4C-A407-44438C67B59E}" type="datetimeFigureOut">
               <a:rPr lang="zh-CN" altLang="en-US" smtClean="0"/>
-              <a:t>2022/12/17</a:t>
+              <a:t>2023/2/9</a:t>
             </a:fld>
             <a:endParaRPr lang="zh-CN" altLang="en-US"/>
           </a:p>
@@ -2692,7 +2690,7 @@
           <a:p>
             <a:fld id="{9EFD9D74-47D9-4702-A33C-335B63B48DBF}" type="datetimeFigureOut">
               <a:rPr lang="zh-CN" altLang="en-US" smtClean="0"/>
-              <a:t>2022/12/17</a:t>
+              <a:t>2023/2/9</a:t>
             </a:fld>
             <a:endParaRPr lang="zh-CN" altLang="en-US" dirty="0"/>
           </a:p>
@@ -2932,7 +2930,7 @@
           <a:p>
             <a:fld id="{760FBDFE-C587-4B4C-A407-44438C67B59E}" type="datetimeFigureOut">
               <a:rPr lang="zh-CN" altLang="en-US" smtClean="0"/>
-              <a:t>2022/12/17</a:t>
+              <a:t>2023/2/9</a:t>
             </a:fld>
             <a:endParaRPr lang="zh-CN" altLang="en-US"/>
           </a:p>
@@ -3155,7 +3153,7 @@
           <a:p>
             <a:fld id="{760FBDFE-C587-4B4C-A407-44438C67B59E}" type="datetimeFigureOut">
               <a:rPr lang="zh-CN" altLang="en-US" smtClean="0"/>
-              <a:t>2022/12/17</a:t>
+              <a:t>2023/2/9</a:t>
             </a:fld>
             <a:endParaRPr lang="zh-CN" altLang="en-US"/>
           </a:p>
@@ -3675,7 +3673,7 @@
           <a:p>
             <a:r>
               <a:rPr lang="en-US" altLang="zh-CN"/>
-              <a:t>2022/12/24</a:t>
+              <a:t>2022/12/25</a:t>
             </a:r>
             <a:endParaRPr lang="en-US" altLang="zh-CN" dirty="0"/>
           </a:p>
@@ -3798,14 +3796,14 @@
           <p:nvPr>
             <p:extLst>
               <p:ext uri="{D42A27DB-BD31-4B8C-83A1-F6EECF244321}">
-                <p14:modId xmlns:p14="http://schemas.microsoft.com/office/powerpoint/2010/main" val="4064456638"/>
+                <p14:modId xmlns:p14="http://schemas.microsoft.com/office/powerpoint/2010/main" val="942256844"/>
               </p:ext>
             </p:extLst>
           </p:nvPr>
         </p:nvGraphicFramePr>
         <p:xfrm>
           <a:off x="1944210" y="1515843"/>
-          <a:ext cx="8124150" cy="4361177"/>
+          <a:ext cx="8124150" cy="4474370"/>
         </p:xfrm>
         <a:graphic>
           <a:graphicData uri="http://schemas.openxmlformats.org/drawingml/2006/table">
@@ -3912,7 +3910,7 @@
                 </a:extLst>
               </a:tr>
               <a:tr h="436118">
-                <a:tc rowSpan="3">
+                <a:tc rowSpan="2">
                   <a:txBody>
                     <a:bodyPr/>
                     <a:lstStyle/>
@@ -3957,7 +3955,15 @@
                       </a:pPr>
                       <a:r>
                         <a:rPr lang="zh-CN" altLang="en-US" dirty="0"/>
-                        <a:t>经历回放--采样效率高</a:t>
+                        <a:t>经历回放</a:t>
+                      </a:r>
+                      <a:r>
+                        <a:rPr lang="en-US" altLang="zh-CN" dirty="0"/>
+                        <a:t>—</a:t>
+                      </a:r>
+                      <a:r>
+                        <a:rPr lang="zh-CN" altLang="en-US" dirty="0"/>
+                        <a:t>样本利用率高</a:t>
                       </a:r>
                     </a:p>
                   </a:txBody>
@@ -4013,7 +4019,7 @@
                   </a:ext>
                 </a:extLst>
               </a:tr>
-              <a:tr h="436118">
+              <a:tr h="443898">
                 <a:tc vMerge="1">
                   <a:txBody>
                     <a:bodyPr/>
@@ -4085,7 +4091,7 @@
                       </a:pPr>
                       <a:r>
                         <a:rPr lang="zh-CN" altLang="en-US" dirty="0"/>
-                        <a:t>算法收敛快</a:t>
+                        <a:t>能学到随机策略</a:t>
                       </a:r>
                     </a:p>
                   </a:txBody>
@@ -4101,97 +4107,6 @@
                 <a:extLst>
                   <a:ext uri="{0D108BD9-81ED-4DB2-BD59-A6C34878D82A}">
                     <a16:rowId xmlns:a16="http://schemas.microsoft.com/office/drawing/2014/main" val="1718721111"/>
-                  </a:ext>
-                </a:extLst>
-              </a:tr>
-              <a:tr h="436118">
-                <a:tc vMerge="1">
-                  <a:txBody>
-                    <a:bodyPr/>
-                    <a:lstStyle/>
-                    <a:p>
-                      <a:endParaRPr lang="zh-CN" altLang="en-US"/>
-                    </a:p>
-                  </a:txBody>
-                  <a:tcPr/>
-                </a:tc>
-                <a:tc>
-                  <a:txBody>
-                    <a:bodyPr/>
-                    <a:lstStyle/>
-                    <a:p>
-                      <a:pPr marL="0" marR="0" lvl="0" indent="0" algn="l" defTabSz="914400" rtl="0" eaLnBrk="1" fontAlgn="auto" latinLnBrk="0" hangingPunct="1">
-                        <a:lnSpc>
-                          <a:spcPct val="100000"/>
-                        </a:lnSpc>
-                        <a:spcBef>
-                          <a:spcPts val="0"/>
-                        </a:spcBef>
-                        <a:spcAft>
-                          <a:spcPts val="0"/>
-                        </a:spcAft>
-                        <a:buClrTx/>
-                        <a:buSzTx/>
-                        <a:buFontTx/>
-                        <a:buNone/>
-                        <a:tabLst/>
-                        <a:defRPr/>
-                      </a:pPr>
-                      <a:r>
-                        <a:rPr lang="zh-CN" altLang="en-US" dirty="0"/>
-                        <a:t>不易陷入局部最优</a:t>
-                      </a:r>
-                    </a:p>
-                  </a:txBody>
-                  <a:tcPr>
-                    <a:solidFill>
-                      <a:schemeClr val="tx2">
-                        <a:lumMod val="10000"/>
-                        <a:lumOff val="90000"/>
-                      </a:schemeClr>
-                    </a:solidFill>
-                  </a:tcPr>
-                </a:tc>
-                <a:tc>
-                  <a:txBody>
-                    <a:bodyPr/>
-                    <a:lstStyle/>
-                    <a:p>
-                      <a:pPr marL="0" marR="0" lvl="0" indent="0" algn="l" defTabSz="914400" rtl="0" eaLnBrk="1" fontAlgn="auto" latinLnBrk="0" hangingPunct="1">
-                        <a:lnSpc>
-                          <a:spcPct val="100000"/>
-                        </a:lnSpc>
-                        <a:spcBef>
-                          <a:spcPts val="0"/>
-                        </a:spcBef>
-                        <a:spcAft>
-                          <a:spcPts val="0"/>
-                        </a:spcAft>
-                        <a:buClrTx/>
-                        <a:buSzTx/>
-                        <a:buFontTx/>
-                        <a:buNone/>
-                        <a:tabLst/>
-                        <a:defRPr/>
-                      </a:pPr>
-                      <a:r>
-                        <a:rPr lang="zh-CN" altLang="en-US" dirty="0"/>
-                        <a:t>能学到随机策略</a:t>
-                      </a:r>
-                    </a:p>
-                  </a:txBody>
-                  <a:tcPr>
-                    <a:solidFill>
-                      <a:schemeClr val="tx2">
-                        <a:lumMod val="10000"/>
-                        <a:lumOff val="90000"/>
-                      </a:schemeClr>
-                    </a:solidFill>
-                  </a:tcPr>
-                </a:tc>
-                <a:extLst>
-                  <a:ext uri="{0D108BD9-81ED-4DB2-BD59-A6C34878D82A}">
-                    <a16:rowId xmlns:a16="http://schemas.microsoft.com/office/drawing/2014/main" val="3755130615"/>
                   </a:ext>
                 </a:extLst>
               </a:tr>
@@ -4217,7 +4132,7 @@
                     </a:solidFill>
                   </a:tcPr>
                 </a:tc>
-                <a:tc rowSpan="2">
+                <a:tc>
                   <a:txBody>
                     <a:bodyPr/>
                     <a:lstStyle/>
@@ -4278,7 +4193,7 @@
                       </a:pPr>
                       <a:r>
                         <a:rPr lang="zh-CN" altLang="en-US" dirty="0"/>
-                        <a:t>方差大</a:t>
+                        <a:t>样本利用率低</a:t>
                       </a:r>
                     </a:p>
                   </a:txBody>
@@ -4298,16 +4213,6 @@
                 </a:extLst>
               </a:tr>
               <a:tr h="436118">
-                <a:tc vMerge="1">
-                  <a:txBody>
-                    <a:bodyPr/>
-                    <a:lstStyle/>
-                    <a:p>
-                      <a:endParaRPr lang="zh-CN" altLang="en-US"/>
-                    </a:p>
-                  </a:txBody>
-                  <a:tcPr/>
-                </a:tc>
                 <a:tc vMerge="1">
                   <a:txBody>
                     <a:bodyPr/>
@@ -4342,7 +4247,44 @@
                       </a:pPr>
                       <a:r>
                         <a:rPr lang="zh-CN" altLang="en-US" dirty="0"/>
-                        <a:t>容易陷入局部最优</a:t>
+                        <a:t>只能学到确定性策略</a:t>
+                      </a:r>
+                    </a:p>
+                  </a:txBody>
+                  <a:tcPr>
+                    <a:solidFill>
+                      <a:schemeClr val="tx2">
+                        <a:lumMod val="10000"/>
+                        <a:lumOff val="90000"/>
+                      </a:schemeClr>
+                    </a:solidFill>
+                  </a:tcPr>
+                </a:tc>
+                <a:tc>
+                  <a:txBody>
+                    <a:bodyPr/>
+                    <a:lstStyle/>
+                    <a:p>
+                      <a:pPr marL="0" marR="0" lvl="0" indent="0" algn="l" defTabSz="914400" rtl="0" eaLnBrk="1" fontAlgn="auto" latinLnBrk="0" hangingPunct="1">
+                        <a:lnSpc>
+                          <a:spcPct val="100000"/>
+                        </a:lnSpc>
+                        <a:spcBef>
+                          <a:spcPts val="0"/>
+                        </a:spcBef>
+                        <a:spcAft>
+                          <a:spcPts val="0"/>
+                        </a:spcAft>
+                        <a:buClrTx/>
+                        <a:buSzTx/>
+                        <a:buFontTx/>
+                        <a:buNone/>
+                        <a:tabLst/>
+                        <a:defRPr/>
+                      </a:pPr>
+                      <a:r>
+                        <a:rPr lang="zh-CN" altLang="en-US" dirty="0"/>
+                        <a:t>方差大，难以收敛</a:t>
                       </a:r>
                     </a:p>
                   </a:txBody>
@@ -4489,6 +4431,110 @@
                         </a:rPr>
                         <a:t>PER DQN</a:t>
                       </a:r>
+                      <a:endParaRPr lang="en-US" altLang="zh-CN" dirty="0"/>
+                    </a:p>
+                    <a:p>
+                      <a:pPr marL="0" marR="0" lvl="0" indent="0" algn="l" defTabSz="914400" rtl="0" eaLnBrk="1" fontAlgn="auto" latinLnBrk="0" hangingPunct="1">
+                        <a:lnSpc>
+                          <a:spcPct val="100000"/>
+                        </a:lnSpc>
+                        <a:spcBef>
+                          <a:spcPts val="0"/>
+                        </a:spcBef>
+                        <a:spcAft>
+                          <a:spcPts val="0"/>
+                        </a:spcAft>
+                        <a:buClrTx/>
+                        <a:buSzTx/>
+                        <a:buFontTx/>
+                        <a:buNone/>
+                        <a:tabLst/>
+                        <a:defRPr/>
+                      </a:pPr>
+                      <a:r>
+                        <a:rPr lang="en-US" altLang="zh-CN" dirty="0">
+                          <a:hlinkClick r:id="rId7"/>
+                        </a:rPr>
+                        <a:t>Noisy DQN</a:t>
+                      </a:r>
+                      <a:endParaRPr lang="en-US" altLang="zh-CN" dirty="0"/>
+                    </a:p>
+                    <a:p>
+                      <a:pPr marL="0" marR="0" lvl="0" indent="0" algn="l" defTabSz="914400" rtl="0" eaLnBrk="1" fontAlgn="auto" latinLnBrk="0" hangingPunct="1">
+                        <a:lnSpc>
+                          <a:spcPct val="100000"/>
+                        </a:lnSpc>
+                        <a:spcBef>
+                          <a:spcPts val="0"/>
+                        </a:spcBef>
+                        <a:spcAft>
+                          <a:spcPts val="0"/>
+                        </a:spcAft>
+                        <a:buClrTx/>
+                        <a:buSzTx/>
+                        <a:buFontTx/>
+                        <a:buNone/>
+                        <a:tabLst/>
+                        <a:defRPr/>
+                      </a:pPr>
+                      <a:r>
+                        <a:rPr lang="en-US" altLang="zh-CN" dirty="0">
+                          <a:hlinkClick r:id="rId8"/>
+                        </a:rPr>
+                        <a:t>Distributional DQN</a:t>
+                      </a:r>
+                      <a:endParaRPr lang="en-US" altLang="zh-CN" dirty="0"/>
+                    </a:p>
+                    <a:p>
+                      <a:pPr marL="0" marR="0" lvl="0" indent="0" algn="l" defTabSz="914400" rtl="0" eaLnBrk="1" fontAlgn="auto" latinLnBrk="0" hangingPunct="1">
+                        <a:lnSpc>
+                          <a:spcPct val="100000"/>
+                        </a:lnSpc>
+                        <a:spcBef>
+                          <a:spcPts val="0"/>
+                        </a:spcBef>
+                        <a:spcAft>
+                          <a:spcPts val="0"/>
+                        </a:spcAft>
+                        <a:buClrTx/>
+                        <a:buSzTx/>
+                        <a:buFontTx/>
+                        <a:buNone/>
+                        <a:tabLst/>
+                        <a:defRPr/>
+                      </a:pPr>
+                      <a:r>
+                        <a:rPr lang="en-US" altLang="zh-CN" dirty="0">
+                          <a:hlinkClick r:id="rId9"/>
+                        </a:rPr>
+                        <a:t>Rainbow</a:t>
+                      </a:r>
+                      <a:endParaRPr lang="en-US" altLang="zh-CN" dirty="0"/>
+                    </a:p>
+                    <a:p>
+                      <a:pPr marL="0" marR="0" lvl="0" indent="0" algn="l" defTabSz="914400" rtl="0" eaLnBrk="1" fontAlgn="auto" latinLnBrk="0" hangingPunct="1">
+                        <a:lnSpc>
+                          <a:spcPct val="100000"/>
+                        </a:lnSpc>
+                        <a:spcBef>
+                          <a:spcPts val="0"/>
+                        </a:spcBef>
+                        <a:spcAft>
+                          <a:spcPts val="0"/>
+                        </a:spcAft>
+                        <a:buClrTx/>
+                        <a:buSzTx/>
+                        <a:buFontTx/>
+                        <a:buNone/>
+                        <a:tabLst/>
+                        <a:defRPr/>
+                      </a:pPr>
+                      <a:r>
+                        <a:rPr lang="en-US" altLang="zh-CN" dirty="0">
+                          <a:hlinkClick r:id="rId10"/>
+                        </a:rPr>
+                        <a:t>Ape-X</a:t>
+                      </a:r>
                       <a:endParaRPr lang="zh-CN" altLang="en-US" dirty="0"/>
                     </a:p>
                   </a:txBody>
@@ -4524,12 +4570,12 @@
                         <a:defRPr/>
                       </a:pPr>
                       <a:r>
-                        <a:rPr lang="zh-CN" altLang="en-US" dirty="0">
-                          <a:hlinkClick r:id="rId7"/>
+                        <a:rPr lang="en-US" altLang="zh-CN" dirty="0">
+                          <a:hlinkClick r:id="rId11"/>
                         </a:rPr>
-                        <a:t>PG</a:t>
+                        <a:t>REINFORCE</a:t>
                       </a:r>
-                      <a:endParaRPr lang="zh-CN" altLang="en-US" dirty="0"/>
+                      <a:endParaRPr lang="en-US" altLang="zh-CN" dirty="0"/>
                     </a:p>
                     <a:p>
                       <a:pPr marL="0" marR="0" lvl="0" indent="0" algn="l" defTabSz="914400" rtl="0" eaLnBrk="1" fontAlgn="auto" latinLnBrk="0" hangingPunct="1">
@@ -4551,7 +4597,7 @@
                       </a:pPr>
                       <a:r>
                         <a:rPr lang="zh-CN" altLang="en-US" dirty="0">
-                          <a:hlinkClick r:id="rId7"/>
+                          <a:hlinkClick r:id="rId11"/>
                         </a:rPr>
                         <a:t>AC</a:t>
                       </a:r>
@@ -4561,7 +4607,7 @@
                       </a:r>
                       <a:r>
                         <a:rPr lang="zh-CN" altLang="en-US" dirty="0">
-                          <a:hlinkClick r:id="rId8"/>
+                          <a:hlinkClick r:id="rId12"/>
                         </a:rPr>
                         <a:t>A2C</a:t>
                       </a:r>
@@ -4571,7 +4617,7 @@
                       </a:r>
                       <a:r>
                         <a:rPr lang="en-US" altLang="zh-CN" dirty="0">
-                          <a:hlinkClick r:id="rId8"/>
+                          <a:hlinkClick r:id="rId12"/>
                         </a:rPr>
                         <a:t>A3C</a:t>
                       </a:r>
@@ -4597,53 +4643,7 @@
                       </a:pPr>
                       <a:r>
                         <a:rPr lang="en-US" altLang="zh-CN" dirty="0">
-                          <a:hlinkClick r:id="rId9"/>
-                        </a:rPr>
-                        <a:t>TRPO</a:t>
-                      </a:r>
-                      <a:r>
-                        <a:rPr lang="en-US" altLang="zh-CN" dirty="0"/>
-                        <a:t> </a:t>
-                      </a:r>
-                      <a:r>
-                        <a:rPr lang="en-US" altLang="zh-CN" dirty="0">
-                          <a:hlinkClick r:id="rId10"/>
-                        </a:rPr>
-                        <a:t>PPO-Penalty</a:t>
-                      </a:r>
-                      <a:r>
-                        <a:rPr lang="en-US" altLang="zh-CN" dirty="0"/>
-                        <a:t> </a:t>
-                      </a:r>
-                      <a:r>
-                        <a:rPr lang="en-US" altLang="zh-CN" dirty="0">
-                          <a:hlinkClick r:id="rId10"/>
-                        </a:rPr>
-                        <a:t>PPO-Clip</a:t>
-                      </a:r>
-                      <a:endParaRPr lang="en-US" altLang="zh-CN" dirty="0"/>
-                    </a:p>
-                    <a:p>
-                      <a:pPr marL="0" marR="0" lvl="0" indent="0" algn="l" defTabSz="914400" rtl="0" eaLnBrk="1" fontAlgn="auto" latinLnBrk="0" hangingPunct="1">
-                        <a:lnSpc>
-                          <a:spcPct val="100000"/>
-                        </a:lnSpc>
-                        <a:spcBef>
-                          <a:spcPts val="0"/>
-                        </a:spcBef>
-                        <a:spcAft>
-                          <a:spcPts val="0"/>
-                        </a:spcAft>
-                        <a:buClrTx/>
-                        <a:buSzTx/>
-                        <a:buFontTx/>
-                        <a:buNone/>
-                        <a:tabLst/>
-                        <a:defRPr/>
-                      </a:pPr>
-                      <a:r>
-                        <a:rPr lang="en-US" altLang="zh-CN" dirty="0">
-                          <a:hlinkClick r:id="rId11"/>
+                          <a:hlinkClick r:id="rId13"/>
                         </a:rPr>
                         <a:t>DDPG</a:t>
                       </a:r>
@@ -4653,7 +4653,7 @@
                       </a:r>
                       <a:r>
                         <a:rPr lang="en-US" altLang="zh-CN" dirty="0">
-                          <a:hlinkClick r:id="rId12"/>
+                          <a:hlinkClick r:id="rId14"/>
                         </a:rPr>
                         <a:t>TD3</a:t>
                       </a:r>
@@ -4679,11 +4679,57 @@
                       </a:pPr>
                       <a:r>
                         <a:rPr lang="en-US" altLang="zh-CN" dirty="0">
-                          <a:hlinkClick r:id="rId13"/>
+                          <a:hlinkClick r:id="rId15"/>
                         </a:rPr>
                         <a:t>SAC</a:t>
                       </a:r>
                       <a:endParaRPr lang="en-US" altLang="zh-CN" dirty="0"/>
+                    </a:p>
+                    <a:p>
+                      <a:pPr marL="0" marR="0" lvl="0" indent="0" algn="l" defTabSz="914400" rtl="0" eaLnBrk="1" fontAlgn="auto" latinLnBrk="0" hangingPunct="1">
+                        <a:lnSpc>
+                          <a:spcPct val="100000"/>
+                        </a:lnSpc>
+                        <a:spcBef>
+                          <a:spcPts val="0"/>
+                        </a:spcBef>
+                        <a:spcAft>
+                          <a:spcPts val="0"/>
+                        </a:spcAft>
+                        <a:buClrTx/>
+                        <a:buSzTx/>
+                        <a:buFontTx/>
+                        <a:buNone/>
+                        <a:tabLst/>
+                        <a:defRPr/>
+                      </a:pPr>
+                      <a:r>
+                        <a:rPr lang="en-US" altLang="zh-CN" dirty="0">
+                          <a:hlinkClick r:id="rId16"/>
+                        </a:rPr>
+                        <a:t>TRPO</a:t>
+                      </a:r>
+                      <a:r>
+                        <a:rPr lang="en-US" altLang="zh-CN" dirty="0"/>
+                        <a:t> </a:t>
+                      </a:r>
+                      <a:r>
+                        <a:rPr lang="en-US" altLang="zh-CN" dirty="0">
+                          <a:hlinkClick r:id="rId17"/>
+                        </a:rPr>
+                        <a:t>PPO-Penalty</a:t>
+                      </a:r>
+                      <a:r>
+                        <a:rPr lang="en-US" altLang="zh-CN" dirty="0"/>
+                        <a:t> </a:t>
+                      </a:r>
+                      <a:r>
+                        <a:rPr lang="en-US" altLang="zh-CN" dirty="0">
+                          <a:hlinkClick r:id="rId17"/>
+                        </a:rPr>
+                        <a:t>PPO-Clip</a:t>
+                      </a:r>
+                      <a:endParaRPr lang="zh-CN" altLang="en-US" dirty="0"/>
                     </a:p>
                   </a:txBody>
                   <a:tcPr>
@@ -4749,7 +4795,7 @@
           <a:lstStyle/>
           <a:p>
             <a:r>
-              <a:rPr lang="zh-CN" altLang="en-US"/>
+              <a:rPr lang="zh-CN" altLang="en-US" dirty="0"/>
               <a:t>基于价值的方法</a:t>
             </a:r>
           </a:p>
@@ -4765,16 +4811,29 @@
             <p:ph idx="1"/>
           </p:nvPr>
         </p:nvSpPr>
-        <p:spPr/>
+        <p:spPr>
+          <a:xfrm>
+            <a:off x="608400" y="1314000"/>
+            <a:ext cx="4957899" cy="5459662"/>
+          </a:xfrm>
+        </p:spPr>
         <p:txBody>
           <a:bodyPr>
-            <a:normAutofit fontScale="92500" lnSpcReduction="10000"/>
+            <a:normAutofit fontScale="77500" lnSpcReduction="20000"/>
           </a:bodyPr>
           <a:lstStyle/>
           <a:p>
             <a:r>
               <a:rPr lang="zh-CN" altLang="en-US" dirty="0"/>
-              <a:t>DQN（Deep Q-Networks, 2015）</a:t>
+              <a:t>DQN（</a:t>
+            </a:r>
+            <a:r>
+              <a:rPr lang="en-US" altLang="zh-CN" dirty="0"/>
+              <a:t>Minh et al., </a:t>
+            </a:r>
+            <a:r>
+              <a:rPr lang="zh-CN" altLang="en-US" dirty="0"/>
+              <a:t>2015）</a:t>
             </a:r>
           </a:p>
           <a:p>
@@ -4830,7 +4889,15 @@
           <a:p>
             <a:r>
               <a:rPr lang="zh-CN" altLang="en-US" dirty="0"/>
-              <a:t>Double DQN</a:t>
+              <a:t>Double DQN（</a:t>
+            </a:r>
+            <a:r>
+              <a:rPr lang="en-US" altLang="zh-CN" dirty="0"/>
+              <a:t>van Hasselt et al., 2016</a:t>
+            </a:r>
+            <a:r>
+              <a:rPr lang="zh-CN" altLang="en-US" dirty="0"/>
+              <a:t>）</a:t>
             </a:r>
           </a:p>
           <a:p>
@@ -4846,7 +4913,15 @@
           <a:p>
             <a:r>
               <a:rPr lang="zh-CN" altLang="en-US" dirty="0"/>
-              <a:t>Dueling DQN</a:t>
+              <a:t>Dueling DQN（</a:t>
+            </a:r>
+            <a:r>
+              <a:rPr lang="en-US" altLang="zh-CN" dirty="0"/>
+              <a:t>Wang ZY et al., 2016</a:t>
+            </a:r>
+            <a:r>
+              <a:rPr lang="zh-CN" altLang="en-US" dirty="0"/>
+              <a:t>）</a:t>
             </a:r>
           </a:p>
           <a:p>
@@ -4856,13 +4931,25 @@
             </a:pPr>
             <a:r>
               <a:rPr lang="zh-CN" altLang="en-US" dirty="0"/>
-              <a:t>将行为值函数分解为状态值函数和动作优势两部分</a:t>
+              <a:t>将动作价值分解为状态价值和动作优势两部分</a:t>
             </a:r>
           </a:p>
           <a:p>
             <a:r>
               <a:rPr lang="zh-CN" altLang="en-US" dirty="0"/>
-              <a:t>PER DQN</a:t>
+              <a:t>PER DQN（</a:t>
+            </a:r>
+            <a:r>
+              <a:rPr lang="en-US" altLang="zh-CN" dirty="0" err="1"/>
+              <a:t>Schaul</a:t>
+            </a:r>
+            <a:r>
+              <a:rPr lang="en-US" altLang="zh-CN" dirty="0"/>
+              <a:t> et al., 2016</a:t>
+            </a:r>
+            <a:r>
+              <a:rPr lang="zh-CN" altLang="en-US" dirty="0"/>
+              <a:t>）</a:t>
             </a:r>
           </a:p>
           <a:p>
@@ -4884,6 +4971,83 @@
               <a:rPr lang="zh-CN" altLang="en-US" dirty="0"/>
               <a:t>破坏了随机采样--使用重要性采样修正权重</a:t>
             </a:r>
+            <a:endParaRPr lang="en-US" altLang="zh-CN" dirty="0"/>
+          </a:p>
+          <a:p>
+            <a:r>
+              <a:rPr lang="en-US" altLang="zh-CN" dirty="0"/>
+              <a:t>Noisy</a:t>
+            </a:r>
+            <a:r>
+              <a:rPr lang="zh-CN" altLang="en-US" dirty="0"/>
+              <a:t> </a:t>
+            </a:r>
+            <a:r>
+              <a:rPr lang="en-US" altLang="zh-CN" dirty="0"/>
+              <a:t>DQN</a:t>
+            </a:r>
+            <a:r>
+              <a:rPr lang="zh-CN" altLang="en-US" dirty="0"/>
+              <a:t>（</a:t>
+            </a:r>
+            <a:r>
+              <a:rPr lang="en-US" altLang="zh-CN" dirty="0"/>
+              <a:t>Fortunato et al., 2019</a:t>
+            </a:r>
+            <a:r>
+              <a:rPr lang="zh-CN" altLang="en-US" dirty="0"/>
+              <a:t>）</a:t>
+            </a:r>
+            <a:endParaRPr lang="en-US" altLang="zh-CN" dirty="0"/>
+          </a:p>
+          <a:p>
+            <a:pPr lvl="1">
+              <a:buFont typeface="Wingdings" panose="05000000000000000000" pitchFamily="2" charset="2"/>
+              <a:buChar char="n"/>
+            </a:pPr>
+            <a:r>
+              <a:rPr lang="zh-CN" altLang="en-US" dirty="0"/>
+              <a:t>探索问题</a:t>
+            </a:r>
+            <a:r>
+              <a:rPr lang="en-US" altLang="zh-CN" dirty="0"/>
+              <a:t>—</a:t>
+            </a:r>
+            <a:r>
+              <a:rPr lang="zh-CN" altLang="en-US" dirty="0"/>
+              <a:t>给训练网络添加噪音</a:t>
+            </a:r>
+            <a:endParaRPr lang="en-US" altLang="zh-CN" dirty="0"/>
+          </a:p>
+          <a:p>
+            <a:r>
+              <a:rPr lang="en-US" altLang="zh-CN" dirty="0"/>
+              <a:t>Distributional DQN</a:t>
+            </a:r>
+            <a:r>
+              <a:rPr lang="zh-CN" altLang="en-US" dirty="0"/>
+              <a:t>（</a:t>
+            </a:r>
+            <a:r>
+              <a:rPr lang="en-US" altLang="zh-CN" dirty="0"/>
+              <a:t>Bellemare et al., 2017</a:t>
+            </a:r>
+            <a:r>
+              <a:rPr lang="zh-CN" altLang="en-US" dirty="0"/>
+              <a:t>）</a:t>
+            </a:r>
+            <a:endParaRPr lang="en-US" altLang="zh-CN" dirty="0"/>
+          </a:p>
+          <a:p>
+            <a:pPr lvl="1">
+              <a:buFont typeface="Wingdings" panose="05000000000000000000" pitchFamily="2" charset="2"/>
+              <a:buChar char="n"/>
+            </a:pPr>
+            <a:r>
+              <a:rPr lang="zh-CN" altLang="en-US" dirty="0"/>
+              <a:t>只输出每个动作的动作价值的期望值会有风险，应该输出每个动作的动作价值的分布</a:t>
+            </a:r>
+            <a:endParaRPr lang="en-US" altLang="zh-CN" dirty="0"/>
           </a:p>
         </p:txBody>
       </p:sp>
@@ -4903,14 +5067,199 @@
         </p:blipFill>
         <p:spPr>
           <a:xfrm>
-            <a:off x="4861560" y="1490345"/>
-            <a:ext cx="7489190" cy="4631055"/>
+            <a:off x="5803408" y="1117481"/>
+            <a:ext cx="6175155" cy="3818501"/>
           </a:xfrm>
           <a:prstGeom prst="rect">
             <a:avLst/>
           </a:prstGeom>
         </p:spPr>
       </p:pic>
+      <p:sp>
+        <p:nvSpPr>
+          <p:cNvPr id="5" name="文本框 4">
+            <a:extLst>
+              <a:ext uri="{FF2B5EF4-FFF2-40B4-BE49-F238E27FC236}">
+                <a16:creationId xmlns:a16="http://schemas.microsoft.com/office/drawing/2014/main" id="{10D29604-9DDA-47B0-96BE-105DC9112948}"/>
+              </a:ext>
+            </a:extLst>
+          </p:cNvPr>
+          <p:cNvSpPr txBox="1"/>
+          <p:nvPr/>
+        </p:nvSpPr>
+        <p:spPr>
+          <a:xfrm>
+            <a:off x="5761608" y="5327112"/>
+            <a:ext cx="6258757" cy="1446550"/>
+          </a:xfrm>
+          <a:prstGeom prst="rect">
+            <a:avLst/>
+          </a:prstGeom>
+          <a:noFill/>
+        </p:spPr>
+        <p:txBody>
+          <a:bodyPr wrap="square" rtlCol="0">
+            <a:spAutoFit/>
+          </a:bodyPr>
+          <a:lstStyle/>
+          <a:p>
+            <a:pPr marL="285750" indent="-285750">
+              <a:buFont typeface="Arial" panose="020B0604020202020204" pitchFamily="34" charset="0"/>
+              <a:buChar char="•"/>
+            </a:pPr>
+            <a:r>
+              <a:rPr lang="en-US" altLang="zh-CN" sz="1400" dirty="0">
+                <a:latin typeface="+mn-ea"/>
+              </a:rPr>
+              <a:t>Rainbow</a:t>
+            </a:r>
+            <a:r>
+              <a:rPr lang="zh-CN" altLang="en-US" sz="1400" dirty="0">
+                <a:latin typeface="+mn-ea"/>
+              </a:rPr>
+              <a:t>（</a:t>
+            </a:r>
+            <a:r>
+              <a:rPr lang="en-US" altLang="zh-CN" sz="1400" dirty="0">
+                <a:latin typeface="+mn-ea"/>
+              </a:rPr>
+              <a:t>Hessel et al., 2018</a:t>
+            </a:r>
+            <a:r>
+              <a:rPr lang="zh-CN" altLang="en-US" sz="1400" dirty="0">
+                <a:latin typeface="+mn-ea"/>
+              </a:rPr>
+              <a:t>）</a:t>
+            </a:r>
+            <a:endParaRPr lang="en-US" altLang="zh-CN" sz="1400" dirty="0">
+              <a:latin typeface="+mn-ea"/>
+            </a:endParaRPr>
+          </a:p>
+          <a:p>
+            <a:pPr lvl="1">
+              <a:buFont typeface="Wingdings" panose="05000000000000000000" pitchFamily="2" charset="2"/>
+              <a:buChar char="n"/>
+            </a:pPr>
+            <a:r>
+              <a:rPr lang="zh-CN" altLang="en-US" sz="1200" dirty="0">
+                <a:latin typeface="+mn-ea"/>
+              </a:rPr>
+              <a:t>综合了</a:t>
+            </a:r>
+            <a:r>
+              <a:rPr lang="en-US" altLang="zh-CN" sz="1200" dirty="0">
+                <a:latin typeface="+mn-ea"/>
+              </a:rPr>
+              <a:t>Double DQN, Dueling DQN, PER DQN, Multi-Step Learning, Distributional DQN</a:t>
+            </a:r>
+          </a:p>
+          <a:p>
+            <a:pPr marL="285750" indent="-285750">
+              <a:buFont typeface="Arial" panose="020B0604020202020204" pitchFamily="34" charset="0"/>
+              <a:buChar char="•"/>
+            </a:pPr>
+            <a:r>
+              <a:rPr lang="en-US" altLang="zh-CN" sz="1400" dirty="0">
+                <a:latin typeface="+mn-ea"/>
+              </a:rPr>
+              <a:t>Apex-X</a:t>
+            </a:r>
+            <a:r>
+              <a:rPr lang="zh-CN" altLang="en-US" sz="1400" dirty="0">
+                <a:latin typeface="+mn-ea"/>
+              </a:rPr>
+              <a:t>（</a:t>
+            </a:r>
+            <a:r>
+              <a:rPr lang="en-US" altLang="zh-CN" sz="1400" dirty="0">
+                <a:latin typeface="+mn-ea"/>
+              </a:rPr>
+              <a:t>Horgan et al., 2018</a:t>
+            </a:r>
+            <a:r>
+              <a:rPr lang="zh-CN" altLang="en-US" sz="1400" dirty="0">
+                <a:latin typeface="+mn-ea"/>
+              </a:rPr>
+              <a:t>）</a:t>
+            </a:r>
+            <a:endParaRPr lang="en-US" altLang="zh-CN" sz="1400" dirty="0">
+              <a:latin typeface="+mn-ea"/>
+            </a:endParaRPr>
+          </a:p>
+          <a:p>
+            <a:pPr lvl="1">
+              <a:buFont typeface="Wingdings" panose="05000000000000000000" pitchFamily="2" charset="2"/>
+              <a:buChar char="n"/>
+            </a:pPr>
+            <a:r>
+              <a:rPr lang="en-US" altLang="zh-CN" sz="1200" dirty="0">
+                <a:latin typeface="+mn-ea"/>
+              </a:rPr>
+              <a:t>Rainbow</a:t>
+            </a:r>
+            <a:r>
+              <a:rPr lang="zh-CN" altLang="en-US" sz="1200" dirty="0">
+                <a:latin typeface="+mn-ea"/>
+              </a:rPr>
+              <a:t>中</a:t>
+            </a:r>
+            <a:r>
+              <a:rPr lang="en-US" altLang="zh-CN" sz="1200" dirty="0">
+                <a:latin typeface="+mn-ea"/>
+              </a:rPr>
+              <a:t>PER DQN</a:t>
+            </a:r>
+            <a:r>
+              <a:rPr lang="zh-CN" altLang="en-US" sz="1200" dirty="0">
+                <a:latin typeface="+mn-ea"/>
+              </a:rPr>
+              <a:t>对性能的影响最大，但只使用了一个</a:t>
+            </a:r>
+            <a:r>
+              <a:rPr lang="en-US" altLang="zh-CN" sz="1200" dirty="0">
+                <a:latin typeface="+mn-ea"/>
+              </a:rPr>
+              <a:t>Actor</a:t>
+            </a:r>
+            <a:r>
+              <a:rPr lang="zh-CN" altLang="en-US" sz="1200" dirty="0">
+                <a:latin typeface="+mn-ea"/>
+              </a:rPr>
+              <a:t>采样，采样效率低</a:t>
+            </a:r>
+            <a:endParaRPr lang="en-US" altLang="zh-CN" sz="1200" dirty="0">
+              <a:latin typeface="+mn-ea"/>
+            </a:endParaRPr>
+          </a:p>
+          <a:p>
+            <a:pPr lvl="1">
+              <a:buFont typeface="Wingdings" panose="05000000000000000000" pitchFamily="2" charset="2"/>
+              <a:buChar char="n"/>
+            </a:pPr>
+            <a:r>
+              <a:rPr lang="zh-CN" altLang="en-US" sz="1200" dirty="0">
+                <a:latin typeface="+mn-ea"/>
+              </a:rPr>
+              <a:t>使用多个</a:t>
+            </a:r>
+            <a:r>
+              <a:rPr lang="en-US" altLang="zh-CN" sz="1200" dirty="0">
+                <a:latin typeface="+mn-ea"/>
+              </a:rPr>
+              <a:t>Actor</a:t>
+            </a:r>
+            <a:r>
+              <a:rPr lang="zh-CN" altLang="en-US" sz="1200" dirty="0">
+                <a:latin typeface="+mn-ea"/>
+              </a:rPr>
+              <a:t>进行采样</a:t>
+            </a:r>
+            <a:endParaRPr lang="en-US" altLang="zh-CN" sz="1200" dirty="0">
+              <a:latin typeface="+mn-ea"/>
+            </a:endParaRPr>
+          </a:p>
+        </p:txBody>
+      </p:sp>
     </p:spTree>
     <p:custDataLst>
       <p:tags r:id="rId1"/>
@@ -4919,81 +5268,6 @@
   <p:clrMapOvr>
     <a:masterClrMapping/>
   </p:clrMapOvr>
-  <p:timing>
-    <p:tnLst>
-      <p:par>
-        <p:cTn id="1" dur="indefinite" restart="never" nodeType="tmRoot">
-          <p:childTnLst>
-            <p:seq concurrent="1" nextAc="seek">
-              <p:cTn id="2" dur="indefinite" nodeType="mainSeq">
-                <p:childTnLst>
-                  <p:par>
-                    <p:cTn id="3" fill="hold">
-                      <p:stCondLst>
-                        <p:cond delay="indefinite"/>
-                      </p:stCondLst>
-                      <p:childTnLst>
-                        <p:par>
-                          <p:cTn id="4" fill="hold">
-                            <p:stCondLst>
-                              <p:cond delay="0"/>
-                            </p:stCondLst>
-                            <p:childTnLst>
-                              <p:par>
-                                <p:cTn id="5" presetID="1" presetClass="entr" presetSubtype="0" fill="hold" nodeType="clickEffect">
-                                  <p:stCondLst>
-                                    <p:cond delay="0"/>
-                                  </p:stCondLst>
-                                  <p:childTnLst>
-                                    <p:set>
-                                      <p:cBhvr>
-                                        <p:cTn id="6" dur="1" fill="hold">
-                                          <p:stCondLst>
-                                            <p:cond delay="0"/>
-                                          </p:stCondLst>
-                                        </p:cTn>
-                                        <p:tgtEl>
-                                          <p:spTgt spid="4"/>
-                                        </p:tgtEl>
-                                        <p:attrNameLst>
-                                          <p:attrName>style.visibility</p:attrName>
-                                        </p:attrNameLst>
-                                      </p:cBhvr>
-                                      <p:to>
-                                        <p:strVal val="visible"/>
-                                      </p:to>
-                                    </p:set>
-                                  </p:childTnLst>
-                                </p:cTn>
-                              </p:par>
-                            </p:childTnLst>
-                          </p:cTn>
-                        </p:par>
-                      </p:childTnLst>
-                    </p:cTn>
-                  </p:par>
-                </p:childTnLst>
-              </p:cTn>
-              <p:prevCondLst>
-                <p:cond evt="onPrev" delay="0">
-                  <p:tgtEl>
-                    <p:sldTgt/>
-                  </p:tgtEl>
-                </p:cond>
-              </p:prevCondLst>
-              <p:nextCondLst>
-                <p:cond evt="onNext" delay="0">
-                  <p:tgtEl>
-                    <p:sldTgt/>
-                  </p:tgtEl>
-                </p:cond>
-              </p:nextCondLst>
-            </p:seq>
-          </p:childTnLst>
-        </p:cTn>
-      </p:par>
-    </p:tnLst>
-  </p:timing>
 </p:sld>
 </file>
 
@@ -5036,370 +5310,1276 @@
           </a:p>
         </p:txBody>
       </p:sp>
-      <p:graphicFrame>
-        <p:nvGraphicFramePr>
-          <p:cNvPr id="4" name="对象 3">
-            <a:hlinkClick r:id="" action="ppaction://ole?verb=0"/>
-          </p:cNvPr>
-          <p:cNvGraphicFramePr>
-            <a:graphicFrameLocks noChangeAspect="1"/>
-          </p:cNvGraphicFramePr>
-          <p:nvPr/>
-        </p:nvGraphicFramePr>
-        <p:xfrm>
-          <a:off x="4592003" y="3717290"/>
-          <a:ext cx="370205" cy="191770"/>
-        </p:xfrm>
-        <a:graphic>
-          <a:graphicData uri="http://schemas.openxmlformats.org/presentationml/2006/ole">
-            <mc:AlternateContent xmlns:mc="http://schemas.openxmlformats.org/markup-compatibility/2006">
-              <mc:Choice xmlns:v="urn:schemas-microsoft-com:vml" Requires="v">
-                <p:oleObj spid="_x0000_s4211" r:id="rId4" imgW="370205" imgH="191770" progId="latexeqedit.Formula">
-                  <p:embed/>
-                </p:oleObj>
-              </mc:Choice>
-              <mc:Fallback>
-                <p:oleObj r:id="rId4" imgW="370205" imgH="191770" progId="latexeqedit.Formula">
-                  <p:embed/>
-                  <p:pic>
-                    <p:nvPicPr>
-                      <p:cNvPr id="0" name="图片 1024"/>
-                      <p:cNvPicPr/>
-                      <p:nvPr/>
-                    </p:nvPicPr>
-                    <p:blipFill>
-                      <a:blip r:embed="rId5"/>
-                      <a:stretch>
-                        <a:fillRect/>
-                      </a:stretch>
-                    </p:blipFill>
-                    <p:spPr>
-                      <a:xfrm>
-                        <a:off x="4592003" y="3717290"/>
-                        <a:ext cx="370205" cy="191770"/>
-                      </a:xfrm>
-                      <a:prstGeom prst="rect">
-                        <a:avLst/>
-                      </a:prstGeom>
-                    </p:spPr>
-                  </p:pic>
-                </p:oleObj>
-              </mc:Fallback>
-            </mc:AlternateContent>
-          </a:graphicData>
-        </a:graphic>
-      </p:graphicFrame>
-      <p:sp>
-        <p:nvSpPr>
-          <p:cNvPr id="5" name="内容占位符 2"/>
-          <p:cNvSpPr>
-            <a:spLocks noGrp="1"/>
-          </p:cNvSpPr>
-          <p:nvPr/>
-        </p:nvSpPr>
-        <p:spPr>
-          <a:xfrm>
-            <a:off x="735330" y="1617345"/>
-            <a:ext cx="4385945" cy="4768850"/>
-          </a:xfrm>
-          <a:prstGeom prst="rect">
-            <a:avLst/>
-          </a:prstGeom>
-        </p:spPr>
-        <p:txBody>
-          <a:bodyPr vert="horz" lIns="90000" tIns="46800" rIns="90000" bIns="46800" rtlCol="0">
-            <a:normAutofit/>
-          </a:bodyPr>
-          <a:lstStyle>
-            <a:lvl1pPr marL="228600" indent="-228600" algn="l" defTabSz="914400" rtl="0" eaLnBrk="1" fontAlgn="auto" latinLnBrk="0" hangingPunct="1">
-              <a:lnSpc>
-                <a:spcPct val="130000"/>
-              </a:lnSpc>
-              <a:spcBef>
-                <a:spcPts val="0"/>
-              </a:spcBef>
-              <a:spcAft>
-                <a:spcPts val="1000"/>
-              </a:spcAft>
-              <a:buFont typeface="Arial" panose="020B0604020202020204" pitchFamily="34" charset="0"/>
-              <a:buChar char="●"/>
-              <a:defRPr sz="1800" u="none" strike="noStrike" kern="1200" cap="none" spc="150" normalizeH="0" baseline="0">
-                <a:solidFill>
-                  <a:schemeClr val="tx1">
-                    <a:lumMod val="65000"/>
-                    <a:lumOff val="35000"/>
-                  </a:schemeClr>
-                </a:solidFill>
-                <a:uFillTx/>
-                <a:latin typeface="+mn-lt"/>
-                <a:ea typeface="+mn-ea"/>
-                <a:cs typeface="+mn-cs"/>
-              </a:defRPr>
-            </a:lvl1pPr>
-            <a:lvl2pPr marL="685800" indent="-228600" algn="l" defTabSz="914400" rtl="0" eaLnBrk="1" fontAlgn="auto" latinLnBrk="0" hangingPunct="1">
-              <a:lnSpc>
-                <a:spcPct val="120000"/>
-              </a:lnSpc>
-              <a:spcBef>
-                <a:spcPts val="0"/>
-              </a:spcBef>
-              <a:spcAft>
-                <a:spcPts val="600"/>
-              </a:spcAft>
-              <a:buFont typeface="Arial" panose="020B0604020202020204" pitchFamily="34" charset="0"/>
-              <a:buChar char="●"/>
-              <a:tabLst>
-                <a:tab pos="1609725" algn="l"/>
-                <a:tab pos="1609725" algn="l"/>
-                <a:tab pos="1609725" algn="l"/>
-                <a:tab pos="1609725" algn="l"/>
-              </a:tabLst>
-              <a:defRPr sz="1600" u="none" strike="noStrike" kern="1200" cap="none" spc="150" normalizeH="0" baseline="0">
-                <a:solidFill>
-                  <a:schemeClr val="tx1">
-                    <a:lumMod val="65000"/>
-                    <a:lumOff val="35000"/>
-                  </a:schemeClr>
-                </a:solidFill>
-                <a:uFillTx/>
-                <a:latin typeface="+mn-lt"/>
-                <a:ea typeface="+mn-ea"/>
-                <a:cs typeface="+mn-cs"/>
-              </a:defRPr>
-            </a:lvl2pPr>
-            <a:lvl3pPr marL="1143000" indent="-228600" algn="l" defTabSz="914400" rtl="0" eaLnBrk="1" fontAlgn="auto" latinLnBrk="0" hangingPunct="1">
-              <a:lnSpc>
-                <a:spcPct val="120000"/>
-              </a:lnSpc>
-              <a:spcBef>
-                <a:spcPts val="0"/>
-              </a:spcBef>
-              <a:spcAft>
-                <a:spcPts val="600"/>
-              </a:spcAft>
-              <a:buFont typeface="Arial" panose="020B0604020202020204" pitchFamily="34" charset="0"/>
-              <a:buChar char="●"/>
-              <a:defRPr sz="1600" u="none" strike="noStrike" kern="1200" cap="none" spc="150" normalizeH="0" baseline="0">
-                <a:solidFill>
-                  <a:schemeClr val="tx1">
-                    <a:lumMod val="65000"/>
-                    <a:lumOff val="35000"/>
-                  </a:schemeClr>
-                </a:solidFill>
-                <a:uFillTx/>
-                <a:latin typeface="+mn-lt"/>
-                <a:ea typeface="+mn-ea"/>
-                <a:cs typeface="+mn-cs"/>
-              </a:defRPr>
-            </a:lvl3pPr>
-            <a:lvl4pPr marL="1600200" indent="-228600" algn="l" defTabSz="914400" rtl="0" eaLnBrk="1" fontAlgn="auto" latinLnBrk="0" hangingPunct="1">
-              <a:lnSpc>
-                <a:spcPct val="120000"/>
-              </a:lnSpc>
-              <a:spcBef>
-                <a:spcPts val="0"/>
-              </a:spcBef>
-              <a:spcAft>
-                <a:spcPts val="300"/>
-              </a:spcAft>
-              <a:buFont typeface="Wingdings" panose="05000000000000000000" charset="0"/>
-              <a:buChar char=""/>
-              <a:defRPr sz="1400" u="none" strike="noStrike" kern="1200" cap="none" spc="150" normalizeH="0" baseline="0">
-                <a:solidFill>
-                  <a:schemeClr val="tx1">
-                    <a:lumMod val="65000"/>
-                    <a:lumOff val="35000"/>
-                  </a:schemeClr>
-                </a:solidFill>
-                <a:uFillTx/>
-                <a:latin typeface="+mn-lt"/>
-                <a:ea typeface="+mn-ea"/>
-                <a:cs typeface="+mn-cs"/>
-              </a:defRPr>
-            </a:lvl4pPr>
-            <a:lvl5pPr marL="2057400" indent="-228600" algn="l" defTabSz="914400" rtl="0" eaLnBrk="1" fontAlgn="auto" latinLnBrk="0" hangingPunct="1">
-              <a:lnSpc>
-                <a:spcPct val="120000"/>
-              </a:lnSpc>
-              <a:spcBef>
-                <a:spcPts val="0"/>
-              </a:spcBef>
-              <a:spcAft>
-                <a:spcPts val="300"/>
-              </a:spcAft>
-              <a:buFont typeface="Arial" panose="020B0604020202020204" pitchFamily="34" charset="0"/>
-              <a:buChar char="•"/>
-              <a:defRPr sz="1400" u="none" strike="noStrike" kern="1200" cap="none" spc="150" normalizeH="0" baseline="0">
-                <a:solidFill>
-                  <a:schemeClr val="tx1">
-                    <a:lumMod val="65000"/>
-                    <a:lumOff val="35000"/>
-                  </a:schemeClr>
-                </a:solidFill>
-                <a:uFillTx/>
-                <a:latin typeface="+mn-lt"/>
-                <a:ea typeface="+mn-ea"/>
-                <a:cs typeface="+mn-cs"/>
-              </a:defRPr>
-            </a:lvl5pPr>
-            <a:lvl6pPr marL="2514600" indent="-228600" algn="l" defTabSz="914400" rtl="0" eaLnBrk="1" latinLnBrk="0" hangingPunct="1">
-              <a:lnSpc>
-                <a:spcPct val="90000"/>
-              </a:lnSpc>
-              <a:spcBef>
-                <a:spcPts val="500"/>
-              </a:spcBef>
-              <a:buFont typeface="Arial" panose="020B0604020202020204" pitchFamily="34" charset="0"/>
-              <a:buChar char="•"/>
-              <a:defRPr sz="1800" kern="1200">
-                <a:solidFill>
-                  <a:schemeClr val="tx1"/>
-                </a:solidFill>
-                <a:latin typeface="+mn-lt"/>
-                <a:ea typeface="+mn-ea"/>
-                <a:cs typeface="+mn-cs"/>
-              </a:defRPr>
-            </a:lvl6pPr>
-            <a:lvl7pPr marL="2971800" indent="-228600" algn="l" defTabSz="914400" rtl="0" eaLnBrk="1" latinLnBrk="0" hangingPunct="1">
-              <a:lnSpc>
-                <a:spcPct val="90000"/>
-              </a:lnSpc>
-              <a:spcBef>
-                <a:spcPts val="500"/>
-              </a:spcBef>
-              <a:buFont typeface="Arial" panose="020B0604020202020204" pitchFamily="34" charset="0"/>
-              <a:buChar char="•"/>
-              <a:defRPr sz="1800" kern="1200">
-                <a:solidFill>
-                  <a:schemeClr val="tx1"/>
-                </a:solidFill>
-                <a:latin typeface="+mn-lt"/>
-                <a:ea typeface="+mn-ea"/>
-                <a:cs typeface="+mn-cs"/>
-              </a:defRPr>
-            </a:lvl7pPr>
-            <a:lvl8pPr marL="3429000" indent="-228600" algn="l" defTabSz="914400" rtl="0" eaLnBrk="1" latinLnBrk="0" hangingPunct="1">
-              <a:lnSpc>
-                <a:spcPct val="90000"/>
-              </a:lnSpc>
-              <a:spcBef>
-                <a:spcPts val="500"/>
-              </a:spcBef>
-              <a:buFont typeface="Arial" panose="020B0604020202020204" pitchFamily="34" charset="0"/>
-              <a:buChar char="•"/>
-              <a:defRPr sz="1800" kern="1200">
-                <a:solidFill>
-                  <a:schemeClr val="tx1"/>
-                </a:solidFill>
-                <a:latin typeface="+mn-lt"/>
-                <a:ea typeface="+mn-ea"/>
-                <a:cs typeface="+mn-cs"/>
-              </a:defRPr>
-            </a:lvl8pPr>
-            <a:lvl9pPr marL="3886200" indent="-228600" algn="l" defTabSz="914400" rtl="0" eaLnBrk="1" latinLnBrk="0" hangingPunct="1">
-              <a:lnSpc>
-                <a:spcPct val="90000"/>
-              </a:lnSpc>
-              <a:spcBef>
-                <a:spcPts val="500"/>
-              </a:spcBef>
-              <a:buFont typeface="Arial" panose="020B0604020202020204" pitchFamily="34" charset="0"/>
-              <a:buChar char="•"/>
-              <a:defRPr sz="1800" kern="1200">
-                <a:solidFill>
-                  <a:schemeClr val="tx1"/>
-                </a:solidFill>
-                <a:latin typeface="+mn-lt"/>
-                <a:ea typeface="+mn-ea"/>
-                <a:cs typeface="+mn-cs"/>
-              </a:defRPr>
-            </a:lvl9pPr>
-          </a:lstStyle>
-          <a:p>
-            <a:r>
-              <a:rPr lang="zh-CN" altLang="en-US"/>
-              <a:t>REINFORCE（1992）</a:t>
-            </a:r>
-          </a:p>
-          <a:p>
-            <a:pPr lvl="1">
-              <a:buFont typeface="Wingdings" panose="05000000000000000000" charset="0"/>
-              <a:buChar char="n"/>
-            </a:pPr>
-            <a:r>
-              <a:rPr lang="zh-CN" altLang="en-US"/>
-              <a:t>通过神经网络表示策略</a:t>
-            </a:r>
-          </a:p>
-          <a:p>
-            <a:pPr lvl="1">
-              <a:buFont typeface="Wingdings" panose="05000000000000000000" charset="0"/>
-              <a:buChar char="n"/>
-            </a:pPr>
-            <a:r>
-              <a:rPr lang="zh-CN" altLang="en-US"/>
-              <a:t>优化目标--最大化期望累计回报</a:t>
-            </a:r>
-          </a:p>
-          <a:p>
-            <a:pPr lvl="1">
-              <a:buFont typeface="Wingdings" panose="05000000000000000000" charset="0"/>
-              <a:buChar char="n"/>
-            </a:pPr>
-            <a:r>
-              <a:rPr lang="zh-CN" altLang="en-US"/>
-              <a:t>思想--鼓励智能体选择高收益的动作</a:t>
-            </a:r>
-          </a:p>
-          <a:p>
-            <a:pPr lvl="1">
-              <a:buFont typeface="Wingdings" panose="05000000000000000000" charset="0"/>
-              <a:buChar char="n"/>
-            </a:pPr>
-            <a:r>
-              <a:rPr lang="zh-CN" altLang="en-US"/>
-              <a:t>缺点--存在较大的方差</a:t>
-            </a:r>
-          </a:p>
-          <a:p>
-            <a:pPr lvl="1">
-              <a:buFont typeface="Wingdings" panose="05000000000000000000" charset="0"/>
-              <a:buChar char="n"/>
-            </a:pPr>
-            <a:r>
-              <a:rPr lang="zh-CN" altLang="en-US"/>
-              <a:t>引入一个基线函数来减小方差--</a:t>
-            </a:r>
-          </a:p>
-        </p:txBody>
-      </p:sp>
+      <mc:AlternateContent xmlns:mc="http://schemas.openxmlformats.org/markup-compatibility/2006">
+        <mc:Choice xmlns:a14="http://schemas.microsoft.com/office/drawing/2010/main" Requires="a14">
+          <p:sp>
+            <p:nvSpPr>
+              <p:cNvPr id="5" name="内容占位符 2"/>
+              <p:cNvSpPr>
+                <a:spLocks noGrp="1"/>
+              </p:cNvSpPr>
+              <p:nvPr/>
+            </p:nvSpPr>
+            <p:spPr>
+              <a:xfrm>
+                <a:off x="735330" y="3020018"/>
+                <a:ext cx="4751070" cy="2448628"/>
+              </a:xfrm>
+              <a:prstGeom prst="rect">
+                <a:avLst/>
+              </a:prstGeom>
+            </p:spPr>
+            <p:txBody>
+              <a:bodyPr vert="horz" lIns="90000" tIns="46800" rIns="90000" bIns="46800" rtlCol="0">
+                <a:normAutofit/>
+              </a:bodyPr>
+              <a:lstStyle>
+                <a:lvl1pPr marL="228600" indent="-228600" algn="l" defTabSz="914400" rtl="0" eaLnBrk="1" fontAlgn="auto" latinLnBrk="0" hangingPunct="1">
+                  <a:lnSpc>
+                    <a:spcPct val="130000"/>
+                  </a:lnSpc>
+                  <a:spcBef>
+                    <a:spcPts val="0"/>
+                  </a:spcBef>
+                  <a:spcAft>
+                    <a:spcPts val="1000"/>
+                  </a:spcAft>
+                  <a:buFont typeface="Arial" panose="020B0604020202020204" pitchFamily="34" charset="0"/>
+                  <a:buChar char="●"/>
+                  <a:defRPr sz="1800" u="none" strike="noStrike" kern="1200" cap="none" spc="150" normalizeH="0" baseline="0">
+                    <a:solidFill>
+                      <a:schemeClr val="tx1">
+                        <a:lumMod val="65000"/>
+                        <a:lumOff val="35000"/>
+                      </a:schemeClr>
+                    </a:solidFill>
+                    <a:uFillTx/>
+                    <a:latin typeface="+mn-lt"/>
+                    <a:ea typeface="+mn-ea"/>
+                    <a:cs typeface="+mn-cs"/>
+                  </a:defRPr>
+                </a:lvl1pPr>
+                <a:lvl2pPr marL="685800" indent="-228600" algn="l" defTabSz="914400" rtl="0" eaLnBrk="1" fontAlgn="auto" latinLnBrk="0" hangingPunct="1">
+                  <a:lnSpc>
+                    <a:spcPct val="120000"/>
+                  </a:lnSpc>
+                  <a:spcBef>
+                    <a:spcPts val="0"/>
+                  </a:spcBef>
+                  <a:spcAft>
+                    <a:spcPts val="600"/>
+                  </a:spcAft>
+                  <a:buFont typeface="Arial" panose="020B0604020202020204" pitchFamily="34" charset="0"/>
+                  <a:buChar char="●"/>
+                  <a:tabLst>
+                    <a:tab pos="1609725" algn="l"/>
+                    <a:tab pos="1609725" algn="l"/>
+                    <a:tab pos="1609725" algn="l"/>
+                    <a:tab pos="1609725" algn="l"/>
+                  </a:tabLst>
+                  <a:defRPr sz="1600" u="none" strike="noStrike" kern="1200" cap="none" spc="150" normalizeH="0" baseline="0">
+                    <a:solidFill>
+                      <a:schemeClr val="tx1">
+                        <a:lumMod val="65000"/>
+                        <a:lumOff val="35000"/>
+                      </a:schemeClr>
+                    </a:solidFill>
+                    <a:uFillTx/>
+                    <a:latin typeface="+mn-lt"/>
+                    <a:ea typeface="+mn-ea"/>
+                    <a:cs typeface="+mn-cs"/>
+                  </a:defRPr>
+                </a:lvl2pPr>
+                <a:lvl3pPr marL="1143000" indent="-228600" algn="l" defTabSz="914400" rtl="0" eaLnBrk="1" fontAlgn="auto" latinLnBrk="0" hangingPunct="1">
+                  <a:lnSpc>
+                    <a:spcPct val="120000"/>
+                  </a:lnSpc>
+                  <a:spcBef>
+                    <a:spcPts val="0"/>
+                  </a:spcBef>
+                  <a:spcAft>
+                    <a:spcPts val="600"/>
+                  </a:spcAft>
+                  <a:buFont typeface="Arial" panose="020B0604020202020204" pitchFamily="34" charset="0"/>
+                  <a:buChar char="●"/>
+                  <a:defRPr sz="1600" u="none" strike="noStrike" kern="1200" cap="none" spc="150" normalizeH="0" baseline="0">
+                    <a:solidFill>
+                      <a:schemeClr val="tx1">
+                        <a:lumMod val="65000"/>
+                        <a:lumOff val="35000"/>
+                      </a:schemeClr>
+                    </a:solidFill>
+                    <a:uFillTx/>
+                    <a:latin typeface="+mn-lt"/>
+                    <a:ea typeface="+mn-ea"/>
+                    <a:cs typeface="+mn-cs"/>
+                  </a:defRPr>
+                </a:lvl3pPr>
+                <a:lvl4pPr marL="1600200" indent="-228600" algn="l" defTabSz="914400" rtl="0" eaLnBrk="1" fontAlgn="auto" latinLnBrk="0" hangingPunct="1">
+                  <a:lnSpc>
+                    <a:spcPct val="120000"/>
+                  </a:lnSpc>
+                  <a:spcBef>
+                    <a:spcPts val="0"/>
+                  </a:spcBef>
+                  <a:spcAft>
+                    <a:spcPts val="300"/>
+                  </a:spcAft>
+                  <a:buFont typeface="Wingdings" panose="05000000000000000000" charset="0"/>
+                  <a:buChar char=""/>
+                  <a:defRPr sz="1400" u="none" strike="noStrike" kern="1200" cap="none" spc="150" normalizeH="0" baseline="0">
+                    <a:solidFill>
+                      <a:schemeClr val="tx1">
+                        <a:lumMod val="65000"/>
+                        <a:lumOff val="35000"/>
+                      </a:schemeClr>
+                    </a:solidFill>
+                    <a:uFillTx/>
+                    <a:latin typeface="+mn-lt"/>
+                    <a:ea typeface="+mn-ea"/>
+                    <a:cs typeface="+mn-cs"/>
+                  </a:defRPr>
+                </a:lvl4pPr>
+                <a:lvl5pPr marL="2057400" indent="-228600" algn="l" defTabSz="914400" rtl="0" eaLnBrk="1" fontAlgn="auto" latinLnBrk="0" hangingPunct="1">
+                  <a:lnSpc>
+                    <a:spcPct val="120000"/>
+                  </a:lnSpc>
+                  <a:spcBef>
+                    <a:spcPts val="0"/>
+                  </a:spcBef>
+                  <a:spcAft>
+                    <a:spcPts val="300"/>
+                  </a:spcAft>
+                  <a:buFont typeface="Arial" panose="020B0604020202020204" pitchFamily="34" charset="0"/>
+                  <a:buChar char="•"/>
+                  <a:defRPr sz="1400" u="none" strike="noStrike" kern="1200" cap="none" spc="150" normalizeH="0" baseline="0">
+                    <a:solidFill>
+                      <a:schemeClr val="tx1">
+                        <a:lumMod val="65000"/>
+                        <a:lumOff val="35000"/>
+                      </a:schemeClr>
+                    </a:solidFill>
+                    <a:uFillTx/>
+                    <a:latin typeface="+mn-lt"/>
+                    <a:ea typeface="+mn-ea"/>
+                    <a:cs typeface="+mn-cs"/>
+                  </a:defRPr>
+                </a:lvl5pPr>
+                <a:lvl6pPr marL="2514600" indent="-228600" algn="l" defTabSz="914400" rtl="0" eaLnBrk="1" latinLnBrk="0" hangingPunct="1">
+                  <a:lnSpc>
+                    <a:spcPct val="90000"/>
+                  </a:lnSpc>
+                  <a:spcBef>
+                    <a:spcPts val="500"/>
+                  </a:spcBef>
+                  <a:buFont typeface="Arial" panose="020B0604020202020204" pitchFamily="34" charset="0"/>
+                  <a:buChar char="•"/>
+                  <a:defRPr sz="1800" kern="1200">
+                    <a:solidFill>
+                      <a:schemeClr val="tx1"/>
+                    </a:solidFill>
+                    <a:latin typeface="+mn-lt"/>
+                    <a:ea typeface="+mn-ea"/>
+                    <a:cs typeface="+mn-cs"/>
+                  </a:defRPr>
+                </a:lvl6pPr>
+                <a:lvl7pPr marL="2971800" indent="-228600" algn="l" defTabSz="914400" rtl="0" eaLnBrk="1" latinLnBrk="0" hangingPunct="1">
+                  <a:lnSpc>
+                    <a:spcPct val="90000"/>
+                  </a:lnSpc>
+                  <a:spcBef>
+                    <a:spcPts val="500"/>
+                  </a:spcBef>
+                  <a:buFont typeface="Arial" panose="020B0604020202020204" pitchFamily="34" charset="0"/>
+                  <a:buChar char="•"/>
+                  <a:defRPr sz="1800" kern="1200">
+                    <a:solidFill>
+                      <a:schemeClr val="tx1"/>
+                    </a:solidFill>
+                    <a:latin typeface="+mn-lt"/>
+                    <a:ea typeface="+mn-ea"/>
+                    <a:cs typeface="+mn-cs"/>
+                  </a:defRPr>
+                </a:lvl7pPr>
+                <a:lvl8pPr marL="3429000" indent="-228600" algn="l" defTabSz="914400" rtl="0" eaLnBrk="1" latinLnBrk="0" hangingPunct="1">
+                  <a:lnSpc>
+                    <a:spcPct val="90000"/>
+                  </a:lnSpc>
+                  <a:spcBef>
+                    <a:spcPts val="500"/>
+                  </a:spcBef>
+                  <a:buFont typeface="Arial" panose="020B0604020202020204" pitchFamily="34" charset="0"/>
+                  <a:buChar char="•"/>
+                  <a:defRPr sz="1800" kern="1200">
+                    <a:solidFill>
+                      <a:schemeClr val="tx1"/>
+                    </a:solidFill>
+                    <a:latin typeface="+mn-lt"/>
+                    <a:ea typeface="+mn-ea"/>
+                    <a:cs typeface="+mn-cs"/>
+                  </a:defRPr>
+                </a:lvl8pPr>
+                <a:lvl9pPr marL="3886200" indent="-228600" algn="l" defTabSz="914400" rtl="0" eaLnBrk="1" latinLnBrk="0" hangingPunct="1">
+                  <a:lnSpc>
+                    <a:spcPct val="90000"/>
+                  </a:lnSpc>
+                  <a:spcBef>
+                    <a:spcPts val="500"/>
+                  </a:spcBef>
+                  <a:buFont typeface="Arial" panose="020B0604020202020204" pitchFamily="34" charset="0"/>
+                  <a:buChar char="•"/>
+                  <a:defRPr sz="1800" kern="1200">
+                    <a:solidFill>
+                      <a:schemeClr val="tx1"/>
+                    </a:solidFill>
+                    <a:latin typeface="+mn-lt"/>
+                    <a:ea typeface="+mn-ea"/>
+                    <a:cs typeface="+mn-cs"/>
+                  </a:defRPr>
+                </a:lvl9pPr>
+              </a:lstStyle>
+              <a:p>
+                <a:pPr>
+                  <a:buFont typeface="Wingdings" panose="05000000000000000000" pitchFamily="2" charset="2"/>
+                  <a:buChar char="l"/>
+                </a:pPr>
+                <a:r>
+                  <a:rPr lang="zh-CN" altLang="en-US" dirty="0"/>
+                  <a:t>REINFORCE（</a:t>
+                </a:r>
+                <a:r>
+                  <a:rPr lang="en-US" altLang="zh-CN" dirty="0"/>
+                  <a:t>Williams, </a:t>
+                </a:r>
+                <a:r>
+                  <a:rPr lang="zh-CN" altLang="en-US" dirty="0"/>
+                  <a:t>1992）</a:t>
+                </a:r>
+              </a:p>
+              <a:p>
+                <a:pPr lvl="1">
+                  <a:buFont typeface="Wingdings" panose="05000000000000000000" charset="0"/>
+                  <a:buChar char="n"/>
+                </a:pPr>
+                <a:r>
+                  <a:rPr lang="zh-CN" altLang="en-US" dirty="0"/>
+                  <a:t>通过神经网络表示策略</a:t>
+                </a:r>
+              </a:p>
+              <a:p>
+                <a:pPr lvl="1">
+                  <a:buFont typeface="Wingdings" panose="05000000000000000000" charset="0"/>
+                  <a:buChar char="n"/>
+                </a:pPr>
+                <a:r>
+                  <a:rPr lang="zh-CN" altLang="en-US" dirty="0"/>
+                  <a:t>优化目标--最大化期望累计回报</a:t>
+                </a:r>
+              </a:p>
+              <a:p>
+                <a:pPr lvl="1">
+                  <a:buFont typeface="Wingdings" panose="05000000000000000000" charset="0"/>
+                  <a:buChar char="n"/>
+                </a:pPr>
+                <a:r>
+                  <a:rPr lang="zh-CN" altLang="en-US" dirty="0"/>
+                  <a:t>思想--鼓励智能体选择高收益的动作</a:t>
+                </a:r>
+              </a:p>
+              <a:p>
+                <a:pPr lvl="1">
+                  <a:buFont typeface="Wingdings" panose="05000000000000000000" charset="0"/>
+                  <a:buChar char="n"/>
+                </a:pPr>
+                <a:r>
+                  <a:rPr lang="zh-CN" altLang="en-US" dirty="0"/>
+                  <a:t>缺点--存在较大的方差</a:t>
+                </a:r>
+              </a:p>
+              <a:p>
+                <a:pPr lvl="1">
+                  <a:buFont typeface="Wingdings" panose="05000000000000000000" charset="0"/>
+                  <a:buChar char="n"/>
+                </a:pPr>
+                <a:r>
+                  <a:rPr lang="zh-CN" altLang="en-US" dirty="0"/>
+                  <a:t>引入一个基线函数来减小方差--</a:t>
+                </a:r>
+                <a14:m>
+                  <m:oMath xmlns:m="http://schemas.openxmlformats.org/officeDocument/2006/math">
+                    <m:r>
+                      <a:rPr lang="en-US" altLang="zh-CN" b="0" i="1" smtClean="0">
+                        <a:latin typeface="Cambria Math" panose="02040503050406030204" pitchFamily="18" charset="0"/>
+                      </a:rPr>
+                      <m:t>𝑏</m:t>
+                    </m:r>
+                    <m:r>
+                      <a:rPr lang="en-US" altLang="zh-CN" b="0" i="1" smtClean="0">
+                        <a:latin typeface="Cambria Math" panose="02040503050406030204" pitchFamily="18" charset="0"/>
+                      </a:rPr>
+                      <m:t>(</m:t>
+                    </m:r>
+                    <m:sSub>
+                      <m:sSubPr>
+                        <m:ctrlPr>
+                          <a:rPr lang="en-US" altLang="zh-CN" b="0" i="1" smtClean="0">
+                            <a:latin typeface="Cambria Math" panose="02040503050406030204" pitchFamily="18" charset="0"/>
+                          </a:rPr>
+                        </m:ctrlPr>
+                      </m:sSubPr>
+                      <m:e>
+                        <m:r>
+                          <a:rPr lang="en-US" altLang="zh-CN" b="0" i="1" smtClean="0">
+                            <a:latin typeface="Cambria Math" panose="02040503050406030204" pitchFamily="18" charset="0"/>
+                          </a:rPr>
+                          <m:t>𝑆</m:t>
+                        </m:r>
+                      </m:e>
+                      <m:sub>
+                        <m:r>
+                          <a:rPr lang="en-US" altLang="zh-CN" b="0" i="1" smtClean="0">
+                            <a:latin typeface="Cambria Math" panose="02040503050406030204" pitchFamily="18" charset="0"/>
+                          </a:rPr>
+                          <m:t>𝑡</m:t>
+                        </m:r>
+                      </m:sub>
+                    </m:sSub>
+                    <m:r>
+                      <a:rPr lang="en-US" altLang="zh-CN" b="0" i="1" smtClean="0">
+                        <a:latin typeface="Cambria Math" panose="02040503050406030204" pitchFamily="18" charset="0"/>
+                      </a:rPr>
+                      <m:t>)</m:t>
+                    </m:r>
+                  </m:oMath>
+                </a14:m>
+                <a:endParaRPr lang="zh-CN" altLang="en-US" dirty="0"/>
+              </a:p>
+            </p:txBody>
+          </p:sp>
+        </mc:Choice>
+        <mc:Fallback>
+          <p:sp>
+            <p:nvSpPr>
+              <p:cNvPr id="5" name="内容占位符 2"/>
+              <p:cNvSpPr>
+                <a:spLocks noGrp="1" noRot="1" noChangeAspect="1" noMove="1" noResize="1" noEditPoints="1" noAdjustHandles="1" noChangeArrowheads="1" noChangeShapeType="1" noTextEdit="1"/>
+              </p:cNvSpPr>
+              <p:nvPr/>
+            </p:nvSpPr>
+            <p:spPr>
+              <a:xfrm>
+                <a:off x="735330" y="3020018"/>
+                <a:ext cx="4751070" cy="2448628"/>
+              </a:xfrm>
+              <a:prstGeom prst="rect">
+                <a:avLst/>
+              </a:prstGeom>
+              <a:blipFill>
+                <a:blip r:embed="rId3"/>
+                <a:stretch>
+                  <a:fillRect l="-899"/>
+                </a:stretch>
+              </a:blipFill>
+            </p:spPr>
+            <p:txBody>
+              <a:bodyPr/>
+              <a:lstStyle/>
+              <a:p>
+                <a:r>
+                  <a:rPr lang="zh-CN" altLang="en-US">
+                    <a:noFill/>
+                  </a:rPr>
+                  <a:t> </a:t>
+                </a:r>
+              </a:p>
+            </p:txBody>
+          </p:sp>
+        </mc:Fallback>
+      </mc:AlternateContent>
       <p:pic>
         <p:nvPicPr>
-          <p:cNvPr id="7" name="图片 6" descr="REINFORCE"/>
+          <p:cNvPr id="7" name="图片 6"/>
           <p:cNvPicPr>
             <a:picLocks noChangeAspect="1"/>
           </p:cNvPicPr>
           <p:nvPr/>
         </p:nvPicPr>
         <p:blipFill>
-          <a:blip r:embed="rId6"/>
+          <a:blip r:embed="rId4">
+            <a:extLst>
+              <a:ext uri="{28A0092B-C50C-407E-A947-70E740481C1C}">
+                <a14:useLocalDpi xmlns:a14="http://schemas.microsoft.com/office/drawing/2010/main" val="0"/>
+              </a:ext>
+            </a:extLst>
+          </a:blip>
           <a:stretch>
             <a:fillRect/>
           </a:stretch>
         </p:blipFill>
         <p:spPr>
           <a:xfrm>
-            <a:off x="5092700" y="1468755"/>
-            <a:ext cx="6341110" cy="4079240"/>
+            <a:off x="5832080" y="2982899"/>
+            <a:ext cx="5960315" cy="2849794"/>
           </a:xfrm>
           <a:prstGeom prst="rect">
             <a:avLst/>
           </a:prstGeom>
         </p:spPr>
       </p:pic>
+      <mc:AlternateContent xmlns:mc="http://schemas.openxmlformats.org/markup-compatibility/2006">
+        <mc:Choice xmlns:a14="http://schemas.microsoft.com/office/drawing/2010/main" Requires="a14">
+          <p:sp>
+            <p:nvSpPr>
+              <p:cNvPr id="3" name="文本框 2">
+                <a:extLst>
+                  <a:ext uri="{FF2B5EF4-FFF2-40B4-BE49-F238E27FC236}">
+                    <a16:creationId xmlns:a16="http://schemas.microsoft.com/office/drawing/2014/main" id="{ED637896-DCC7-4EF4-9CA1-B77ED551B0B9}"/>
+                  </a:ext>
+                </a:extLst>
+              </p:cNvPr>
+              <p:cNvSpPr txBox="1"/>
+              <p:nvPr/>
+            </p:nvSpPr>
+            <p:spPr>
+              <a:xfrm>
+                <a:off x="735330" y="1637981"/>
+                <a:ext cx="6120586" cy="1288045"/>
+              </a:xfrm>
+              <a:prstGeom prst="rect">
+                <a:avLst/>
+              </a:prstGeom>
+              <a:noFill/>
+            </p:spPr>
+            <p:txBody>
+              <a:bodyPr wrap="none" rtlCol="0">
+                <a:spAutoFit/>
+              </a:bodyPr>
+              <a:lstStyle/>
+              <a:p>
+                <a:pPr marL="285750" indent="-285750">
+                  <a:buFont typeface="Wingdings" panose="05000000000000000000" pitchFamily="2" charset="2"/>
+                  <a:buChar char="l"/>
+                </a:pPr>
+                <a:r>
+                  <a:rPr lang="zh-CN" altLang="en-US" dirty="0"/>
+                  <a:t>策略梯度定理</a:t>
+                </a:r>
+                <a:endParaRPr lang="en-US" altLang="zh-CN" dirty="0"/>
+              </a:p>
+              <a:p>
+                <a:pPr marL="742950" lvl="1" indent="-285750">
+                  <a:buFont typeface="Wingdings" panose="05000000000000000000" pitchFamily="2" charset="2"/>
+                  <a:buChar char="n"/>
+                </a:pPr>
+                <a:r>
+                  <a:rPr lang="zh-CN" altLang="zh-CN" dirty="0"/>
+                  <a:t>直接针对期望回报进行策略优化</a:t>
+                </a:r>
+                <a:endParaRPr lang="en-US" altLang="zh-CN" dirty="0"/>
+              </a:p>
+              <a:p>
+                <a:pPr marL="742950" lvl="1" indent="-285750">
+                  <a:buFont typeface="Wingdings" panose="05000000000000000000" pitchFamily="2" charset="2"/>
+                  <a:buChar char="n"/>
+                </a:pPr>
+                <a14:m>
+                  <m:oMath xmlns:m="http://schemas.openxmlformats.org/officeDocument/2006/math">
+                    <m:r>
+                      <a:rPr lang="en-US" altLang="zh-CN" b="0" i="1" smtClean="0">
+                        <a:latin typeface="Cambria Math" panose="02040503050406030204" pitchFamily="18" charset="0"/>
+                      </a:rPr>
+                      <m:t>𝐽</m:t>
+                    </m:r>
+                    <m:d>
+                      <m:dPr>
+                        <m:ctrlPr>
+                          <a:rPr lang="en-US" altLang="zh-CN" b="0" i="1" smtClean="0">
+                            <a:latin typeface="Cambria Math" panose="02040503050406030204" pitchFamily="18" charset="0"/>
+                          </a:rPr>
+                        </m:ctrlPr>
+                      </m:dPr>
+                      <m:e>
+                        <m:sSub>
+                          <m:sSubPr>
+                            <m:ctrlPr>
+                              <a:rPr lang="en-US" altLang="zh-CN" b="0" i="1" smtClean="0">
+                                <a:latin typeface="Cambria Math" panose="02040503050406030204" pitchFamily="18" charset="0"/>
+                              </a:rPr>
+                            </m:ctrlPr>
+                          </m:sSubPr>
+                          <m:e>
+                            <m:r>
+                              <a:rPr lang="en-US" altLang="zh-CN" b="0" i="1" smtClean="0">
+                                <a:latin typeface="Cambria Math" panose="02040503050406030204" pitchFamily="18" charset="0"/>
+                              </a:rPr>
+                              <m:t>𝜋</m:t>
+                            </m:r>
+                          </m:e>
+                          <m:sub>
+                            <m:r>
+                              <a:rPr lang="en-US" altLang="zh-CN" b="0" i="1" smtClean="0">
+                                <a:latin typeface="Cambria Math" panose="02040503050406030204" pitchFamily="18" charset="0"/>
+                              </a:rPr>
+                              <m:t>𝜃</m:t>
+                            </m:r>
+                          </m:sub>
+                        </m:sSub>
+                      </m:e>
+                    </m:d>
+                    <m:r>
+                      <a:rPr lang="en-US" altLang="zh-CN" b="0" i="1" smtClean="0">
+                        <a:latin typeface="Cambria Math" panose="02040503050406030204" pitchFamily="18" charset="0"/>
+                      </a:rPr>
+                      <m:t>=</m:t>
+                    </m:r>
+                    <m:sSub>
+                      <m:sSubPr>
+                        <m:ctrlPr>
+                          <a:rPr lang="en-US" altLang="zh-CN" b="0" i="1" smtClean="0">
+                            <a:latin typeface="Cambria Math" panose="02040503050406030204" pitchFamily="18" charset="0"/>
+                          </a:rPr>
+                        </m:ctrlPr>
+                      </m:sSubPr>
+                      <m:e>
+                        <m:r>
+                          <a:rPr lang="en-US" altLang="zh-CN" b="0" i="1" smtClean="0">
+                            <a:latin typeface="Cambria Math" panose="02040503050406030204" pitchFamily="18" charset="0"/>
+                          </a:rPr>
+                          <m:t>𝐸</m:t>
+                        </m:r>
+                      </m:e>
+                      <m:sub>
+                        <m:r>
+                          <a:rPr lang="en-US" altLang="zh-CN" b="0" i="1" smtClean="0">
+                            <a:latin typeface="Cambria Math" panose="02040503050406030204" pitchFamily="18" charset="0"/>
+                          </a:rPr>
+                          <m:t>𝜏</m:t>
+                        </m:r>
+                        <m:r>
+                          <a:rPr lang="en-US" altLang="zh-CN" b="0" i="1" smtClean="0">
+                            <a:latin typeface="Cambria Math" panose="02040503050406030204" pitchFamily="18" charset="0"/>
+                          </a:rPr>
+                          <m:t>∼</m:t>
+                        </m:r>
+                        <m:sSub>
+                          <m:sSubPr>
+                            <m:ctrlPr>
+                              <a:rPr lang="en-US" altLang="zh-CN" b="0" i="1" smtClean="0">
+                                <a:latin typeface="Cambria Math" panose="02040503050406030204" pitchFamily="18" charset="0"/>
+                              </a:rPr>
+                            </m:ctrlPr>
+                          </m:sSubPr>
+                          <m:e>
+                            <m:r>
+                              <a:rPr lang="en-US" altLang="zh-CN" b="0" i="1" smtClean="0">
+                                <a:latin typeface="Cambria Math" panose="02040503050406030204" pitchFamily="18" charset="0"/>
+                              </a:rPr>
+                              <m:t>𝜋</m:t>
+                            </m:r>
+                          </m:e>
+                          <m:sub>
+                            <m:r>
+                              <a:rPr lang="en-US" altLang="zh-CN" b="0" i="1" smtClean="0">
+                                <a:latin typeface="Cambria Math" panose="02040503050406030204" pitchFamily="18" charset="0"/>
+                              </a:rPr>
+                              <m:t>𝜃</m:t>
+                            </m:r>
+                          </m:sub>
+                        </m:sSub>
+                      </m:sub>
+                    </m:sSub>
+                    <m:d>
+                      <m:dPr>
+                        <m:begChr m:val="["/>
+                        <m:endChr m:val="]"/>
+                        <m:ctrlPr>
+                          <a:rPr lang="en-US" altLang="zh-CN" b="0" i="1" smtClean="0">
+                            <a:latin typeface="Cambria Math" panose="02040503050406030204" pitchFamily="18" charset="0"/>
+                          </a:rPr>
+                        </m:ctrlPr>
+                      </m:dPr>
+                      <m:e>
+                        <m:r>
+                          <a:rPr lang="en-US" altLang="zh-CN" b="0" i="1" smtClean="0">
+                            <a:latin typeface="Cambria Math" panose="02040503050406030204" pitchFamily="18" charset="0"/>
+                          </a:rPr>
+                          <m:t>𝑅</m:t>
+                        </m:r>
+                        <m:d>
+                          <m:dPr>
+                            <m:ctrlPr>
+                              <a:rPr lang="en-US" altLang="zh-CN" b="0" i="1" smtClean="0">
+                                <a:latin typeface="Cambria Math" panose="02040503050406030204" pitchFamily="18" charset="0"/>
+                              </a:rPr>
+                            </m:ctrlPr>
+                          </m:dPr>
+                          <m:e>
+                            <m:r>
+                              <a:rPr lang="en-US" altLang="zh-CN" b="0" i="1" smtClean="0">
+                                <a:latin typeface="Cambria Math" panose="02040503050406030204" pitchFamily="18" charset="0"/>
+                              </a:rPr>
+                              <m:t>𝜏</m:t>
+                            </m:r>
+                          </m:e>
+                        </m:d>
+                      </m:e>
+                    </m:d>
+                    <m:r>
+                      <a:rPr lang="en-US" altLang="zh-CN" b="0" i="0" smtClean="0">
+                        <a:latin typeface="Cambria Math" panose="02040503050406030204" pitchFamily="18" charset="0"/>
+                      </a:rPr>
+                      <m:t>=</m:t>
+                    </m:r>
+                    <m:sSub>
+                      <m:sSubPr>
+                        <m:ctrlPr>
+                          <a:rPr lang="en-US" altLang="zh-CN" b="0" i="1" smtClean="0">
+                            <a:latin typeface="Cambria Math" panose="02040503050406030204" pitchFamily="18" charset="0"/>
+                          </a:rPr>
+                        </m:ctrlPr>
+                      </m:sSubPr>
+                      <m:e>
+                        <m:r>
+                          <m:rPr>
+                            <m:sty m:val="p"/>
+                          </m:rPr>
+                          <a:rPr lang="en-US" altLang="zh-CN" b="0" i="0" smtClean="0">
+                            <a:latin typeface="Cambria Math" panose="02040503050406030204" pitchFamily="18" charset="0"/>
+                          </a:rPr>
+                          <m:t>E</m:t>
+                        </m:r>
+                      </m:e>
+                      <m:sub>
+                        <m:r>
+                          <a:rPr lang="en-US" altLang="zh-CN" b="0" i="1" smtClean="0">
+                            <a:latin typeface="Cambria Math" panose="02040503050406030204" pitchFamily="18" charset="0"/>
+                          </a:rPr>
+                          <m:t>𝜏</m:t>
+                        </m:r>
+                        <m:r>
+                          <a:rPr lang="en-US" altLang="zh-CN" b="0" i="1" smtClean="0">
+                            <a:latin typeface="Cambria Math" panose="02040503050406030204" pitchFamily="18" charset="0"/>
+                          </a:rPr>
+                          <m:t>∼</m:t>
+                        </m:r>
+                        <m:sSub>
+                          <m:sSubPr>
+                            <m:ctrlPr>
+                              <a:rPr lang="en-US" altLang="zh-CN" b="0" i="1" smtClean="0">
+                                <a:latin typeface="Cambria Math" panose="02040503050406030204" pitchFamily="18" charset="0"/>
+                              </a:rPr>
+                            </m:ctrlPr>
+                          </m:sSubPr>
+                          <m:e>
+                            <m:r>
+                              <a:rPr lang="en-US" altLang="zh-CN" b="0" i="1" smtClean="0">
+                                <a:latin typeface="Cambria Math" panose="02040503050406030204" pitchFamily="18" charset="0"/>
+                              </a:rPr>
+                              <m:t>𝜋</m:t>
+                            </m:r>
+                          </m:e>
+                          <m:sub>
+                            <m:r>
+                              <a:rPr lang="en-US" altLang="zh-CN" b="0" i="1" smtClean="0">
+                                <a:latin typeface="Cambria Math" panose="02040503050406030204" pitchFamily="18" charset="0"/>
+                              </a:rPr>
+                              <m:t>𝜃</m:t>
+                            </m:r>
+                          </m:sub>
+                        </m:sSub>
+                      </m:sub>
+                    </m:sSub>
+                    <m:r>
+                      <a:rPr lang="en-US" altLang="zh-CN" b="0" i="0" smtClean="0">
+                        <a:latin typeface="Cambria Math" panose="02040503050406030204" pitchFamily="18" charset="0"/>
+                      </a:rPr>
+                      <m:t>[</m:t>
+                    </m:r>
+                    <m:nary>
+                      <m:naryPr>
+                        <m:chr m:val="∑"/>
+                        <m:ctrlPr>
+                          <a:rPr lang="en-US" altLang="zh-CN" b="0" i="1" smtClean="0">
+                            <a:latin typeface="Cambria Math" panose="02040503050406030204" pitchFamily="18" charset="0"/>
+                          </a:rPr>
+                        </m:ctrlPr>
+                      </m:naryPr>
+                      <m:sub>
+                        <m:r>
+                          <m:rPr>
+                            <m:brk m:alnAt="23"/>
+                          </m:rPr>
+                          <a:rPr lang="en-US" altLang="zh-CN" b="0" i="1" smtClean="0">
+                            <a:latin typeface="Cambria Math" panose="02040503050406030204" pitchFamily="18" charset="0"/>
+                          </a:rPr>
+                          <m:t>𝑡</m:t>
+                        </m:r>
+                        <m:r>
+                          <a:rPr lang="en-US" altLang="zh-CN" b="0" i="1" smtClean="0">
+                            <a:latin typeface="Cambria Math" panose="02040503050406030204" pitchFamily="18" charset="0"/>
+                          </a:rPr>
+                          <m:t>=0</m:t>
+                        </m:r>
+                      </m:sub>
+                      <m:sup>
+                        <m:r>
+                          <a:rPr lang="en-US" altLang="zh-CN" b="0" i="1" smtClean="0">
+                            <a:latin typeface="Cambria Math" panose="02040503050406030204" pitchFamily="18" charset="0"/>
+                          </a:rPr>
+                          <m:t>𝑇</m:t>
+                        </m:r>
+                      </m:sup>
+                      <m:e>
+                        <m:sSup>
+                          <m:sSupPr>
+                            <m:ctrlPr>
+                              <a:rPr lang="en-US" altLang="zh-CN" b="0" i="1" smtClean="0">
+                                <a:latin typeface="Cambria Math" panose="02040503050406030204" pitchFamily="18" charset="0"/>
+                              </a:rPr>
+                            </m:ctrlPr>
+                          </m:sSupPr>
+                          <m:e>
+                            <m:r>
+                              <a:rPr lang="en-US" altLang="zh-CN" b="0" i="1" smtClean="0">
+                                <a:latin typeface="Cambria Math" panose="02040503050406030204" pitchFamily="18" charset="0"/>
+                              </a:rPr>
+                              <m:t>𝛾</m:t>
+                            </m:r>
+                          </m:e>
+                          <m:sup>
+                            <m:r>
+                              <a:rPr lang="en-US" altLang="zh-CN" b="0" i="1" smtClean="0">
+                                <a:latin typeface="Cambria Math" panose="02040503050406030204" pitchFamily="18" charset="0"/>
+                              </a:rPr>
+                              <m:t>𝑡</m:t>
+                            </m:r>
+                          </m:sup>
+                        </m:sSup>
+                        <m:sSub>
+                          <m:sSubPr>
+                            <m:ctrlPr>
+                              <a:rPr lang="en-US" altLang="zh-CN" b="0" i="1" smtClean="0">
+                                <a:latin typeface="Cambria Math" panose="02040503050406030204" pitchFamily="18" charset="0"/>
+                              </a:rPr>
+                            </m:ctrlPr>
+                          </m:sSubPr>
+                          <m:e>
+                            <m:r>
+                              <a:rPr lang="en-US" altLang="zh-CN" b="0" i="1" smtClean="0">
+                                <a:latin typeface="Cambria Math" panose="02040503050406030204" pitchFamily="18" charset="0"/>
+                              </a:rPr>
+                              <m:t>𝑅</m:t>
+                            </m:r>
+                          </m:e>
+                          <m:sub>
+                            <m:r>
+                              <a:rPr lang="en-US" altLang="zh-CN" b="0" i="1" smtClean="0">
+                                <a:latin typeface="Cambria Math" panose="02040503050406030204" pitchFamily="18" charset="0"/>
+                              </a:rPr>
+                              <m:t>𝑡</m:t>
+                            </m:r>
+                          </m:sub>
+                        </m:sSub>
+                      </m:e>
+                    </m:nary>
+                    <m:r>
+                      <a:rPr lang="en-US" altLang="zh-CN" b="0" i="0" smtClean="0">
+                        <a:latin typeface="Cambria Math" panose="02040503050406030204" pitchFamily="18" charset="0"/>
+                      </a:rPr>
+                      <m:t>]</m:t>
+                    </m:r>
+                  </m:oMath>
+                </a14:m>
+                <a:endParaRPr lang="en-US" altLang="zh-CN" dirty="0"/>
+              </a:p>
+              <a:p>
+                <a:pPr marL="742950" lvl="1" indent="-285750">
+                  <a:buFont typeface="Wingdings" panose="05000000000000000000" pitchFamily="2" charset="2"/>
+                  <a:buChar char="n"/>
+                </a:pPr>
+                <a14:m>
+                  <m:oMath xmlns:m="http://schemas.openxmlformats.org/officeDocument/2006/math">
+                    <m:sSub>
+                      <m:sSubPr>
+                        <m:ctrlPr>
+                          <a:rPr lang="en-US" altLang="zh-CN" b="0" i="1" smtClean="0">
+                            <a:latin typeface="Cambria Math" panose="02040503050406030204" pitchFamily="18" charset="0"/>
+                          </a:rPr>
+                        </m:ctrlPr>
+                      </m:sSubPr>
+                      <m:e>
+                        <m:r>
+                          <m:rPr>
+                            <m:sty m:val="p"/>
+                          </m:rPr>
+                          <a:rPr lang="en-US" altLang="zh-CN" b="0" i="0" smtClean="0">
+                            <a:latin typeface="Cambria Math" panose="02040503050406030204" pitchFamily="18" charset="0"/>
+                          </a:rPr>
+                          <m:t>∇</m:t>
+                        </m:r>
+                      </m:e>
+                      <m:sub>
+                        <m:r>
+                          <a:rPr lang="en-US" altLang="zh-CN" b="0" i="1" smtClean="0">
+                            <a:latin typeface="Cambria Math" panose="02040503050406030204" pitchFamily="18" charset="0"/>
+                          </a:rPr>
+                          <m:t>𝜃</m:t>
+                        </m:r>
+                      </m:sub>
+                    </m:sSub>
+                    <m:r>
+                      <a:rPr lang="en-US" altLang="zh-CN" b="0" i="1" smtClean="0">
+                        <a:latin typeface="Cambria Math" panose="02040503050406030204" pitchFamily="18" charset="0"/>
+                      </a:rPr>
+                      <m:t>𝐽</m:t>
+                    </m:r>
+                    <m:d>
+                      <m:dPr>
+                        <m:ctrlPr>
+                          <a:rPr lang="en-US" altLang="zh-CN" b="0" i="1" smtClean="0">
+                            <a:latin typeface="Cambria Math" panose="02040503050406030204" pitchFamily="18" charset="0"/>
+                          </a:rPr>
+                        </m:ctrlPr>
+                      </m:dPr>
+                      <m:e>
+                        <m:sSub>
+                          <m:sSubPr>
+                            <m:ctrlPr>
+                              <a:rPr lang="en-US" altLang="zh-CN" b="0" i="1" smtClean="0">
+                                <a:latin typeface="Cambria Math" panose="02040503050406030204" pitchFamily="18" charset="0"/>
+                              </a:rPr>
+                            </m:ctrlPr>
+                          </m:sSubPr>
+                          <m:e>
+                            <m:r>
+                              <a:rPr lang="en-US" altLang="zh-CN" b="0" i="1" smtClean="0">
+                                <a:latin typeface="Cambria Math" panose="02040503050406030204" pitchFamily="18" charset="0"/>
+                              </a:rPr>
+                              <m:t>𝜋</m:t>
+                            </m:r>
+                          </m:e>
+                          <m:sub>
+                            <m:r>
+                              <a:rPr lang="en-US" altLang="zh-CN" b="0" i="1" smtClean="0">
+                                <a:latin typeface="Cambria Math" panose="02040503050406030204" pitchFamily="18" charset="0"/>
+                              </a:rPr>
+                              <m:t>𝜃</m:t>
+                            </m:r>
+                          </m:sub>
+                        </m:sSub>
+                      </m:e>
+                    </m:d>
+                    <m:r>
+                      <a:rPr lang="en-US" altLang="zh-CN" b="0" i="1" smtClean="0">
+                        <a:latin typeface="Cambria Math" panose="02040503050406030204" pitchFamily="18" charset="0"/>
+                      </a:rPr>
+                      <m:t>=</m:t>
+                    </m:r>
+                    <m:sSub>
+                      <m:sSubPr>
+                        <m:ctrlPr>
+                          <a:rPr lang="en-US" altLang="zh-CN" b="0" i="1" smtClean="0">
+                            <a:latin typeface="Cambria Math" panose="02040503050406030204" pitchFamily="18" charset="0"/>
+                          </a:rPr>
+                        </m:ctrlPr>
+                      </m:sSubPr>
+                      <m:e>
+                        <m:r>
+                          <a:rPr lang="en-US" altLang="zh-CN" b="0" i="1" smtClean="0">
+                            <a:latin typeface="Cambria Math" panose="02040503050406030204" pitchFamily="18" charset="0"/>
+                          </a:rPr>
+                          <m:t>𝐸</m:t>
+                        </m:r>
+                      </m:e>
+                      <m:sub>
+                        <m:r>
+                          <a:rPr lang="en-US" altLang="zh-CN" b="0" i="1" smtClean="0">
+                            <a:latin typeface="Cambria Math" panose="02040503050406030204" pitchFamily="18" charset="0"/>
+                          </a:rPr>
+                          <m:t>𝜏</m:t>
+                        </m:r>
+                        <m:r>
+                          <a:rPr lang="en-US" altLang="zh-CN" b="0" i="1" smtClean="0">
+                            <a:latin typeface="Cambria Math" panose="02040503050406030204" pitchFamily="18" charset="0"/>
+                          </a:rPr>
+                          <m:t>∼</m:t>
+                        </m:r>
+                        <m:sSub>
+                          <m:sSubPr>
+                            <m:ctrlPr>
+                              <a:rPr lang="en-US" altLang="zh-CN" b="0" i="1" smtClean="0">
+                                <a:latin typeface="Cambria Math" panose="02040503050406030204" pitchFamily="18" charset="0"/>
+                              </a:rPr>
+                            </m:ctrlPr>
+                          </m:sSubPr>
+                          <m:e>
+                            <m:r>
+                              <a:rPr lang="en-US" altLang="zh-CN" b="0" i="1" smtClean="0">
+                                <a:latin typeface="Cambria Math" panose="02040503050406030204" pitchFamily="18" charset="0"/>
+                              </a:rPr>
+                              <m:t>𝜋</m:t>
+                            </m:r>
+                          </m:e>
+                          <m:sub>
+                            <m:r>
+                              <a:rPr lang="en-US" altLang="zh-CN" b="0" i="1" smtClean="0">
+                                <a:latin typeface="Cambria Math" panose="02040503050406030204" pitchFamily="18" charset="0"/>
+                              </a:rPr>
+                              <m:t>𝜃</m:t>
+                            </m:r>
+                          </m:sub>
+                        </m:sSub>
+                      </m:sub>
+                    </m:sSub>
+                    <m:r>
+                      <a:rPr lang="en-US" altLang="zh-CN" b="0" i="1" smtClean="0">
+                        <a:latin typeface="Cambria Math" panose="02040503050406030204" pitchFamily="18" charset="0"/>
+                      </a:rPr>
+                      <m:t>[</m:t>
+                    </m:r>
+                    <m:nary>
+                      <m:naryPr>
+                        <m:chr m:val="∑"/>
+                        <m:ctrlPr>
+                          <a:rPr lang="en-US" altLang="zh-CN" b="0" i="1" smtClean="0">
+                            <a:latin typeface="Cambria Math" panose="02040503050406030204" pitchFamily="18" charset="0"/>
+                          </a:rPr>
+                        </m:ctrlPr>
+                      </m:naryPr>
+                      <m:sub>
+                        <m:r>
+                          <m:rPr>
+                            <m:brk m:alnAt="23"/>
+                          </m:rPr>
+                          <a:rPr lang="en-US" altLang="zh-CN" b="0" i="1" smtClean="0">
+                            <a:latin typeface="Cambria Math" panose="02040503050406030204" pitchFamily="18" charset="0"/>
+                          </a:rPr>
+                          <m:t>𝑡</m:t>
+                        </m:r>
+                        <m:r>
+                          <a:rPr lang="en-US" altLang="zh-CN" b="0" i="1" smtClean="0">
+                            <a:latin typeface="Cambria Math" panose="02040503050406030204" pitchFamily="18" charset="0"/>
+                          </a:rPr>
+                          <m:t>=0</m:t>
+                        </m:r>
+                      </m:sub>
+                      <m:sup>
+                        <m:r>
+                          <a:rPr lang="en-US" altLang="zh-CN" b="0" i="1" smtClean="0">
+                            <a:latin typeface="Cambria Math" panose="02040503050406030204" pitchFamily="18" charset="0"/>
+                          </a:rPr>
+                          <m:t>𝑇</m:t>
+                        </m:r>
+                      </m:sup>
+                      <m:e>
+                        <m:sSub>
+                          <m:sSubPr>
+                            <m:ctrlPr>
+                              <a:rPr lang="en-US" altLang="zh-CN" b="0" i="1" smtClean="0">
+                                <a:latin typeface="Cambria Math" panose="02040503050406030204" pitchFamily="18" charset="0"/>
+                              </a:rPr>
+                            </m:ctrlPr>
+                          </m:sSubPr>
+                          <m:e>
+                            <m:r>
+                              <m:rPr>
+                                <m:sty m:val="p"/>
+                              </m:rPr>
+                              <a:rPr lang="en-US" altLang="zh-CN" b="0" i="0" smtClean="0">
+                                <a:latin typeface="Cambria Math" panose="02040503050406030204" pitchFamily="18" charset="0"/>
+                              </a:rPr>
+                              <m:t>∇</m:t>
+                            </m:r>
+                          </m:e>
+                          <m:sub>
+                            <m:r>
+                              <a:rPr lang="en-US" altLang="zh-CN" b="0" i="1" smtClean="0">
+                                <a:latin typeface="Cambria Math" panose="02040503050406030204" pitchFamily="18" charset="0"/>
+                              </a:rPr>
+                              <m:t>𝜃</m:t>
+                            </m:r>
+                          </m:sub>
+                        </m:sSub>
+                        <m:d>
+                          <m:dPr>
+                            <m:ctrlPr>
+                              <a:rPr lang="en-US" altLang="zh-CN" b="0" i="1" smtClean="0">
+                                <a:latin typeface="Cambria Math" panose="02040503050406030204" pitchFamily="18" charset="0"/>
+                              </a:rPr>
+                            </m:ctrlPr>
+                          </m:dPr>
+                          <m:e>
+                            <m:r>
+                              <a:rPr lang="en-US" altLang="zh-CN" b="0" i="1" smtClean="0">
+                                <a:latin typeface="Cambria Math" panose="02040503050406030204" pitchFamily="18" charset="0"/>
+                              </a:rPr>
+                              <m:t>𝑙𝑜𝑔</m:t>
+                            </m:r>
+                            <m:sSub>
+                              <m:sSubPr>
+                                <m:ctrlPr>
+                                  <a:rPr lang="en-US" altLang="zh-CN" b="0" i="1" smtClean="0">
+                                    <a:latin typeface="Cambria Math" panose="02040503050406030204" pitchFamily="18" charset="0"/>
+                                  </a:rPr>
+                                </m:ctrlPr>
+                              </m:sSubPr>
+                              <m:e>
+                                <m:r>
+                                  <a:rPr lang="en-US" altLang="zh-CN" b="0" i="1" smtClean="0">
+                                    <a:latin typeface="Cambria Math" panose="02040503050406030204" pitchFamily="18" charset="0"/>
+                                  </a:rPr>
+                                  <m:t>𝜋</m:t>
+                                </m:r>
+                              </m:e>
+                              <m:sub>
+                                <m:r>
+                                  <a:rPr lang="en-US" altLang="zh-CN" b="0" i="1" smtClean="0">
+                                    <a:latin typeface="Cambria Math" panose="02040503050406030204" pitchFamily="18" charset="0"/>
+                                  </a:rPr>
+                                  <m:t>𝜃</m:t>
+                                </m:r>
+                              </m:sub>
+                            </m:sSub>
+                            <m:d>
+                              <m:dPr>
+                                <m:ctrlPr>
+                                  <a:rPr lang="en-US" altLang="zh-CN" b="0" i="1" smtClean="0">
+                                    <a:latin typeface="Cambria Math" panose="02040503050406030204" pitchFamily="18" charset="0"/>
+                                  </a:rPr>
+                                </m:ctrlPr>
+                              </m:dPr>
+                              <m:e>
+                                <m:sSub>
+                                  <m:sSubPr>
+                                    <m:ctrlPr>
+                                      <a:rPr lang="en-US" altLang="zh-CN" b="0" i="1" smtClean="0">
+                                        <a:latin typeface="Cambria Math" panose="02040503050406030204" pitchFamily="18" charset="0"/>
+                                      </a:rPr>
+                                    </m:ctrlPr>
+                                  </m:sSubPr>
+                                  <m:e>
+                                    <m:r>
+                                      <a:rPr lang="en-US" altLang="zh-CN" b="0" i="1" smtClean="0">
+                                        <a:latin typeface="Cambria Math" panose="02040503050406030204" pitchFamily="18" charset="0"/>
+                                      </a:rPr>
+                                      <m:t>𝐴</m:t>
+                                    </m:r>
+                                  </m:e>
+                                  <m:sub>
+                                    <m:r>
+                                      <a:rPr lang="en-US" altLang="zh-CN" b="0" i="1" smtClean="0">
+                                        <a:latin typeface="Cambria Math" panose="02040503050406030204" pitchFamily="18" charset="0"/>
+                                      </a:rPr>
+                                      <m:t>𝑡</m:t>
+                                    </m:r>
+                                  </m:sub>
+                                </m:sSub>
+                              </m:e>
+                              <m:e>
+                                <m:sSub>
+                                  <m:sSubPr>
+                                    <m:ctrlPr>
+                                      <a:rPr lang="en-US" altLang="zh-CN" b="0" i="1" smtClean="0">
+                                        <a:latin typeface="Cambria Math" panose="02040503050406030204" pitchFamily="18" charset="0"/>
+                                      </a:rPr>
+                                    </m:ctrlPr>
+                                  </m:sSubPr>
+                                  <m:e>
+                                    <m:r>
+                                      <a:rPr lang="en-US" altLang="zh-CN" b="0" i="1" smtClean="0">
+                                        <a:latin typeface="Cambria Math" panose="02040503050406030204" pitchFamily="18" charset="0"/>
+                                      </a:rPr>
+                                      <m:t>𝑆</m:t>
+                                    </m:r>
+                                  </m:e>
+                                  <m:sub>
+                                    <m:r>
+                                      <a:rPr lang="en-US" altLang="zh-CN" b="0" i="1" smtClean="0">
+                                        <a:latin typeface="Cambria Math" panose="02040503050406030204" pitchFamily="18" charset="0"/>
+                                      </a:rPr>
+                                      <m:t>𝑡</m:t>
+                                    </m:r>
+                                  </m:sub>
+                                </m:sSub>
+                              </m:e>
+                            </m:d>
+                          </m:e>
+                        </m:d>
+                        <m:sSup>
+                          <m:sSupPr>
+                            <m:ctrlPr>
+                              <a:rPr lang="en-US" altLang="zh-CN" b="0" i="1" smtClean="0">
+                                <a:latin typeface="Cambria Math" panose="02040503050406030204" pitchFamily="18" charset="0"/>
+                              </a:rPr>
+                            </m:ctrlPr>
+                          </m:sSupPr>
+                          <m:e>
+                            <m:r>
+                              <a:rPr lang="en-US" altLang="zh-CN" b="0" i="1" smtClean="0">
+                                <a:latin typeface="Cambria Math" panose="02040503050406030204" pitchFamily="18" charset="0"/>
+                              </a:rPr>
+                              <m:t>𝑄</m:t>
+                            </m:r>
+                          </m:e>
+                          <m:sup>
+                            <m:sSub>
+                              <m:sSubPr>
+                                <m:ctrlPr>
+                                  <a:rPr lang="en-US" altLang="zh-CN" b="0" i="1" smtClean="0">
+                                    <a:latin typeface="Cambria Math" panose="02040503050406030204" pitchFamily="18" charset="0"/>
+                                  </a:rPr>
+                                </m:ctrlPr>
+                              </m:sSubPr>
+                              <m:e>
+                                <m:r>
+                                  <a:rPr lang="en-US" altLang="zh-CN" b="0" i="1" smtClean="0">
+                                    <a:latin typeface="Cambria Math" panose="02040503050406030204" pitchFamily="18" charset="0"/>
+                                  </a:rPr>
+                                  <m:t>𝜋</m:t>
+                                </m:r>
+                              </m:e>
+                              <m:sub>
+                                <m:r>
+                                  <a:rPr lang="en-US" altLang="zh-CN" b="0" i="1" smtClean="0">
+                                    <a:latin typeface="Cambria Math" panose="02040503050406030204" pitchFamily="18" charset="0"/>
+                                  </a:rPr>
+                                  <m:t>𝜃</m:t>
+                                </m:r>
+                              </m:sub>
+                            </m:sSub>
+                          </m:sup>
+                        </m:sSup>
+                        <m:r>
+                          <a:rPr lang="en-US" altLang="zh-CN" b="0" i="1" smtClean="0">
+                            <a:latin typeface="Cambria Math" panose="02040503050406030204" pitchFamily="18" charset="0"/>
+                          </a:rPr>
+                          <m:t>(</m:t>
+                        </m:r>
+                        <m:sSub>
+                          <m:sSubPr>
+                            <m:ctrlPr>
+                              <a:rPr lang="en-US" altLang="zh-CN" b="0" i="1" smtClean="0">
+                                <a:latin typeface="Cambria Math" panose="02040503050406030204" pitchFamily="18" charset="0"/>
+                              </a:rPr>
+                            </m:ctrlPr>
+                          </m:sSubPr>
+                          <m:e>
+                            <m:r>
+                              <a:rPr lang="en-US" altLang="zh-CN" b="0" i="1" smtClean="0">
+                                <a:latin typeface="Cambria Math" panose="02040503050406030204" pitchFamily="18" charset="0"/>
+                              </a:rPr>
+                              <m:t>𝑆</m:t>
+                            </m:r>
+                          </m:e>
+                          <m:sub>
+                            <m:r>
+                              <a:rPr lang="en-US" altLang="zh-CN" b="0" i="1" smtClean="0">
+                                <a:latin typeface="Cambria Math" panose="02040503050406030204" pitchFamily="18" charset="0"/>
+                              </a:rPr>
+                              <m:t>𝑡</m:t>
+                            </m:r>
+                          </m:sub>
+                        </m:sSub>
+                        <m:r>
+                          <a:rPr lang="en-US" altLang="zh-CN" b="0" i="1" smtClean="0">
+                            <a:latin typeface="Cambria Math" panose="02040503050406030204" pitchFamily="18" charset="0"/>
+                          </a:rPr>
+                          <m:t>,</m:t>
+                        </m:r>
+                        <m:sSub>
+                          <m:sSubPr>
+                            <m:ctrlPr>
+                              <a:rPr lang="en-US" altLang="zh-CN" b="0" i="1" smtClean="0">
+                                <a:latin typeface="Cambria Math" panose="02040503050406030204" pitchFamily="18" charset="0"/>
+                              </a:rPr>
+                            </m:ctrlPr>
+                          </m:sSubPr>
+                          <m:e>
+                            <m:r>
+                              <a:rPr lang="en-US" altLang="zh-CN" b="0" i="1" smtClean="0">
+                                <a:latin typeface="Cambria Math" panose="02040503050406030204" pitchFamily="18" charset="0"/>
+                              </a:rPr>
+                              <m:t>𝐴</m:t>
+                            </m:r>
+                          </m:e>
+                          <m:sub>
+                            <m:r>
+                              <a:rPr lang="en-US" altLang="zh-CN" b="0" i="1" smtClean="0">
+                                <a:latin typeface="Cambria Math" panose="02040503050406030204" pitchFamily="18" charset="0"/>
+                              </a:rPr>
+                              <m:t>𝑡</m:t>
+                            </m:r>
+                          </m:sub>
+                        </m:sSub>
+                        <m:r>
+                          <a:rPr lang="en-US" altLang="zh-CN" b="0" i="1" smtClean="0">
+                            <a:latin typeface="Cambria Math" panose="02040503050406030204" pitchFamily="18" charset="0"/>
+                          </a:rPr>
+                          <m:t>)</m:t>
+                        </m:r>
+                      </m:e>
+                    </m:nary>
+                    <m:r>
+                      <a:rPr lang="en-US" altLang="zh-CN" b="0" i="1" smtClean="0">
+                        <a:latin typeface="Cambria Math" panose="02040503050406030204" pitchFamily="18" charset="0"/>
+                      </a:rPr>
+                      <m:t>]</m:t>
+                    </m:r>
+                  </m:oMath>
+                </a14:m>
+                <a:endParaRPr lang="zh-CN" altLang="en-US" dirty="0"/>
+              </a:p>
+            </p:txBody>
+          </p:sp>
+        </mc:Choice>
+        <mc:Fallback>
+          <p:sp>
+            <p:nvSpPr>
+              <p:cNvPr id="3" name="文本框 2">
+                <a:extLst>
+                  <a:ext uri="{FF2B5EF4-FFF2-40B4-BE49-F238E27FC236}">
+                    <a16:creationId xmlns:a16="http://schemas.microsoft.com/office/drawing/2014/main" id="{ED637896-DCC7-4EF4-9CA1-B77ED551B0B9}"/>
+                  </a:ext>
+                </a:extLst>
+              </p:cNvPr>
+              <p:cNvSpPr txBox="1">
+                <a:spLocks noRot="1" noChangeAspect="1" noMove="1" noResize="1" noEditPoints="1" noAdjustHandles="1" noChangeArrowheads="1" noChangeShapeType="1" noTextEdit="1"/>
+              </p:cNvSpPr>
+              <p:nvPr/>
+            </p:nvSpPr>
+            <p:spPr>
+              <a:xfrm>
+                <a:off x="735330" y="1637981"/>
+                <a:ext cx="6120586" cy="1288045"/>
+              </a:xfrm>
+              <a:prstGeom prst="rect">
+                <a:avLst/>
+              </a:prstGeom>
+              <a:blipFill>
+                <a:blip r:embed="rId5"/>
+                <a:stretch>
+                  <a:fillRect l="-697" t="-2844" b="-50711"/>
+                </a:stretch>
+              </a:blipFill>
+            </p:spPr>
+            <p:txBody>
+              <a:bodyPr/>
+              <a:lstStyle/>
+              <a:p>
+                <a:r>
+                  <a:rPr lang="zh-CN" altLang="en-US">
+                    <a:noFill/>
+                  </a:rPr>
+                  <a:t> </a:t>
+                </a:r>
+              </a:p>
+            </p:txBody>
+          </p:sp>
+        </mc:Fallback>
+      </mc:AlternateContent>
     </p:spTree>
     <p:custDataLst>
-      <p:tags r:id="rId2"/>
+      <p:tags r:id="rId1"/>
     </p:custDataLst>
   </p:cSld>
   <p:clrMapOvr>
@@ -5471,7 +6651,27 @@
           <a:p>
             <a:r>
               <a:rPr lang="zh-CN" altLang="en-US" dirty="0"/>
-              <a:t>AC（Actor-Critic, 2000）</a:t>
+              <a:t>AC（</a:t>
+            </a:r>
+            <a:r>
+              <a:rPr lang="en-US" altLang="zh-CN" dirty="0"/>
+              <a:t>Sutton and </a:t>
+            </a:r>
+            <a:r>
+              <a:rPr lang="en-US" altLang="zh-CN" dirty="0" err="1"/>
+              <a:t>Barto</a:t>
+            </a:r>
+            <a:r>
+              <a:rPr lang="zh-CN" altLang="en-US" dirty="0"/>
+              <a:t>, </a:t>
+            </a:r>
+            <a:r>
+              <a:rPr lang="en-US" altLang="zh-CN" dirty="0"/>
+              <a:t>2018</a:t>
+            </a:r>
+            <a:r>
+              <a:rPr lang="zh-CN" altLang="en-US" dirty="0"/>
+              <a:t>）</a:t>
             </a:r>
           </a:p>
           <a:p>
@@ -5497,7 +6697,15 @@
           <a:p>
             <a:r>
               <a:rPr lang="zh-CN" altLang="en-US" dirty="0"/>
-              <a:t>A2C</a:t>
+              <a:t>A2C（</a:t>
+            </a:r>
+            <a:r>
+              <a:rPr lang="en-US" altLang="zh-CN" dirty="0" err="1"/>
+              <a:t>OpenAI</a:t>
+            </a:r>
+            <a:r>
+              <a:rPr lang="zh-CN" altLang="en-US" dirty="0"/>
+              <a:t>）</a:t>
             </a:r>
           </a:p>
           <a:p>
@@ -5534,7 +6742,19 @@
           <a:p>
             <a:r>
               <a:rPr lang="zh-CN" altLang="en-US" dirty="0"/>
-              <a:t>A3C</a:t>
+              <a:t>A3C（</a:t>
+            </a:r>
+            <a:r>
+              <a:rPr lang="en-US" altLang="zh-CN" dirty="0" err="1"/>
+              <a:t>Deepmind</a:t>
+            </a:r>
+            <a:r>
+              <a:rPr lang="en-US" altLang="zh-CN" dirty="0"/>
+              <a:t>, 2016</a:t>
+            </a:r>
+            <a:r>
+              <a:rPr lang="zh-CN" altLang="en-US" dirty="0"/>
+              <a:t>）</a:t>
             </a:r>
           </a:p>
           <a:p>
@@ -6119,6 +7339,696 @@
       </p:grpSpPr>
       <p:sp>
         <p:nvSpPr>
+          <p:cNvPr id="2" name="标题 1"/>
+          <p:cNvSpPr>
+            <a:spLocks noGrp="1"/>
+          </p:cNvSpPr>
+          <p:nvPr>
+            <p:ph type="title"/>
+          </p:nvPr>
+        </p:nvSpPr>
+        <p:spPr/>
+        <p:txBody>
+          <a:bodyPr/>
+          <a:lstStyle/>
+          <a:p>
+            <a:r>
+              <a:rPr lang="zh-CN" altLang="en-US">
+                <a:sym typeface="+mn-ea"/>
+              </a:rPr>
+              <a:t>基于策略的方法</a:t>
+            </a:r>
+            <a:endParaRPr lang="zh-CN" altLang="en-US"/>
+          </a:p>
+        </p:txBody>
+      </p:sp>
+      <p:sp>
+        <p:nvSpPr>
+          <p:cNvPr id="3" name="内容占位符 2"/>
+          <p:cNvSpPr>
+            <a:spLocks noGrp="1"/>
+          </p:cNvSpPr>
+          <p:nvPr>
+            <p:ph idx="1"/>
+          </p:nvPr>
+        </p:nvSpPr>
+        <p:spPr/>
+        <p:txBody>
+          <a:bodyPr/>
+          <a:lstStyle/>
+          <a:p>
+            <a:r>
+              <a:rPr lang="zh-CN" altLang="en-US" dirty="0"/>
+              <a:t>DDPG（</a:t>
+            </a:r>
+            <a:r>
+              <a:rPr lang="en-US" altLang="zh-CN" dirty="0" err="1"/>
+              <a:t>Lillicrap</a:t>
+            </a:r>
+            <a:r>
+              <a:rPr lang="en-US" altLang="zh-CN" dirty="0"/>
+              <a:t> et al.</a:t>
+            </a:r>
+            <a:r>
+              <a:rPr lang="zh-CN" altLang="en-US" dirty="0"/>
+              <a:t>, 2016）</a:t>
+            </a:r>
+          </a:p>
+          <a:p>
+            <a:pPr lvl="1">
+              <a:buFont typeface="Wingdings" panose="05000000000000000000" charset="0"/>
+              <a:buChar char="n"/>
+            </a:pPr>
+            <a:r>
+              <a:rPr lang="zh-CN" altLang="en-US" dirty="0"/>
+              <a:t>解决DQN无法用于连续动作空间的问题--同时建立策略网络和价值网络</a:t>
+            </a:r>
+          </a:p>
+          <a:p>
+            <a:pPr lvl="1">
+              <a:buFont typeface="Wingdings" panose="05000000000000000000" charset="0"/>
+              <a:buChar char="n"/>
+            </a:pPr>
+            <a:r>
+              <a:rPr lang="zh-CN" altLang="en-US" dirty="0"/>
+              <a:t>与AC的区别--策略网络是确定性策略</a:t>
+            </a:r>
+          </a:p>
+          <a:p>
+            <a:pPr lvl="1">
+              <a:buFont typeface="Wingdings" panose="05000000000000000000" charset="0"/>
+              <a:buChar char="n"/>
+            </a:pPr>
+            <a:r>
+              <a:rPr lang="zh-CN" altLang="en-US" dirty="0"/>
+              <a:t>确定性策略的探索问题--给采样策略的输出动作添加噪声</a:t>
+            </a:r>
+          </a:p>
+          <a:p>
+            <a:pPr lvl="1">
+              <a:buFont typeface="Wingdings" panose="05000000000000000000" charset="0"/>
+              <a:buChar char="n"/>
+            </a:pPr>
+            <a:r>
+              <a:rPr lang="zh-CN" altLang="en-US" dirty="0"/>
+              <a:t>指数平滑更新--更新缓慢且平稳</a:t>
+            </a:r>
+          </a:p>
+          <a:p>
+            <a:r>
+              <a:rPr lang="zh-CN" altLang="en-US" dirty="0"/>
+              <a:t>TD3（</a:t>
+            </a:r>
+            <a:r>
+              <a:rPr lang="en-US" altLang="zh-CN" dirty="0"/>
+              <a:t>Fujimoto et al.</a:t>
+            </a:r>
+            <a:r>
+              <a:rPr lang="zh-CN" altLang="en-US" dirty="0"/>
+              <a:t>, 2018）</a:t>
+            </a:r>
+          </a:p>
+          <a:p>
+            <a:pPr marL="800100" lvl="1" indent="-342900">
+              <a:buFont typeface="+mj-lt"/>
+              <a:buAutoNum type="arabicPeriod"/>
+            </a:pPr>
+            <a:r>
+              <a:rPr lang="zh-CN" altLang="en-US" dirty="0"/>
+              <a:t>目标策略平滑--给目标策略的输出动作添加噪声，平滑Q值估计</a:t>
+            </a:r>
+          </a:p>
+          <a:p>
+            <a:pPr marL="800100" lvl="1" indent="-342900">
+              <a:buFont typeface="+mj-lt"/>
+              <a:buAutoNum type="arabicPeriod"/>
+            </a:pPr>
+            <a:r>
+              <a:rPr lang="zh-CN" altLang="en-US" dirty="0"/>
+              <a:t>截断的Double Q-Learning--学习两个Q值网络，每次选择其中最小值进行计算</a:t>
+            </a:r>
+          </a:p>
+          <a:p>
+            <a:pPr marL="800100" lvl="1" indent="-342900">
+              <a:buFont typeface="+mj-lt"/>
+              <a:buAutoNum type="arabicPeriod"/>
+            </a:pPr>
+            <a:r>
+              <a:rPr lang="zh-CN" altLang="en-US" dirty="0"/>
+              <a:t>延迟策略更新--策略网络的更新频率低于Q值网络</a:t>
+            </a:r>
+            <a:endParaRPr lang="en-US" altLang="zh-CN" dirty="0"/>
+          </a:p>
+          <a:p>
+            <a:r>
+              <a:rPr lang="en-US" altLang="zh-CN" dirty="0"/>
+              <a:t>SAC</a:t>
+            </a:r>
+            <a:r>
+              <a:rPr lang="zh-CN" altLang="en-US" dirty="0"/>
+              <a:t>（</a:t>
+            </a:r>
+            <a:r>
+              <a:rPr lang="en-US" altLang="zh-CN" dirty="0" err="1"/>
+              <a:t>Haarnoja</a:t>
+            </a:r>
+            <a:r>
+              <a:rPr lang="en-US" altLang="zh-CN" dirty="0"/>
+              <a:t> et al., 2018</a:t>
+            </a:r>
+            <a:r>
+              <a:rPr lang="zh-CN" altLang="en-US" dirty="0"/>
+              <a:t>）</a:t>
+            </a:r>
+            <a:endParaRPr lang="en-US" altLang="zh-CN" dirty="0"/>
+          </a:p>
+          <a:p>
+            <a:pPr lvl="1"/>
+            <a:r>
+              <a:rPr lang="zh-CN" altLang="en-US" dirty="0"/>
+              <a:t>最大化期望回报的同时，最大化熵</a:t>
+            </a:r>
+          </a:p>
+        </p:txBody>
+      </p:sp>
+      <p:pic>
+        <p:nvPicPr>
+          <p:cNvPr id="4" name="图片 3"/>
+          <p:cNvPicPr>
+            <a:picLocks noChangeAspect="1"/>
+          </p:cNvPicPr>
+          <p:nvPr/>
+        </p:nvPicPr>
+        <p:blipFill>
+          <a:blip r:embed="rId3">
+            <a:extLst>
+              <a:ext uri="{28A0092B-C50C-407E-A947-70E740481C1C}">
+                <a14:useLocalDpi xmlns:a14="http://schemas.microsoft.com/office/drawing/2010/main" val="0"/>
+              </a:ext>
+            </a:extLst>
+          </a:blip>
+          <a:stretch>
+            <a:fillRect/>
+          </a:stretch>
+        </p:blipFill>
+        <p:spPr>
+          <a:xfrm>
+            <a:off x="5207635" y="1612900"/>
+            <a:ext cx="6705600" cy="4351020"/>
+          </a:xfrm>
+          <a:prstGeom prst="rect">
+            <a:avLst/>
+          </a:prstGeom>
+        </p:spPr>
+      </p:pic>
+      <p:pic>
+        <p:nvPicPr>
+          <p:cNvPr id="5" name="图片 4"/>
+          <p:cNvPicPr>
+            <a:picLocks noChangeAspect="1"/>
+          </p:cNvPicPr>
+          <p:nvPr/>
+        </p:nvPicPr>
+        <p:blipFill>
+          <a:blip r:embed="rId4">
+            <a:extLst>
+              <a:ext uri="{28A0092B-C50C-407E-A947-70E740481C1C}">
+                <a14:useLocalDpi xmlns:a14="http://schemas.microsoft.com/office/drawing/2010/main" val="0"/>
+              </a:ext>
+            </a:extLst>
+          </a:blip>
+          <a:stretch>
+            <a:fillRect/>
+          </a:stretch>
+        </p:blipFill>
+        <p:spPr>
+          <a:xfrm>
+            <a:off x="5572760" y="1762726"/>
+            <a:ext cx="6340475" cy="3963737"/>
+          </a:xfrm>
+          <a:prstGeom prst="rect">
+            <a:avLst/>
+          </a:prstGeom>
+        </p:spPr>
+      </p:pic>
+      <p:pic>
+        <p:nvPicPr>
+          <p:cNvPr id="7" name="图片 6">
+            <a:extLst>
+              <a:ext uri="{FF2B5EF4-FFF2-40B4-BE49-F238E27FC236}">
+                <a16:creationId xmlns:a16="http://schemas.microsoft.com/office/drawing/2014/main" id="{833420BC-301F-4D04-833B-7874E525A162}"/>
+              </a:ext>
+            </a:extLst>
+          </p:cNvPr>
+          <p:cNvPicPr>
+            <a:picLocks noChangeAspect="1"/>
+          </p:cNvPicPr>
+          <p:nvPr/>
+        </p:nvPicPr>
+        <p:blipFill>
+          <a:blip r:embed="rId5">
+            <a:extLst>
+              <a:ext uri="{28A0092B-C50C-407E-A947-70E740481C1C}">
+                <a14:useLocalDpi xmlns:a14="http://schemas.microsoft.com/office/drawing/2010/main" val="0"/>
+              </a:ext>
+            </a:extLst>
+          </a:blip>
+          <a:stretch>
+            <a:fillRect/>
+          </a:stretch>
+        </p:blipFill>
+        <p:spPr>
+          <a:xfrm>
+            <a:off x="7585075" y="2006600"/>
+            <a:ext cx="4328160" cy="3238500"/>
+          </a:xfrm>
+          <a:prstGeom prst="rect">
+            <a:avLst/>
+          </a:prstGeom>
+        </p:spPr>
+      </p:pic>
+    </p:spTree>
+    <p:custDataLst>
+      <p:tags r:id="rId1"/>
+    </p:custDataLst>
+  </p:cSld>
+  <p:clrMapOvr>
+    <a:masterClrMapping/>
+  </p:clrMapOvr>
+  <p:timing>
+    <p:tnLst>
+      <p:par>
+        <p:cTn id="1" dur="indefinite" restart="never" nodeType="tmRoot">
+          <p:childTnLst>
+            <p:seq concurrent="1" nextAc="seek">
+              <p:cTn id="2" dur="indefinite" nodeType="mainSeq">
+                <p:childTnLst>
+                  <p:par>
+                    <p:cTn id="3" fill="hold">
+                      <p:stCondLst>
+                        <p:cond delay="indefinite"/>
+                      </p:stCondLst>
+                      <p:childTnLst>
+                        <p:par>
+                          <p:cTn id="4" fill="hold">
+                            <p:stCondLst>
+                              <p:cond delay="0"/>
+                            </p:stCondLst>
+                            <p:childTnLst>
+                              <p:par>
+                                <p:cTn id="5" presetID="1" presetClass="entr" presetSubtype="0" fill="hold" nodeType="clickEffect">
+                                  <p:stCondLst>
+                                    <p:cond delay="0"/>
+                                  </p:stCondLst>
+                                  <p:childTnLst>
+                                    <p:set>
+                                      <p:cBhvr>
+                                        <p:cTn id="6" dur="1" fill="hold">
+                                          <p:stCondLst>
+                                            <p:cond delay="0"/>
+                                          </p:stCondLst>
+                                        </p:cTn>
+                                        <p:tgtEl>
+                                          <p:spTgt spid="4"/>
+                                        </p:tgtEl>
+                                        <p:attrNameLst>
+                                          <p:attrName>style.visibility</p:attrName>
+                                        </p:attrNameLst>
+                                      </p:cBhvr>
+                                      <p:to>
+                                        <p:strVal val="visible"/>
+                                      </p:to>
+                                    </p:set>
+                                  </p:childTnLst>
+                                </p:cTn>
+                              </p:par>
+                            </p:childTnLst>
+                          </p:cTn>
+                        </p:par>
+                      </p:childTnLst>
+                    </p:cTn>
+                  </p:par>
+                  <p:par>
+                    <p:cTn id="7" fill="hold">
+                      <p:stCondLst>
+                        <p:cond delay="indefinite"/>
+                      </p:stCondLst>
+                      <p:childTnLst>
+                        <p:par>
+                          <p:cTn id="8" fill="hold">
+                            <p:stCondLst>
+                              <p:cond delay="0"/>
+                            </p:stCondLst>
+                            <p:childTnLst>
+                              <p:par>
+                                <p:cTn id="9" presetID="2" presetClass="exit" presetSubtype="4" fill="hold" nodeType="clickEffect">
+                                  <p:stCondLst>
+                                    <p:cond delay="0"/>
+                                  </p:stCondLst>
+                                  <p:childTnLst>
+                                    <p:anim calcmode="lin" valueType="num">
+                                      <p:cBhvr additive="base">
+                                        <p:cTn id="10" dur="500"/>
+                                        <p:tgtEl>
+                                          <p:spTgt spid="4"/>
+                                        </p:tgtEl>
+                                        <p:attrNameLst>
+                                          <p:attrName>ppt_x</p:attrName>
+                                        </p:attrNameLst>
+                                      </p:cBhvr>
+                                      <p:tavLst>
+                                        <p:tav tm="0">
+                                          <p:val>
+                                            <p:strVal val="ppt_x"/>
+                                          </p:val>
+                                        </p:tav>
+                                        <p:tav tm="100000">
+                                          <p:val>
+                                            <p:strVal val="ppt_x"/>
+                                          </p:val>
+                                        </p:tav>
+                                      </p:tavLst>
+                                    </p:anim>
+                                    <p:anim calcmode="lin" valueType="num">
+                                      <p:cBhvr additive="base">
+                                        <p:cTn id="11" dur="500"/>
+                                        <p:tgtEl>
+                                          <p:spTgt spid="4"/>
+                                        </p:tgtEl>
+                                        <p:attrNameLst>
+                                          <p:attrName>ppt_y</p:attrName>
+                                        </p:attrNameLst>
+                                      </p:cBhvr>
+                                      <p:tavLst>
+                                        <p:tav tm="0">
+                                          <p:val>
+                                            <p:strVal val="ppt_y"/>
+                                          </p:val>
+                                        </p:tav>
+                                        <p:tav tm="100000">
+                                          <p:val>
+                                            <p:strVal val="1+ppt_h/2"/>
+                                          </p:val>
+                                        </p:tav>
+                                      </p:tavLst>
+                                    </p:anim>
+                                    <p:set>
+                                      <p:cBhvr>
+                                        <p:cTn id="12" dur="1" fill="hold">
+                                          <p:stCondLst>
+                                            <p:cond delay="499"/>
+                                          </p:stCondLst>
+                                        </p:cTn>
+                                        <p:tgtEl>
+                                          <p:spTgt spid="4"/>
+                                        </p:tgtEl>
+                                        <p:attrNameLst>
+                                          <p:attrName>style.visibility</p:attrName>
+                                        </p:attrNameLst>
+                                      </p:cBhvr>
+                                      <p:to>
+                                        <p:strVal val="hidden"/>
+                                      </p:to>
+                                    </p:set>
+                                  </p:childTnLst>
+                                </p:cTn>
+                              </p:par>
+                            </p:childTnLst>
+                          </p:cTn>
+                        </p:par>
+                      </p:childTnLst>
+                    </p:cTn>
+                  </p:par>
+                  <p:par>
+                    <p:cTn id="13" fill="hold">
+                      <p:stCondLst>
+                        <p:cond delay="indefinite"/>
+                      </p:stCondLst>
+                      <p:childTnLst>
+                        <p:par>
+                          <p:cTn id="14" fill="hold">
+                            <p:stCondLst>
+                              <p:cond delay="0"/>
+                            </p:stCondLst>
+                            <p:childTnLst>
+                              <p:par>
+                                <p:cTn id="15" presetID="1" presetClass="entr" presetSubtype="0" fill="hold" nodeType="clickEffect">
+                                  <p:stCondLst>
+                                    <p:cond delay="0"/>
+                                  </p:stCondLst>
+                                  <p:childTnLst>
+                                    <p:set>
+                                      <p:cBhvr>
+                                        <p:cTn id="16" dur="1" fill="hold">
+                                          <p:stCondLst>
+                                            <p:cond delay="0"/>
+                                          </p:stCondLst>
+                                        </p:cTn>
+                                        <p:tgtEl>
+                                          <p:spTgt spid="5"/>
+                                        </p:tgtEl>
+                                        <p:attrNameLst>
+                                          <p:attrName>style.visibility</p:attrName>
+                                        </p:attrNameLst>
+                                      </p:cBhvr>
+                                      <p:to>
+                                        <p:strVal val="visible"/>
+                                      </p:to>
+                                    </p:set>
+                                  </p:childTnLst>
+                                </p:cTn>
+                              </p:par>
+                            </p:childTnLst>
+                          </p:cTn>
+                        </p:par>
+                      </p:childTnLst>
+                    </p:cTn>
+                  </p:par>
+                  <p:par>
+                    <p:cTn id="17" fill="hold">
+                      <p:stCondLst>
+                        <p:cond delay="indefinite"/>
+                      </p:stCondLst>
+                      <p:childTnLst>
+                        <p:par>
+                          <p:cTn id="18" fill="hold">
+                            <p:stCondLst>
+                              <p:cond delay="0"/>
+                            </p:stCondLst>
+                            <p:childTnLst>
+                              <p:par>
+                                <p:cTn id="19" presetID="2" presetClass="exit" presetSubtype="4" fill="hold" nodeType="clickEffect">
+                                  <p:stCondLst>
+                                    <p:cond delay="0"/>
+                                  </p:stCondLst>
+                                  <p:childTnLst>
+                                    <p:anim calcmode="lin" valueType="num">
+                                      <p:cBhvr additive="base">
+                                        <p:cTn id="20" dur="500"/>
+                                        <p:tgtEl>
+                                          <p:spTgt spid="5"/>
+                                        </p:tgtEl>
+                                        <p:attrNameLst>
+                                          <p:attrName>ppt_x</p:attrName>
+                                        </p:attrNameLst>
+                                      </p:cBhvr>
+                                      <p:tavLst>
+                                        <p:tav tm="0">
+                                          <p:val>
+                                            <p:strVal val="ppt_x"/>
+                                          </p:val>
+                                        </p:tav>
+                                        <p:tav tm="100000">
+                                          <p:val>
+                                            <p:strVal val="ppt_x"/>
+                                          </p:val>
+                                        </p:tav>
+                                      </p:tavLst>
+                                    </p:anim>
+                                    <p:anim calcmode="lin" valueType="num">
+                                      <p:cBhvr additive="base">
+                                        <p:cTn id="21" dur="500"/>
+                                        <p:tgtEl>
+                                          <p:spTgt spid="5"/>
+                                        </p:tgtEl>
+                                        <p:attrNameLst>
+                                          <p:attrName>ppt_y</p:attrName>
+                                        </p:attrNameLst>
+                                      </p:cBhvr>
+                                      <p:tavLst>
+                                        <p:tav tm="0">
+                                          <p:val>
+                                            <p:strVal val="ppt_y"/>
+                                          </p:val>
+                                        </p:tav>
+                                        <p:tav tm="100000">
+                                          <p:val>
+                                            <p:strVal val="1+ppt_h/2"/>
+                                          </p:val>
+                                        </p:tav>
+                                      </p:tavLst>
+                                    </p:anim>
+                                    <p:set>
+                                      <p:cBhvr>
+                                        <p:cTn id="22" dur="1" fill="hold">
+                                          <p:stCondLst>
+                                            <p:cond delay="499"/>
+                                          </p:stCondLst>
+                                        </p:cTn>
+                                        <p:tgtEl>
+                                          <p:spTgt spid="5"/>
+                                        </p:tgtEl>
+                                        <p:attrNameLst>
+                                          <p:attrName>style.visibility</p:attrName>
+                                        </p:attrNameLst>
+                                      </p:cBhvr>
+                                      <p:to>
+                                        <p:strVal val="hidden"/>
+                                      </p:to>
+                                    </p:set>
+                                  </p:childTnLst>
+                                </p:cTn>
+                              </p:par>
+                            </p:childTnLst>
+                          </p:cTn>
+                        </p:par>
+                      </p:childTnLst>
+                    </p:cTn>
+                  </p:par>
+                  <p:par>
+                    <p:cTn id="23" fill="hold">
+                      <p:stCondLst>
+                        <p:cond delay="indefinite"/>
+                      </p:stCondLst>
+                      <p:childTnLst>
+                        <p:par>
+                          <p:cTn id="24" fill="hold">
+                            <p:stCondLst>
+                              <p:cond delay="0"/>
+                            </p:stCondLst>
+                            <p:childTnLst>
+                              <p:par>
+                                <p:cTn id="25" presetID="1" presetClass="entr" presetSubtype="0" fill="hold" nodeType="clickEffect">
+                                  <p:stCondLst>
+                                    <p:cond delay="0"/>
+                                  </p:stCondLst>
+                                  <p:childTnLst>
+                                    <p:set>
+                                      <p:cBhvr>
+                                        <p:cTn id="26" dur="1" fill="hold">
+                                          <p:stCondLst>
+                                            <p:cond delay="0"/>
+                                          </p:stCondLst>
+                                        </p:cTn>
+                                        <p:tgtEl>
+                                          <p:spTgt spid="7"/>
+                                        </p:tgtEl>
+                                        <p:attrNameLst>
+                                          <p:attrName>style.visibility</p:attrName>
+                                        </p:attrNameLst>
+                                      </p:cBhvr>
+                                      <p:to>
+                                        <p:strVal val="visible"/>
+                                      </p:to>
+                                    </p:set>
+                                  </p:childTnLst>
+                                </p:cTn>
+                              </p:par>
+                            </p:childTnLst>
+                          </p:cTn>
+                        </p:par>
+                      </p:childTnLst>
+                    </p:cTn>
+                  </p:par>
+                  <p:par>
+                    <p:cTn id="27" fill="hold">
+                      <p:stCondLst>
+                        <p:cond delay="indefinite"/>
+                      </p:stCondLst>
+                      <p:childTnLst>
+                        <p:par>
+                          <p:cTn id="28" fill="hold">
+                            <p:stCondLst>
+                              <p:cond delay="0"/>
+                            </p:stCondLst>
+                            <p:childTnLst>
+                              <p:par>
+                                <p:cTn id="29" presetID="1" presetClass="exit" presetSubtype="0" fill="hold" nodeType="clickEffect">
+                                  <p:stCondLst>
+                                    <p:cond delay="0"/>
+                                  </p:stCondLst>
+                                  <p:childTnLst>
+                                    <p:set>
+                                      <p:cBhvr>
+                                        <p:cTn id="30" dur="1" fill="hold">
+                                          <p:stCondLst>
+                                            <p:cond delay="0"/>
+                                          </p:stCondLst>
+                                        </p:cTn>
+                                        <p:tgtEl>
+                                          <p:spTgt spid="7"/>
+                                        </p:tgtEl>
+                                        <p:attrNameLst>
+                                          <p:attrName>style.visibility</p:attrName>
+                                        </p:attrNameLst>
+                                      </p:cBhvr>
+                                      <p:to>
+                                        <p:strVal val="hidden"/>
+                                      </p:to>
+                                    </p:set>
+                                  </p:childTnLst>
+                                </p:cTn>
+                              </p:par>
+                            </p:childTnLst>
+                          </p:cTn>
+                        </p:par>
+                      </p:childTnLst>
+                    </p:cTn>
+                  </p:par>
+                </p:childTnLst>
+              </p:cTn>
+              <p:prevCondLst>
+                <p:cond evt="onPrev" delay="0">
+                  <p:tgtEl>
+                    <p:sldTgt/>
+                  </p:tgtEl>
+                </p:cond>
+              </p:prevCondLst>
+              <p:nextCondLst>
+                <p:cond evt="onNext" delay="0">
+                  <p:tgtEl>
+                    <p:sldTgt/>
+                  </p:tgtEl>
+                </p:cond>
+              </p:nextCondLst>
+            </p:seq>
+          </p:childTnLst>
+        </p:cTn>
+      </p:par>
+    </p:tnLst>
+  </p:timing>
+</p:sld>
+</file>
+
+<file path=ppt/slides/slide16.xml><?xml version="1.0" encoding="utf-8"?>
+<p:sld xmlns:a="http://schemas.openxmlformats.org/drawingml/2006/main" xmlns:r="http://schemas.openxmlformats.org/officeDocument/2006/relationships" xmlns:p="http://schemas.openxmlformats.org/presentationml/2006/main">
+  <p:cSld>
+    <p:spTree>
+      <p:nvGrpSpPr>
+        <p:cNvPr id="1" name=""/>
+        <p:cNvGrpSpPr/>
+        <p:nvPr/>
+      </p:nvGrpSpPr>
+      <p:grpSpPr>
+        <a:xfrm>
+          <a:off x="0" y="0"/>
+          <a:ext cx="0" cy="0"/>
+          <a:chOff x="0" y="0"/>
+          <a:chExt cx="0" cy="0"/>
+        </a:xfrm>
+      </p:grpSpPr>
+      <p:sp>
+        <p:nvSpPr>
           <p:cNvPr id="2" name="标题 1">
             <a:extLst>
               <a:ext uri="{FF2B5EF4-FFF2-40B4-BE49-F238E27FC236}">
@@ -6174,8 +8084,8 @@
           </a:p>
         </p:txBody>
       </p:sp>
-      <mc:AlternateContent xmlns:mc="http://schemas.openxmlformats.org/markup-compatibility/2006">
-        <mc:Choice xmlns:a14="http://schemas.microsoft.com/office/drawing/2010/main" Requires="a14">
+      <mc:AlternateContent xmlns:mc="http://schemas.openxmlformats.org/markup-compatibility/2006" xmlns:a14="http://schemas.microsoft.com/office/drawing/2010/main">
+        <mc:Choice Requires="a14">
           <p:sp>
             <p:nvSpPr>
               <p:cNvPr id="4" name="文本框 3">
@@ -6190,7 +8100,7 @@
             </p:nvSpPr>
             <p:spPr>
               <a:xfrm>
-                <a:off x="1091953" y="1855433"/>
+                <a:off x="843385" y="1535833"/>
                 <a:ext cx="10395859" cy="2542876"/>
               </a:xfrm>
               <a:prstGeom prst="rect">
@@ -6212,6 +8122,19 @@
                   <a:rPr lang="en-US" altLang="zh-CN" dirty="0"/>
                   <a:t>TRPO</a:t>
                 </a:r>
+                <a:r>
+                  <a:rPr lang="zh-CN" altLang="en-US" dirty="0"/>
+                  <a:t>（</a:t>
+                </a:r>
+                <a:r>
+                  <a:rPr lang="en-US" altLang="zh-CN" dirty="0"/>
+                  <a:t>Schulman, 2015</a:t>
+                </a:r>
+                <a:r>
+                  <a:rPr lang="zh-CN" altLang="en-US" dirty="0"/>
+                  <a:t>）</a:t>
+                </a:r>
+                <a:endParaRPr lang="en-US" altLang="zh-CN" dirty="0"/>
               </a:p>
               <a:p>
                 <a:pPr marL="742950" lvl="1" indent="-285750">
@@ -7794,55 +9717,7 @@
                       <a:rPr lang="zh-CN" altLang="en-US" i="1" dirty="0">
                         <a:latin typeface="Cambria Math" panose="02040503050406030204" pitchFamily="18" charset="0"/>
                       </a:rPr>
-                      <m:t>目标函数</m:t>
-                    </m:r>
-                    <m:r>
-                      <a:rPr lang="zh-CN" altLang="en-US" i="1" dirty="0">
-                        <a:latin typeface="Cambria Math" panose="02040503050406030204" pitchFamily="18" charset="0"/>
-                      </a:rPr>
-                      <m:t>的</m:t>
-                    </m:r>
-                    <m:r>
-                      <a:rPr lang="zh-CN" altLang="en-US" i="1" dirty="0">
-                        <a:latin typeface="Cambria Math" panose="02040503050406030204" pitchFamily="18" charset="0"/>
-                      </a:rPr>
-                      <m:t>一阶</m:t>
-                    </m:r>
-                    <m:r>
-                      <a:rPr lang="zh-CN" altLang="en-US" i="1" dirty="0">
-                        <a:latin typeface="Cambria Math" panose="02040503050406030204" pitchFamily="18" charset="0"/>
-                      </a:rPr>
-                      <m:t>展开</m:t>
-                    </m:r>
-                    <m:r>
-                      <a:rPr lang="zh-CN" altLang="en-US" i="1" dirty="0">
-                        <a:latin typeface="Cambria Math" panose="02040503050406030204" pitchFamily="18" charset="0"/>
-                      </a:rPr>
-                      <m:t>，</m:t>
-                    </m:r>
-                    <m:r>
-                      <a:rPr lang="zh-CN" altLang="en-US" i="1" dirty="0">
-                        <a:latin typeface="Cambria Math" panose="02040503050406030204" pitchFamily="18" charset="0"/>
-                      </a:rPr>
-                      <m:t>约束</m:t>
-                    </m:r>
-                    <m:r>
-                      <a:rPr lang="zh-CN" altLang="en-US" i="1" dirty="0">
-                        <a:latin typeface="Cambria Math" panose="02040503050406030204" pitchFamily="18" charset="0"/>
-                      </a:rPr>
-                      <m:t>的</m:t>
-                    </m:r>
-                    <m:r>
-                      <a:rPr lang="zh-CN" altLang="en-US" i="1" dirty="0">
-                        <a:latin typeface="Cambria Math" panose="02040503050406030204" pitchFamily="18" charset="0"/>
-                      </a:rPr>
-                      <m:t>二阶</m:t>
-                    </m:r>
-                    <m:r>
-                      <a:rPr lang="zh-CN" altLang="en-US" i="1" dirty="0">
-                        <a:latin typeface="Cambria Math" panose="02040503050406030204" pitchFamily="18" charset="0"/>
-                      </a:rPr>
-                      <m:t>展开</m:t>
+                      <m:t>目标函数的一阶展开，约束的二阶展开</m:t>
                     </m:r>
                     <m:r>
                       <a:rPr lang="en-US" altLang="zh-CN" i="1" dirty="0">
@@ -8045,7 +9920,7 @@
             </p:txBody>
           </p:sp>
         </mc:Choice>
-        <mc:Fallback>
+        <mc:Fallback xmlns="">
           <p:sp>
             <p:nvSpPr>
               <p:cNvPr id="4" name="文本框 3">
@@ -8062,7 +9937,7 @@
             </p:nvSpPr>
             <p:spPr>
               <a:xfrm>
-                <a:off x="1091953" y="1855433"/>
+                <a:off x="843385" y="1535833"/>
                 <a:ext cx="10395859" cy="2542876"/>
               </a:xfrm>
               <a:prstGeom prst="rect">
@@ -8071,7 +9946,7 @@
               <a:blipFill>
                 <a:blip r:embed="rId2"/>
                 <a:stretch>
-                  <a:fillRect l="-352" t="-1196"/>
+                  <a:fillRect l="-352" t="-1439"/>
                 </a:stretch>
               </a:blipFill>
             </p:spPr>
@@ -8090,8 +9965,8 @@
           </p:sp>
         </mc:Fallback>
       </mc:AlternateContent>
-      <mc:AlternateContent xmlns:mc="http://schemas.openxmlformats.org/markup-compatibility/2006">
-        <mc:Choice xmlns:a14="http://schemas.microsoft.com/office/drawing/2010/main" Requires="a14">
+      <mc:AlternateContent xmlns:mc="http://schemas.openxmlformats.org/markup-compatibility/2006" xmlns:a14="http://schemas.microsoft.com/office/drawing/2010/main">
+        <mc:Choice Requires="a14">
           <p:sp>
             <p:nvSpPr>
               <p:cNvPr id="5" name="文本框 4">
@@ -8106,7 +9981,7 @@
             </p:nvSpPr>
             <p:spPr>
               <a:xfrm>
-                <a:off x="1091953" y="4355706"/>
+                <a:off x="843385" y="4036106"/>
                 <a:ext cx="10130337" cy="1413720"/>
               </a:xfrm>
               <a:prstGeom prst="rect">
@@ -8128,6 +10003,19 @@
                   <a:rPr lang="en-US" altLang="zh-CN" dirty="0"/>
                   <a:t>PPO</a:t>
                 </a:r>
+                <a:r>
+                  <a:rPr lang="zh-CN" altLang="en-US" dirty="0"/>
+                  <a:t>（</a:t>
+                </a:r>
+                <a:r>
+                  <a:rPr lang="en-US" altLang="zh-CN" dirty="0"/>
+                  <a:t>Schulman, 2017</a:t>
+                </a:r>
+                <a:r>
+                  <a:rPr lang="zh-CN" altLang="en-US" dirty="0"/>
+                  <a:t>）</a:t>
+                </a:r>
+                <a:endParaRPr lang="en-US" altLang="zh-CN" dirty="0"/>
               </a:p>
               <a:p>
                 <a:pPr marL="742950" lvl="1" indent="-285750">
@@ -9082,7 +10970,7 @@
             </p:txBody>
           </p:sp>
         </mc:Choice>
-        <mc:Fallback>
+        <mc:Fallback xmlns="">
           <p:sp>
             <p:nvSpPr>
               <p:cNvPr id="5" name="文本框 4">
@@ -9099,7 +10987,7 @@
             </p:nvSpPr>
             <p:spPr>
               <a:xfrm>
-                <a:off x="1091953" y="4355706"/>
+                <a:off x="843385" y="4036106"/>
                 <a:ext cx="10130337" cy="1413720"/>
               </a:xfrm>
               <a:prstGeom prst="rect">
@@ -9108,7 +10996,7 @@
               <a:blipFill>
                 <a:blip r:embed="rId3"/>
                 <a:stretch>
-                  <a:fillRect l="-361" t="-2597" b="-4329"/>
+                  <a:fillRect l="-361" t="-2155" b="-3879"/>
                 </a:stretch>
               </a:blipFill>
             </p:spPr>
@@ -9505,514 +11393,6 @@
                                         </p:cTn>
                                         <p:tgtEl>
                                           <p:spTgt spid="11"/>
-                                        </p:tgtEl>
-                                        <p:attrNameLst>
-                                          <p:attrName>style.visibility</p:attrName>
-                                        </p:attrNameLst>
-                                      </p:cBhvr>
-                                      <p:to>
-                                        <p:strVal val="hidden"/>
-                                      </p:to>
-                                    </p:set>
-                                  </p:childTnLst>
-                                </p:cTn>
-                              </p:par>
-                            </p:childTnLst>
-                          </p:cTn>
-                        </p:par>
-                      </p:childTnLst>
-                    </p:cTn>
-                  </p:par>
-                </p:childTnLst>
-              </p:cTn>
-              <p:prevCondLst>
-                <p:cond evt="onPrev" delay="0">
-                  <p:tgtEl>
-                    <p:sldTgt/>
-                  </p:tgtEl>
-                </p:cond>
-              </p:prevCondLst>
-              <p:nextCondLst>
-                <p:cond evt="onNext" delay="0">
-                  <p:tgtEl>
-                    <p:sldTgt/>
-                  </p:tgtEl>
-                </p:cond>
-              </p:nextCondLst>
-            </p:seq>
-          </p:childTnLst>
-        </p:cTn>
-      </p:par>
-    </p:tnLst>
-  </p:timing>
-</p:sld>
-</file>
-
-<file path=ppt/slides/slide16.xml><?xml version="1.0" encoding="utf-8"?>
-<p:sld xmlns:a="http://schemas.openxmlformats.org/drawingml/2006/main" xmlns:r="http://schemas.openxmlformats.org/officeDocument/2006/relationships" xmlns:p="http://schemas.openxmlformats.org/presentationml/2006/main">
-  <p:cSld>
-    <p:spTree>
-      <p:nvGrpSpPr>
-        <p:cNvPr id="1" name=""/>
-        <p:cNvGrpSpPr/>
-        <p:nvPr/>
-      </p:nvGrpSpPr>
-      <p:grpSpPr>
-        <a:xfrm>
-          <a:off x="0" y="0"/>
-          <a:ext cx="0" cy="0"/>
-          <a:chOff x="0" y="0"/>
-          <a:chExt cx="0" cy="0"/>
-        </a:xfrm>
-      </p:grpSpPr>
-      <p:sp>
-        <p:nvSpPr>
-          <p:cNvPr id="2" name="标题 1"/>
-          <p:cNvSpPr>
-            <a:spLocks noGrp="1"/>
-          </p:cNvSpPr>
-          <p:nvPr>
-            <p:ph type="title"/>
-          </p:nvPr>
-        </p:nvSpPr>
-        <p:spPr/>
-        <p:txBody>
-          <a:bodyPr/>
-          <a:lstStyle/>
-          <a:p>
-            <a:r>
-              <a:rPr lang="zh-CN" altLang="en-US">
-                <a:sym typeface="+mn-ea"/>
-              </a:rPr>
-              <a:t>基于策略的方法</a:t>
-            </a:r>
-            <a:endParaRPr lang="zh-CN" altLang="en-US"/>
-          </a:p>
-        </p:txBody>
-      </p:sp>
-      <p:sp>
-        <p:nvSpPr>
-          <p:cNvPr id="3" name="内容占位符 2"/>
-          <p:cNvSpPr>
-            <a:spLocks noGrp="1"/>
-          </p:cNvSpPr>
-          <p:nvPr>
-            <p:ph idx="1"/>
-          </p:nvPr>
-        </p:nvSpPr>
-        <p:spPr/>
-        <p:txBody>
-          <a:bodyPr/>
-          <a:lstStyle/>
-          <a:p>
-            <a:r>
-              <a:rPr lang="zh-CN" altLang="en-US" dirty="0"/>
-              <a:t>DDPG（Deep Deterministic Policy Gradient, 2016）</a:t>
-            </a:r>
-          </a:p>
-          <a:p>
-            <a:pPr lvl="1">
-              <a:buFont typeface="Wingdings" panose="05000000000000000000" charset="0"/>
-              <a:buChar char="n"/>
-            </a:pPr>
-            <a:r>
-              <a:rPr lang="zh-CN" altLang="en-US" dirty="0"/>
-              <a:t>解决DQN无法用于连续动作空间的问题--同时建立策略网络和价值网络</a:t>
-            </a:r>
-          </a:p>
-          <a:p>
-            <a:pPr lvl="1">
-              <a:buFont typeface="Wingdings" panose="05000000000000000000" charset="0"/>
-              <a:buChar char="n"/>
-            </a:pPr>
-            <a:r>
-              <a:rPr lang="zh-CN" altLang="en-US" dirty="0"/>
-              <a:t>与AC的区别--策略网络是确定性策略</a:t>
-            </a:r>
-          </a:p>
-          <a:p>
-            <a:pPr lvl="1">
-              <a:buFont typeface="Wingdings" panose="05000000000000000000" charset="0"/>
-              <a:buChar char="n"/>
-            </a:pPr>
-            <a:r>
-              <a:rPr lang="zh-CN" altLang="en-US" dirty="0"/>
-              <a:t>确定性策略的探索问题--给采样策略的输出动作添加噪声</a:t>
-            </a:r>
-          </a:p>
-          <a:p>
-            <a:pPr lvl="1">
-              <a:buFont typeface="Wingdings" panose="05000000000000000000" charset="0"/>
-              <a:buChar char="n"/>
-            </a:pPr>
-            <a:r>
-              <a:rPr lang="zh-CN" altLang="en-US" dirty="0"/>
-              <a:t>指数平滑更新--更新缓慢且平稳</a:t>
-            </a:r>
-          </a:p>
-          <a:p>
-            <a:r>
-              <a:rPr lang="zh-CN" altLang="en-US" dirty="0"/>
-              <a:t>TD3（Twin Delayed Deep Deterministic Policy Gradient, 2018）</a:t>
-            </a:r>
-          </a:p>
-          <a:p>
-            <a:pPr marL="800100" lvl="1" indent="-342900">
-              <a:buFont typeface="+mj-lt"/>
-              <a:buAutoNum type="arabicPeriod"/>
-            </a:pPr>
-            <a:r>
-              <a:rPr lang="zh-CN" altLang="en-US" dirty="0"/>
-              <a:t>目标策略平滑--给目标策略的输出动作添加噪声，平滑Q值估计</a:t>
-            </a:r>
-          </a:p>
-          <a:p>
-            <a:pPr marL="800100" lvl="1" indent="-342900">
-              <a:buFont typeface="+mj-lt"/>
-              <a:buAutoNum type="arabicPeriod"/>
-            </a:pPr>
-            <a:r>
-              <a:rPr lang="zh-CN" altLang="en-US" dirty="0"/>
-              <a:t>截断的Double Q-Learning--学习两个Q值网络，每次选择其中最小值进行计算</a:t>
-            </a:r>
-          </a:p>
-          <a:p>
-            <a:pPr marL="800100" lvl="1" indent="-342900">
-              <a:buFont typeface="+mj-lt"/>
-              <a:buAutoNum type="arabicPeriod"/>
-            </a:pPr>
-            <a:r>
-              <a:rPr lang="zh-CN" altLang="en-US" dirty="0"/>
-              <a:t>延迟策略更新--策略网络的更新频率低于Q值网络</a:t>
-            </a:r>
-          </a:p>
-          <a:p>
-            <a:pPr marL="800100" lvl="1" indent="-342900">
-              <a:buFont typeface="+mj-lt"/>
-              <a:buAutoNum type="arabicPeriod"/>
-            </a:pPr>
-            <a:endParaRPr lang="zh-CN" altLang="en-US" dirty="0"/>
-          </a:p>
-        </p:txBody>
-      </p:sp>
-      <p:pic>
-        <p:nvPicPr>
-          <p:cNvPr id="4" name="图片 3" descr="DDPG"/>
-          <p:cNvPicPr>
-            <a:picLocks noChangeAspect="1"/>
-          </p:cNvPicPr>
-          <p:nvPr/>
-        </p:nvPicPr>
-        <p:blipFill>
-          <a:blip r:embed="rId3"/>
-          <a:stretch>
-            <a:fillRect/>
-          </a:stretch>
-        </p:blipFill>
-        <p:spPr>
-          <a:xfrm>
-            <a:off x="5207635" y="1612900"/>
-            <a:ext cx="6705600" cy="4351020"/>
-          </a:xfrm>
-          <a:prstGeom prst="rect">
-            <a:avLst/>
-          </a:prstGeom>
-        </p:spPr>
-      </p:pic>
-      <p:pic>
-        <p:nvPicPr>
-          <p:cNvPr id="5" name="图片 4" descr="TD3"/>
-          <p:cNvPicPr>
-            <a:picLocks noChangeAspect="1"/>
-          </p:cNvPicPr>
-          <p:nvPr/>
-        </p:nvPicPr>
-        <p:blipFill>
-          <a:blip r:embed="rId4"/>
-          <a:stretch>
-            <a:fillRect/>
-          </a:stretch>
-        </p:blipFill>
-        <p:spPr>
-          <a:xfrm>
-            <a:off x="5572760" y="1612900"/>
-            <a:ext cx="6340475" cy="4263390"/>
-          </a:xfrm>
-          <a:prstGeom prst="rect">
-            <a:avLst/>
-          </a:prstGeom>
-        </p:spPr>
-      </p:pic>
-    </p:spTree>
-    <p:custDataLst>
-      <p:tags r:id="rId1"/>
-    </p:custDataLst>
-  </p:cSld>
-  <p:clrMapOvr>
-    <a:masterClrMapping/>
-  </p:clrMapOvr>
-  <p:timing>
-    <p:tnLst>
-      <p:par>
-        <p:cTn id="1" dur="indefinite" restart="never" nodeType="tmRoot">
-          <p:childTnLst>
-            <p:seq concurrent="1" nextAc="seek">
-              <p:cTn id="2" dur="indefinite" nodeType="mainSeq">
-                <p:childTnLst>
-                  <p:par>
-                    <p:cTn id="3" fill="hold">
-                      <p:stCondLst>
-                        <p:cond delay="indefinite"/>
-                      </p:stCondLst>
-                      <p:childTnLst>
-                        <p:par>
-                          <p:cTn id="4" fill="hold">
-                            <p:stCondLst>
-                              <p:cond delay="0"/>
-                            </p:stCondLst>
-                            <p:childTnLst>
-                              <p:par>
-                                <p:cTn id="5" presetID="1" presetClass="entr" presetSubtype="0" fill="hold" nodeType="clickEffect">
-                                  <p:stCondLst>
-                                    <p:cond delay="0"/>
-                                  </p:stCondLst>
-                                  <p:childTnLst>
-                                    <p:set>
-                                      <p:cBhvr>
-                                        <p:cTn id="6" dur="1" fill="hold">
-                                          <p:stCondLst>
-                                            <p:cond delay="0"/>
-                                          </p:stCondLst>
-                                        </p:cTn>
-                                        <p:tgtEl>
-                                          <p:spTgt spid="4"/>
-                                        </p:tgtEl>
-                                        <p:attrNameLst>
-                                          <p:attrName>style.visibility</p:attrName>
-                                        </p:attrNameLst>
-                                      </p:cBhvr>
-                                      <p:to>
-                                        <p:strVal val="visible"/>
-                                      </p:to>
-                                    </p:set>
-                                  </p:childTnLst>
-                                </p:cTn>
-                              </p:par>
-                            </p:childTnLst>
-                          </p:cTn>
-                        </p:par>
-                      </p:childTnLst>
-                    </p:cTn>
-                  </p:par>
-                  <p:par>
-                    <p:cTn id="7" fill="hold">
-                      <p:stCondLst>
-                        <p:cond delay="indefinite"/>
-                      </p:stCondLst>
-                      <p:childTnLst>
-                        <p:par>
-                          <p:cTn id="8" fill="hold">
-                            <p:stCondLst>
-                              <p:cond delay="0"/>
-                            </p:stCondLst>
-                            <p:childTnLst>
-                              <p:par>
-                                <p:cTn id="9" presetID="2" presetClass="exit" presetSubtype="4" fill="hold" nodeType="clickEffect">
-                                  <p:stCondLst>
-                                    <p:cond delay="0"/>
-                                  </p:stCondLst>
-                                  <p:childTnLst>
-                                    <p:anim calcmode="lin" valueType="num">
-                                      <p:cBhvr additive="base">
-                                        <p:cTn id="10" dur="500"/>
-                                        <p:tgtEl>
-                                          <p:spTgt spid="4"/>
-                                        </p:tgtEl>
-                                        <p:attrNameLst>
-                                          <p:attrName>ppt_x</p:attrName>
-                                        </p:attrNameLst>
-                                      </p:cBhvr>
-                                      <p:tavLst>
-                                        <p:tav tm="0">
-                                          <p:val>
-                                            <p:strVal val="ppt_x"/>
-                                          </p:val>
-                                        </p:tav>
-                                        <p:tav tm="100000">
-                                          <p:val>
-                                            <p:strVal val="ppt_x"/>
-                                          </p:val>
-                                        </p:tav>
-                                      </p:tavLst>
-                                    </p:anim>
-                                    <p:anim calcmode="lin" valueType="num">
-                                      <p:cBhvr additive="base">
-                                        <p:cTn id="11" dur="500"/>
-                                        <p:tgtEl>
-                                          <p:spTgt spid="4"/>
-                                        </p:tgtEl>
-                                        <p:attrNameLst>
-                                          <p:attrName>ppt_y</p:attrName>
-                                        </p:attrNameLst>
-                                      </p:cBhvr>
-                                      <p:tavLst>
-                                        <p:tav tm="0">
-                                          <p:val>
-                                            <p:strVal val="ppt_y"/>
-                                          </p:val>
-                                        </p:tav>
-                                        <p:tav tm="100000">
-                                          <p:val>
-                                            <p:strVal val="1+ppt_h/2"/>
-                                          </p:val>
-                                        </p:tav>
-                                      </p:tavLst>
-                                    </p:anim>
-                                    <p:set>
-                                      <p:cBhvr>
-                                        <p:cTn id="12" dur="1" fill="hold">
-                                          <p:stCondLst>
-                                            <p:cond delay="499"/>
-                                          </p:stCondLst>
-                                        </p:cTn>
-                                        <p:tgtEl>
-                                          <p:spTgt spid="4"/>
-                                        </p:tgtEl>
-                                        <p:attrNameLst>
-                                          <p:attrName>style.visibility</p:attrName>
-                                        </p:attrNameLst>
-                                      </p:cBhvr>
-                                      <p:to>
-                                        <p:strVal val="hidden"/>
-                                      </p:to>
-                                    </p:set>
-                                  </p:childTnLst>
-                                </p:cTn>
-                              </p:par>
-                            </p:childTnLst>
-                          </p:cTn>
-                        </p:par>
-                      </p:childTnLst>
-                    </p:cTn>
-                  </p:par>
-                  <p:par>
-                    <p:cTn id="13" fill="hold">
-                      <p:stCondLst>
-                        <p:cond delay="indefinite"/>
-                      </p:stCondLst>
-                      <p:childTnLst>
-                        <p:par>
-                          <p:cTn id="14" fill="hold">
-                            <p:stCondLst>
-                              <p:cond delay="0"/>
-                            </p:stCondLst>
-                            <p:childTnLst>
-                              <p:par>
-                                <p:cTn id="15" presetID="1" presetClass="entr" presetSubtype="0" fill="hold" nodeType="clickEffect">
-                                  <p:stCondLst>
-                                    <p:cond delay="0"/>
-                                  </p:stCondLst>
-                                  <p:childTnLst>
-                                    <p:set>
-                                      <p:cBhvr>
-                                        <p:cTn id="16" dur="1" fill="hold">
-                                          <p:stCondLst>
-                                            <p:cond delay="0"/>
-                                          </p:stCondLst>
-                                        </p:cTn>
-                                        <p:tgtEl>
-                                          <p:spTgt spid="5"/>
-                                        </p:tgtEl>
-                                        <p:attrNameLst>
-                                          <p:attrName>style.visibility</p:attrName>
-                                        </p:attrNameLst>
-                                      </p:cBhvr>
-                                      <p:to>
-                                        <p:strVal val="visible"/>
-                                      </p:to>
-                                    </p:set>
-                                  </p:childTnLst>
-                                </p:cTn>
-                              </p:par>
-                            </p:childTnLst>
-                          </p:cTn>
-                        </p:par>
-                      </p:childTnLst>
-                    </p:cTn>
-                  </p:par>
-                  <p:par>
-                    <p:cTn id="17" fill="hold">
-                      <p:stCondLst>
-                        <p:cond delay="indefinite"/>
-                      </p:stCondLst>
-                      <p:childTnLst>
-                        <p:par>
-                          <p:cTn id="18" fill="hold">
-                            <p:stCondLst>
-                              <p:cond delay="0"/>
-                            </p:stCondLst>
-                            <p:childTnLst>
-                              <p:par>
-                                <p:cTn id="19" presetID="2" presetClass="exit" presetSubtype="4" fill="hold" nodeType="clickEffect">
-                                  <p:stCondLst>
-                                    <p:cond delay="0"/>
-                                  </p:stCondLst>
-                                  <p:childTnLst>
-                                    <p:anim calcmode="lin" valueType="num">
-                                      <p:cBhvr additive="base">
-                                        <p:cTn id="20" dur="500"/>
-                                        <p:tgtEl>
-                                          <p:spTgt spid="5"/>
-                                        </p:tgtEl>
-                                        <p:attrNameLst>
-                                          <p:attrName>ppt_x</p:attrName>
-                                        </p:attrNameLst>
-                                      </p:cBhvr>
-                                      <p:tavLst>
-                                        <p:tav tm="0">
-                                          <p:val>
-                                            <p:strVal val="ppt_x"/>
-                                          </p:val>
-                                        </p:tav>
-                                        <p:tav tm="100000">
-                                          <p:val>
-                                            <p:strVal val="ppt_x"/>
-                                          </p:val>
-                                        </p:tav>
-                                      </p:tavLst>
-                                    </p:anim>
-                                    <p:anim calcmode="lin" valueType="num">
-                                      <p:cBhvr additive="base">
-                                        <p:cTn id="21" dur="500"/>
-                                        <p:tgtEl>
-                                          <p:spTgt spid="5"/>
-                                        </p:tgtEl>
-                                        <p:attrNameLst>
-                                          <p:attrName>ppt_y</p:attrName>
-                                        </p:attrNameLst>
-                                      </p:cBhvr>
-                                      <p:tavLst>
-                                        <p:tav tm="0">
-                                          <p:val>
-                                            <p:strVal val="ppt_y"/>
-                                          </p:val>
-                                        </p:tav>
-                                        <p:tav tm="100000">
-                                          <p:val>
-                                            <p:strVal val="1+ppt_h/2"/>
-                                          </p:val>
-                                        </p:tav>
-                                      </p:tavLst>
-                                    </p:anim>
-                                    <p:set>
-                                      <p:cBhvr>
-                                        <p:cTn id="22" dur="1" fill="hold">
-                                          <p:stCondLst>
-                                            <p:cond delay="499"/>
-                                          </p:stCondLst>
-                                        </p:cTn>
-                                        <p:tgtEl>
-                                          <p:spTgt spid="5"/>
                                         </p:tgtEl>
                                         <p:attrNameLst>
                                           <p:attrName>style.visibility</p:attrName>
@@ -11970,1028 +13350,6 @@
       </p:grpSpPr>
       <p:sp>
         <p:nvSpPr>
-          <p:cNvPr id="2" name="标题 1">
-            <a:extLst>
-              <a:ext uri="{FF2B5EF4-FFF2-40B4-BE49-F238E27FC236}">
-                <a16:creationId xmlns:a16="http://schemas.microsoft.com/office/drawing/2014/main" id="{E7C0ADBE-56F2-4ED9-AFC2-99179C3FC911}"/>
-              </a:ext>
-            </a:extLst>
-          </p:cNvPr>
-          <p:cNvSpPr txBox="1">
-            <a:spLocks/>
-          </p:cNvSpPr>
-          <p:nvPr/>
-        </p:nvSpPr>
-        <p:spPr>
-          <a:xfrm>
-            <a:off x="608400" y="608400"/>
-            <a:ext cx="10969200" cy="705600"/>
-          </a:xfrm>
-          <a:prstGeom prst="rect">
-            <a:avLst/>
-          </a:prstGeom>
-        </p:spPr>
-        <p:txBody>
-          <a:bodyPr/>
-          <a:lstStyle>
-            <a:lvl1pPr algn="l" defTabSz="914400" rtl="0" eaLnBrk="1" fontAlgn="auto" latinLnBrk="0" hangingPunct="1">
-              <a:lnSpc>
-                <a:spcPct val="100000"/>
-              </a:lnSpc>
-              <a:spcBef>
-                <a:spcPct val="0"/>
-              </a:spcBef>
-              <a:buNone/>
-              <a:defRPr sz="3600" b="1" u="none" strike="noStrike" kern="1200" cap="none" spc="300" normalizeH="0" baseline="0">
-                <a:solidFill>
-                  <a:schemeClr val="tx1">
-                    <a:lumMod val="85000"/>
-                    <a:lumOff val="15000"/>
-                  </a:schemeClr>
-                </a:solidFill>
-                <a:uFillTx/>
-                <a:latin typeface="+mj-lt"/>
-                <a:ea typeface="+mj-ea"/>
-                <a:cs typeface="+mj-cs"/>
-              </a:defRPr>
-            </a:lvl1pPr>
-          </a:lstStyle>
-          <a:p>
-            <a:r>
-              <a:rPr lang="zh-CN" altLang="en-US" dirty="0"/>
-              <a:t>选项框架</a:t>
-            </a:r>
-          </a:p>
-        </p:txBody>
-      </p:sp>
-      <mc:AlternateContent xmlns:mc="http://schemas.openxmlformats.org/markup-compatibility/2006" xmlns:a14="http://schemas.microsoft.com/office/drawing/2010/main">
-        <mc:Choice Requires="a14">
-          <p:sp>
-            <p:nvSpPr>
-              <p:cNvPr id="3" name="文本框 2">
-                <a:extLst>
-                  <a:ext uri="{FF2B5EF4-FFF2-40B4-BE49-F238E27FC236}">
-                    <a16:creationId xmlns:a16="http://schemas.microsoft.com/office/drawing/2014/main" id="{2B7DAA32-7755-457D-9CC9-71755EAFE431}"/>
-                  </a:ext>
-                </a:extLst>
-              </p:cNvPr>
-              <p:cNvSpPr txBox="1"/>
-              <p:nvPr/>
-            </p:nvSpPr>
-            <p:spPr>
-              <a:xfrm>
-                <a:off x="1367160" y="1722268"/>
-                <a:ext cx="7510509" cy="1200329"/>
-              </a:xfrm>
-              <a:prstGeom prst="rect">
-                <a:avLst/>
-              </a:prstGeom>
-              <a:noFill/>
-            </p:spPr>
-            <p:txBody>
-              <a:bodyPr wrap="square" rtlCol="0">
-                <a:spAutoFit/>
-              </a:bodyPr>
-              <a:lstStyle/>
-              <a:p>
-                <a:pPr marL="285750" indent="-285750">
-                  <a:buFont typeface="Wingdings" panose="05000000000000000000" pitchFamily="2" charset="2"/>
-                  <a:buChar char="Ø"/>
-                </a:pPr>
-                <a:r>
-                  <a:rPr lang="zh-CN" altLang="en-US" dirty="0"/>
-                  <a:t>两层结构</a:t>
-                </a:r>
-                <a:endParaRPr lang="en-US" altLang="zh-CN" dirty="0"/>
-              </a:p>
-              <a:p>
-                <a:pPr marL="742950" lvl="1" indent="-285750">
-                  <a:buFont typeface="Arial" panose="020B0604020202020204" pitchFamily="34" charset="0"/>
-                  <a:buChar char="•"/>
-                </a:pPr>
-                <a:r>
-                  <a:rPr lang="zh-CN" altLang="en-US" dirty="0"/>
-                  <a:t>顶层是一个选项策略</a:t>
-                </a:r>
-                <a:endParaRPr lang="en-US" altLang="zh-CN" dirty="0"/>
-              </a:p>
-              <a:p>
-                <a:pPr marL="742950" lvl="1" indent="-285750">
-                  <a:buFont typeface="Arial" panose="020B0604020202020204" pitchFamily="34" charset="0"/>
-                  <a:buChar char="•"/>
-                </a:pPr>
-                <a:r>
-                  <a:rPr lang="zh-CN" altLang="en-US" dirty="0"/>
-                  <a:t>底层是多个选项</a:t>
-                </a:r>
-                <a:endParaRPr lang="en-US" altLang="zh-CN" dirty="0"/>
-              </a:p>
-              <a:p>
-                <a:pPr marL="1200150" lvl="2" indent="-285750">
-                  <a:buFont typeface="Wingdings" panose="05000000000000000000" pitchFamily="2" charset="2"/>
-                  <a:buChar char="p"/>
-                </a:pPr>
-                <a14:m>
-                  <m:oMath xmlns:m="http://schemas.openxmlformats.org/officeDocument/2006/math">
-                    <m:r>
-                      <a:rPr lang="en-US" altLang="zh-CN" i="1" smtClean="0">
-                        <a:latin typeface="Cambria Math" panose="02040503050406030204" pitchFamily="18" charset="0"/>
-                      </a:rPr>
-                      <m:t>𝜔</m:t>
-                    </m:r>
-                    <m:r>
-                      <a:rPr lang="en-US" altLang="zh-CN" b="0" i="1" smtClean="0">
-                        <a:latin typeface="Cambria Math" panose="02040503050406030204" pitchFamily="18" charset="0"/>
-                      </a:rPr>
-                      <m:t>=(</m:t>
-                    </m:r>
-                    <m:sSub>
-                      <m:sSubPr>
-                        <m:ctrlPr>
-                          <a:rPr lang="en-US" altLang="zh-CN" b="0" i="1" smtClean="0">
-                            <a:latin typeface="Cambria Math" panose="02040503050406030204" pitchFamily="18" charset="0"/>
-                          </a:rPr>
-                        </m:ctrlPr>
-                      </m:sSubPr>
-                      <m:e>
-                        <m:r>
-                          <a:rPr lang="en-US" altLang="zh-CN" b="0" i="1" smtClean="0">
-                            <a:latin typeface="Cambria Math" panose="02040503050406030204" pitchFamily="18" charset="0"/>
-                          </a:rPr>
-                          <m:t>𝐼</m:t>
-                        </m:r>
-                      </m:e>
-                      <m:sub>
-                        <m:r>
-                          <a:rPr lang="en-US" altLang="zh-CN" b="0" i="1" smtClean="0">
-                            <a:latin typeface="Cambria Math" panose="02040503050406030204" pitchFamily="18" charset="0"/>
-                          </a:rPr>
-                          <m:t>𝜔</m:t>
-                        </m:r>
-                      </m:sub>
-                    </m:sSub>
-                    <m:r>
-                      <a:rPr lang="en-US" altLang="zh-CN" b="0" i="1" smtClean="0">
-                        <a:latin typeface="Cambria Math" panose="02040503050406030204" pitchFamily="18" charset="0"/>
-                      </a:rPr>
-                      <m:t>,</m:t>
-                    </m:r>
-                    <m:sSub>
-                      <m:sSubPr>
-                        <m:ctrlPr>
-                          <a:rPr lang="en-US" altLang="zh-CN" b="0" i="1" smtClean="0">
-                            <a:latin typeface="Cambria Math" panose="02040503050406030204" pitchFamily="18" charset="0"/>
-                          </a:rPr>
-                        </m:ctrlPr>
-                      </m:sSubPr>
-                      <m:e>
-                        <m:r>
-                          <a:rPr lang="en-US" altLang="zh-CN" b="0" i="1" smtClean="0">
-                            <a:latin typeface="Cambria Math" panose="02040503050406030204" pitchFamily="18" charset="0"/>
-                          </a:rPr>
-                          <m:t>𝜋</m:t>
-                        </m:r>
-                      </m:e>
-                      <m:sub>
-                        <m:r>
-                          <a:rPr lang="en-US" altLang="zh-CN" b="0" i="1" smtClean="0">
-                            <a:latin typeface="Cambria Math" panose="02040503050406030204" pitchFamily="18" charset="0"/>
-                          </a:rPr>
-                          <m:t>𝜔</m:t>
-                        </m:r>
-                      </m:sub>
-                    </m:sSub>
-                    <m:r>
-                      <a:rPr lang="en-US" altLang="zh-CN" b="0" i="1" smtClean="0">
-                        <a:latin typeface="Cambria Math" panose="02040503050406030204" pitchFamily="18" charset="0"/>
-                      </a:rPr>
-                      <m:t>,</m:t>
-                    </m:r>
-                    <m:sSub>
-                      <m:sSubPr>
-                        <m:ctrlPr>
-                          <a:rPr lang="en-US" altLang="zh-CN" b="0" i="1" smtClean="0">
-                            <a:latin typeface="Cambria Math" panose="02040503050406030204" pitchFamily="18" charset="0"/>
-                          </a:rPr>
-                        </m:ctrlPr>
-                      </m:sSubPr>
-                      <m:e>
-                        <m:r>
-                          <a:rPr lang="en-US" altLang="zh-CN" b="0" i="1" smtClean="0">
-                            <a:latin typeface="Cambria Math" panose="02040503050406030204" pitchFamily="18" charset="0"/>
-                          </a:rPr>
-                          <m:t>𝛽</m:t>
-                        </m:r>
-                      </m:e>
-                      <m:sub>
-                        <m:r>
-                          <a:rPr lang="en-US" altLang="zh-CN" b="0" i="1" smtClean="0">
-                            <a:latin typeface="Cambria Math" panose="02040503050406030204" pitchFamily="18" charset="0"/>
-                          </a:rPr>
-                          <m:t>𝜔</m:t>
-                        </m:r>
-                      </m:sub>
-                    </m:sSub>
-                    <m:r>
-                      <a:rPr lang="en-US" altLang="zh-CN" b="0" i="1" smtClean="0">
-                        <a:latin typeface="Cambria Math" panose="02040503050406030204" pitchFamily="18" charset="0"/>
-                      </a:rPr>
-                      <m:t>)</m:t>
-                    </m:r>
-                    <m:r>
-                      <a:rPr lang="zh-CN" altLang="en-US" i="1">
-                        <a:latin typeface="Cambria Math" panose="02040503050406030204" pitchFamily="18" charset="0"/>
-                      </a:rPr>
-                      <m:t>，</m:t>
-                    </m:r>
-                  </m:oMath>
-                </a14:m>
-                <a:r>
-                  <a:rPr lang="zh-CN" altLang="en-US" dirty="0"/>
-                  <a:t>初始状态集，选项内置策略，终止函数</a:t>
-                </a:r>
-              </a:p>
-            </p:txBody>
-          </p:sp>
-        </mc:Choice>
-        <mc:Fallback xmlns="">
-          <p:sp>
-            <p:nvSpPr>
-              <p:cNvPr id="3" name="文本框 2">
-                <a:extLst>
-                  <a:ext uri="{FF2B5EF4-FFF2-40B4-BE49-F238E27FC236}">
-                    <a16:creationId xmlns:a16="http://schemas.microsoft.com/office/drawing/2014/main" id="{2B7DAA32-7755-457D-9CC9-71755EAFE431}"/>
-                  </a:ext>
-                </a:extLst>
-              </p:cNvPr>
-              <p:cNvSpPr txBox="1">
-                <a:spLocks noRot="1" noChangeAspect="1" noMove="1" noResize="1" noEditPoints="1" noAdjustHandles="1" noChangeArrowheads="1" noChangeShapeType="1" noTextEdit="1"/>
-              </p:cNvSpPr>
-              <p:nvPr/>
-            </p:nvSpPr>
-            <p:spPr>
-              <a:xfrm>
-                <a:off x="1367160" y="1722268"/>
-                <a:ext cx="7510509" cy="1200329"/>
-              </a:xfrm>
-              <a:prstGeom prst="rect">
-                <a:avLst/>
-              </a:prstGeom>
-              <a:blipFill>
-                <a:blip r:embed="rId2"/>
-                <a:stretch>
-                  <a:fillRect l="-487" t="-3061" b="-7653"/>
-                </a:stretch>
-              </a:blipFill>
-            </p:spPr>
-            <p:txBody>
-              <a:bodyPr/>
-              <a:lstStyle/>
-              <a:p>
-                <a:r>
-                  <a:rPr lang="zh-CN" altLang="en-US">
-                    <a:noFill/>
-                  </a:rPr>
-                  <a:t> </a:t>
-                </a:r>
-              </a:p>
-            </p:txBody>
-          </p:sp>
-        </mc:Fallback>
-      </mc:AlternateContent>
-      <mc:AlternateContent xmlns:mc="http://schemas.openxmlformats.org/markup-compatibility/2006" xmlns:a14="http://schemas.microsoft.com/office/drawing/2010/main">
-        <mc:Choice Requires="a14">
-          <p:sp>
-            <p:nvSpPr>
-              <p:cNvPr id="4" name="文本框 3">
-                <a:extLst>
-                  <a:ext uri="{FF2B5EF4-FFF2-40B4-BE49-F238E27FC236}">
-                    <a16:creationId xmlns:a16="http://schemas.microsoft.com/office/drawing/2014/main" id="{160EE2EC-3379-4E39-9EB6-44426ED40E46}"/>
-                  </a:ext>
-                </a:extLst>
-              </p:cNvPr>
-              <p:cNvSpPr txBox="1"/>
-              <p:nvPr/>
-            </p:nvSpPr>
-            <p:spPr>
-              <a:xfrm>
-                <a:off x="1367160" y="3207058"/>
-                <a:ext cx="7418441" cy="940450"/>
-              </a:xfrm>
-              <a:prstGeom prst="rect">
-                <a:avLst/>
-              </a:prstGeom>
-              <a:noFill/>
-            </p:spPr>
-            <p:txBody>
-              <a:bodyPr wrap="none" rtlCol="0">
-                <a:spAutoFit/>
-              </a:bodyPr>
-              <a:lstStyle/>
-              <a:p>
-                <a:pPr marL="285750" indent="-285750">
-                  <a:buFont typeface="Wingdings" panose="05000000000000000000" pitchFamily="2" charset="2"/>
-                  <a:buChar char="Ø"/>
-                </a:pPr>
-                <a:r>
-                  <a:rPr lang="zh-CN" altLang="en-US" dirty="0"/>
-                  <a:t>战略专注作家</a:t>
-                </a:r>
-                <a:r>
-                  <a:rPr lang="en-US" altLang="zh-CN" dirty="0"/>
-                  <a:t>(STRAW)</a:t>
-                </a:r>
-              </a:p>
-              <a:p>
-                <a:pPr marL="742950" lvl="1" indent="-285750">
-                  <a:buFont typeface="Arial" panose="020B0604020202020204" pitchFamily="34" charset="0"/>
-                  <a:buChar char="•"/>
-                </a:pPr>
-                <a:r>
-                  <a:rPr lang="zh-CN" altLang="en-US" dirty="0"/>
-                  <a:t>动作</a:t>
-                </a:r>
-                <a:r>
-                  <a:rPr lang="en-US" altLang="zh-CN" dirty="0"/>
-                  <a:t>-</a:t>
-                </a:r>
-                <a:r>
-                  <a:rPr lang="zh-CN" altLang="en-US" dirty="0"/>
-                  <a:t>计划 </a:t>
-                </a:r>
-                <a14:m>
-                  <m:oMath xmlns:m="http://schemas.openxmlformats.org/officeDocument/2006/math">
-                    <m:sSup>
-                      <m:sSupPr>
-                        <m:ctrlPr>
-                          <a:rPr lang="en-US" altLang="zh-CN" b="0" i="1" smtClean="0">
-                            <a:latin typeface="Cambria Math" panose="02040503050406030204" pitchFamily="18" charset="0"/>
-                          </a:rPr>
-                        </m:ctrlPr>
-                      </m:sSupPr>
-                      <m:e>
-                        <m:r>
-                          <a:rPr lang="en-US" altLang="zh-CN" b="0" i="1" smtClean="0">
-                            <a:latin typeface="Cambria Math" panose="02040503050406030204" pitchFamily="18" charset="0"/>
-                          </a:rPr>
-                          <m:t>𝐴</m:t>
-                        </m:r>
-                      </m:e>
-                      <m:sup>
-                        <m:r>
-                          <a:rPr lang="en-US" altLang="zh-CN" b="0" i="1" smtClean="0">
-                            <a:latin typeface="Cambria Math" panose="02040503050406030204" pitchFamily="18" charset="0"/>
-                          </a:rPr>
-                          <m:t>𝑡</m:t>
-                        </m:r>
-                      </m:sup>
-                    </m:sSup>
-                    <m:r>
-                      <a:rPr lang="en-US" altLang="zh-CN" b="0" i="1" smtClean="0">
-                        <a:latin typeface="Cambria Math" panose="02040503050406030204" pitchFamily="18" charset="0"/>
-                      </a:rPr>
-                      <m:t>∈</m:t>
-                    </m:r>
-                    <m:sSup>
-                      <m:sSupPr>
-                        <m:ctrlPr>
-                          <a:rPr lang="en-US" altLang="zh-CN" b="0" i="1" smtClean="0">
-                            <a:latin typeface="Cambria Math" panose="02040503050406030204" pitchFamily="18" charset="0"/>
-                          </a:rPr>
-                        </m:ctrlPr>
-                      </m:sSupPr>
-                      <m:e>
-                        <m:r>
-                          <a:rPr lang="en-US" altLang="zh-CN" b="0" i="1" smtClean="0">
-                            <a:latin typeface="Cambria Math" panose="02040503050406030204" pitchFamily="18" charset="0"/>
-                          </a:rPr>
-                          <m:t>𝑅</m:t>
-                        </m:r>
-                      </m:e>
-                      <m:sup>
-                        <m:d>
-                          <m:dPr>
-                            <m:begChr m:val="|"/>
-                            <m:endChr m:val="|"/>
-                            <m:ctrlPr>
-                              <a:rPr lang="en-US" altLang="zh-CN" b="0" i="1" smtClean="0">
-                                <a:latin typeface="Cambria Math" panose="02040503050406030204" pitchFamily="18" charset="0"/>
-                              </a:rPr>
-                            </m:ctrlPr>
-                          </m:dPr>
-                          <m:e>
-                            <m:r>
-                              <a:rPr lang="en-US" altLang="zh-CN" b="0" i="1" smtClean="0">
-                                <a:latin typeface="Cambria Math" panose="02040503050406030204" pitchFamily="18" charset="0"/>
-                              </a:rPr>
-                              <m:t>𝐴</m:t>
-                            </m:r>
-                          </m:e>
-                        </m:d>
-                        <m:r>
-                          <a:rPr lang="en-US" altLang="zh-CN" b="0" i="1" smtClean="0">
-                            <a:latin typeface="Cambria Math" panose="02040503050406030204" pitchFamily="18" charset="0"/>
-                          </a:rPr>
-                          <m:t>×</m:t>
-                        </m:r>
-                        <m:r>
-                          <a:rPr lang="en-US" altLang="zh-CN" b="0" i="1" smtClean="0">
-                            <a:latin typeface="Cambria Math" panose="02040503050406030204" pitchFamily="18" charset="0"/>
-                          </a:rPr>
-                          <m:t>𝑇</m:t>
-                        </m:r>
-                      </m:sup>
-                    </m:sSup>
-                    <m:r>
-                      <a:rPr lang="zh-CN" altLang="en-US" i="1">
-                        <a:latin typeface="Cambria Math" panose="02040503050406030204" pitchFamily="18" charset="0"/>
-                      </a:rPr>
-                      <m:t>，</m:t>
-                    </m:r>
-                  </m:oMath>
-                </a14:m>
-                <a:r>
-                  <a:rPr lang="zh-CN" altLang="en-US" dirty="0"/>
-                  <a:t>接下来一段时间内计划执行的动作</a:t>
-                </a:r>
-                <a:endParaRPr lang="en-US" altLang="zh-CN" dirty="0"/>
-              </a:p>
-              <a:p>
-                <a:pPr marL="742950" lvl="1" indent="-285750">
-                  <a:buFont typeface="Arial" panose="020B0604020202020204" pitchFamily="34" charset="0"/>
-                  <a:buChar char="•"/>
-                </a:pPr>
-                <a:r>
-                  <a:rPr lang="zh-CN" altLang="en-US" dirty="0"/>
-                  <a:t>承诺</a:t>
-                </a:r>
-                <a:r>
-                  <a:rPr lang="en-US" altLang="zh-CN" dirty="0"/>
-                  <a:t>-</a:t>
-                </a:r>
-                <a:r>
-                  <a:rPr lang="zh-CN" altLang="en-US" dirty="0"/>
-                  <a:t>计划 </a:t>
-                </a:r>
-                <a14:m>
-                  <m:oMath xmlns:m="http://schemas.openxmlformats.org/officeDocument/2006/math">
-                    <m:sSup>
-                      <m:sSupPr>
-                        <m:ctrlPr>
-                          <a:rPr lang="en-US" altLang="zh-CN" b="0" i="1" dirty="0" smtClean="0">
-                            <a:latin typeface="Cambria Math" panose="02040503050406030204" pitchFamily="18" charset="0"/>
-                          </a:rPr>
-                        </m:ctrlPr>
-                      </m:sSupPr>
-                      <m:e>
-                        <m:r>
-                          <m:rPr>
-                            <m:sty m:val="p"/>
-                          </m:rPr>
-                          <a:rPr lang="en-US" altLang="zh-CN" b="0" i="1" dirty="0">
-                            <a:latin typeface="Cambria Math" panose="02040503050406030204" pitchFamily="18" charset="0"/>
-                          </a:rPr>
-                          <m:t>c</m:t>
-                        </m:r>
-                      </m:e>
-                      <m:sup>
-                        <m:r>
-                          <a:rPr lang="en-US" altLang="zh-CN" b="0" i="1" dirty="0" smtClean="0">
-                            <a:latin typeface="Cambria Math" panose="02040503050406030204" pitchFamily="18" charset="0"/>
-                          </a:rPr>
-                          <m:t>𝑡</m:t>
-                        </m:r>
-                      </m:sup>
-                    </m:sSup>
-                    <m:r>
-                      <a:rPr lang="en-US" altLang="zh-CN" b="0" i="1" smtClean="0">
-                        <a:latin typeface="Cambria Math" panose="02040503050406030204" pitchFamily="18" charset="0"/>
-                      </a:rPr>
-                      <m:t>∈</m:t>
-                    </m:r>
-                    <m:sSup>
-                      <m:sSupPr>
-                        <m:ctrlPr>
-                          <a:rPr lang="en-US" altLang="zh-CN" b="0" i="1" smtClean="0">
-                            <a:latin typeface="Cambria Math" panose="02040503050406030204" pitchFamily="18" charset="0"/>
-                          </a:rPr>
-                        </m:ctrlPr>
-                      </m:sSupPr>
-                      <m:e>
-                        <m:r>
-                          <a:rPr lang="en-US" altLang="zh-CN" b="0" i="1" smtClean="0">
-                            <a:latin typeface="Cambria Math" panose="02040503050406030204" pitchFamily="18" charset="0"/>
-                          </a:rPr>
-                          <m:t>𝑅</m:t>
-                        </m:r>
-                      </m:e>
-                      <m:sup>
-                        <m:r>
-                          <a:rPr lang="en-US" altLang="zh-CN" b="0" i="1" smtClean="0">
-                            <a:latin typeface="Cambria Math" panose="02040503050406030204" pitchFamily="18" charset="0"/>
-                          </a:rPr>
-                          <m:t>1×</m:t>
-                        </m:r>
-                        <m:r>
-                          <a:rPr lang="en-US" altLang="zh-CN" b="0" i="1" smtClean="0">
-                            <a:latin typeface="Cambria Math" panose="02040503050406030204" pitchFamily="18" charset="0"/>
-                          </a:rPr>
-                          <m:t>𝑇</m:t>
-                        </m:r>
-                      </m:sup>
-                    </m:sSup>
-                  </m:oMath>
-                </a14:m>
-                <a:r>
-                  <a:rPr lang="zh-CN" altLang="en-US" dirty="0"/>
-                  <a:t>，在哪一步结束一个宏动作并更新动作</a:t>
-                </a:r>
-                <a:r>
-                  <a:rPr lang="en-US" altLang="zh-CN" dirty="0"/>
-                  <a:t>-</a:t>
-                </a:r>
-                <a:r>
-                  <a:rPr lang="zh-CN" altLang="en-US" dirty="0"/>
-                  <a:t>计划</a:t>
-                </a:r>
-              </a:p>
-            </p:txBody>
-          </p:sp>
-        </mc:Choice>
-        <mc:Fallback xmlns="">
-          <p:sp>
-            <p:nvSpPr>
-              <p:cNvPr id="4" name="文本框 3">
-                <a:extLst>
-                  <a:ext uri="{FF2B5EF4-FFF2-40B4-BE49-F238E27FC236}">
-                    <a16:creationId xmlns:a16="http://schemas.microsoft.com/office/drawing/2014/main" id="{160EE2EC-3379-4E39-9EB6-44426ED40E46}"/>
-                  </a:ext>
-                </a:extLst>
-              </p:cNvPr>
-              <p:cNvSpPr txBox="1">
-                <a:spLocks noRot="1" noChangeAspect="1" noMove="1" noResize="1" noEditPoints="1" noAdjustHandles="1" noChangeArrowheads="1" noChangeShapeType="1" noTextEdit="1"/>
-              </p:cNvSpPr>
-              <p:nvPr/>
-            </p:nvSpPr>
-            <p:spPr>
-              <a:xfrm>
-                <a:off x="1367160" y="3207058"/>
-                <a:ext cx="7418441" cy="940450"/>
-              </a:xfrm>
-              <a:prstGeom prst="rect">
-                <a:avLst/>
-              </a:prstGeom>
-              <a:blipFill>
-                <a:blip r:embed="rId3"/>
-                <a:stretch>
-                  <a:fillRect l="-493" t="-3247" b="-9740"/>
-                </a:stretch>
-              </a:blipFill>
-            </p:spPr>
-            <p:txBody>
-              <a:bodyPr/>
-              <a:lstStyle/>
-              <a:p>
-                <a:r>
-                  <a:rPr lang="zh-CN" altLang="en-US">
-                    <a:noFill/>
-                  </a:rPr>
-                  <a:t> </a:t>
-                </a:r>
-              </a:p>
-            </p:txBody>
-          </p:sp>
-        </mc:Fallback>
-      </mc:AlternateContent>
-      <p:sp>
-        <p:nvSpPr>
-          <p:cNvPr id="5" name="文本框 4">
-            <a:extLst>
-              <a:ext uri="{FF2B5EF4-FFF2-40B4-BE49-F238E27FC236}">
-                <a16:creationId xmlns:a16="http://schemas.microsoft.com/office/drawing/2014/main" id="{32B59EA7-8A1D-4BFC-BCB1-9C9748D72C51}"/>
-              </a:ext>
-            </a:extLst>
-          </p:cNvPr>
-          <p:cNvSpPr txBox="1"/>
-          <p:nvPr/>
-        </p:nvSpPr>
-        <p:spPr>
-          <a:xfrm>
-            <a:off x="1367160" y="4438835"/>
-            <a:ext cx="3140603" cy="369332"/>
-          </a:xfrm>
-          <a:prstGeom prst="rect">
-            <a:avLst/>
-          </a:prstGeom>
-          <a:noFill/>
-        </p:spPr>
-        <p:txBody>
-          <a:bodyPr wrap="none" rtlCol="0">
-            <a:spAutoFit/>
-          </a:bodyPr>
-          <a:lstStyle/>
-          <a:p>
-            <a:pPr marL="285750" indent="-285750">
-              <a:buFont typeface="Wingdings" panose="05000000000000000000" pitchFamily="2" charset="2"/>
-              <a:buChar char="Ø"/>
-            </a:pPr>
-            <a:r>
-              <a:rPr lang="zh-CN" altLang="en-US" dirty="0"/>
-              <a:t>选项</a:t>
-            </a:r>
-            <a:r>
-              <a:rPr lang="en-US" altLang="zh-CN" dirty="0"/>
-              <a:t>-</a:t>
-            </a:r>
-            <a:r>
-              <a:rPr lang="zh-CN" altLang="en-US" dirty="0"/>
-              <a:t>批评者</a:t>
-            </a:r>
-            <a:r>
-              <a:rPr lang="en-US" altLang="zh-CN" dirty="0"/>
-              <a:t>(Option-Critic)</a:t>
-            </a:r>
-            <a:endParaRPr lang="zh-CN" altLang="en-US" dirty="0"/>
-          </a:p>
-        </p:txBody>
-      </p:sp>
-      <p:pic>
-        <p:nvPicPr>
-          <p:cNvPr id="6" name="图片 5">
-            <a:extLst>
-              <a:ext uri="{FF2B5EF4-FFF2-40B4-BE49-F238E27FC236}">
-                <a16:creationId xmlns:a16="http://schemas.microsoft.com/office/drawing/2014/main" id="{32C2427B-752C-4E06-BC19-0BAF0BFD7871}"/>
-              </a:ext>
-            </a:extLst>
-          </p:cNvPr>
-          <p:cNvPicPr>
-            <a:picLocks noChangeAspect="1"/>
-          </p:cNvPicPr>
-          <p:nvPr/>
-        </p:nvPicPr>
-        <p:blipFill rotWithShape="1">
-          <a:blip r:embed="rId4"/>
-          <a:srcRect r="40068"/>
-          <a:stretch/>
-        </p:blipFill>
-        <p:spPr>
-          <a:xfrm>
-            <a:off x="6042121" y="1943914"/>
-            <a:ext cx="5535479" cy="3414056"/>
-          </a:xfrm>
-          <a:prstGeom prst="rect">
-            <a:avLst/>
-          </a:prstGeom>
-        </p:spPr>
-      </p:pic>
-      <p:pic>
-        <p:nvPicPr>
-          <p:cNvPr id="7" name="图片 6">
-            <a:extLst>
-              <a:ext uri="{FF2B5EF4-FFF2-40B4-BE49-F238E27FC236}">
-                <a16:creationId xmlns:a16="http://schemas.microsoft.com/office/drawing/2014/main" id="{ED776BD2-93B4-4FF1-8F00-759506AF8675}"/>
-              </a:ext>
-            </a:extLst>
-          </p:cNvPr>
-          <p:cNvPicPr>
-            <a:picLocks noChangeAspect="1"/>
-          </p:cNvPicPr>
-          <p:nvPr/>
-        </p:nvPicPr>
-        <p:blipFill>
-          <a:blip r:embed="rId5"/>
-          <a:stretch>
-            <a:fillRect/>
-          </a:stretch>
-        </p:blipFill>
-        <p:spPr>
-          <a:xfrm>
-            <a:off x="7075526" y="1943914"/>
-            <a:ext cx="4498484" cy="4210119"/>
-          </a:xfrm>
-          <a:prstGeom prst="rect">
-            <a:avLst/>
-          </a:prstGeom>
-        </p:spPr>
-      </p:pic>
-    </p:spTree>
-    <p:extLst>
-      <p:ext uri="{BB962C8B-B14F-4D97-AF65-F5344CB8AC3E}">
-        <p14:creationId xmlns:p14="http://schemas.microsoft.com/office/powerpoint/2010/main" val="1468455124"/>
-      </p:ext>
-    </p:extLst>
-  </p:cSld>
-  <p:clrMapOvr>
-    <a:masterClrMapping/>
-  </p:clrMapOvr>
-  <p:timing>
-    <p:tnLst>
-      <p:par>
-        <p:cTn id="1" dur="indefinite" restart="never" nodeType="tmRoot">
-          <p:childTnLst>
-            <p:seq concurrent="1" nextAc="seek">
-              <p:cTn id="2" dur="indefinite" nodeType="mainSeq">
-                <p:childTnLst>
-                  <p:par>
-                    <p:cTn id="3" fill="hold">
-                      <p:stCondLst>
-                        <p:cond delay="indefinite"/>
-                      </p:stCondLst>
-                      <p:childTnLst>
-                        <p:par>
-                          <p:cTn id="4" fill="hold">
-                            <p:stCondLst>
-                              <p:cond delay="0"/>
-                            </p:stCondLst>
-                            <p:childTnLst>
-                              <p:par>
-                                <p:cTn id="5" presetID="1" presetClass="entr" presetSubtype="0" fill="hold" nodeType="clickEffect">
-                                  <p:stCondLst>
-                                    <p:cond delay="0"/>
-                                  </p:stCondLst>
-                                  <p:childTnLst>
-                                    <p:set>
-                                      <p:cBhvr>
-                                        <p:cTn id="6" dur="1" fill="hold">
-                                          <p:stCondLst>
-                                            <p:cond delay="0"/>
-                                          </p:stCondLst>
-                                        </p:cTn>
-                                        <p:tgtEl>
-                                          <p:spTgt spid="6"/>
-                                        </p:tgtEl>
-                                        <p:attrNameLst>
-                                          <p:attrName>style.visibility</p:attrName>
-                                        </p:attrNameLst>
-                                      </p:cBhvr>
-                                      <p:to>
-                                        <p:strVal val="visible"/>
-                                      </p:to>
-                                    </p:set>
-                                  </p:childTnLst>
-                                </p:cTn>
-                              </p:par>
-                            </p:childTnLst>
-                          </p:cTn>
-                        </p:par>
-                      </p:childTnLst>
-                    </p:cTn>
-                  </p:par>
-                  <p:par>
-                    <p:cTn id="7" fill="hold">
-                      <p:stCondLst>
-                        <p:cond delay="indefinite"/>
-                      </p:stCondLst>
-                      <p:childTnLst>
-                        <p:par>
-                          <p:cTn id="8" fill="hold">
-                            <p:stCondLst>
-                              <p:cond delay="0"/>
-                            </p:stCondLst>
-                            <p:childTnLst>
-                              <p:par>
-                                <p:cTn id="9" presetID="1" presetClass="exit" presetSubtype="0" fill="hold" nodeType="clickEffect">
-                                  <p:stCondLst>
-                                    <p:cond delay="0"/>
-                                  </p:stCondLst>
-                                  <p:childTnLst>
-                                    <p:set>
-                                      <p:cBhvr>
-                                        <p:cTn id="10" dur="1" fill="hold">
-                                          <p:stCondLst>
-                                            <p:cond delay="0"/>
-                                          </p:stCondLst>
-                                        </p:cTn>
-                                        <p:tgtEl>
-                                          <p:spTgt spid="6"/>
-                                        </p:tgtEl>
-                                        <p:attrNameLst>
-                                          <p:attrName>style.visibility</p:attrName>
-                                        </p:attrNameLst>
-                                      </p:cBhvr>
-                                      <p:to>
-                                        <p:strVal val="hidden"/>
-                                      </p:to>
-                                    </p:set>
-                                  </p:childTnLst>
-                                </p:cTn>
-                              </p:par>
-                            </p:childTnLst>
-                          </p:cTn>
-                        </p:par>
-                      </p:childTnLst>
-                    </p:cTn>
-                  </p:par>
-                  <p:par>
-                    <p:cTn id="11" fill="hold">
-                      <p:stCondLst>
-                        <p:cond delay="indefinite"/>
-                      </p:stCondLst>
-                      <p:childTnLst>
-                        <p:par>
-                          <p:cTn id="12" fill="hold">
-                            <p:stCondLst>
-                              <p:cond delay="0"/>
-                            </p:stCondLst>
-                            <p:childTnLst>
-                              <p:par>
-                                <p:cTn id="13" presetID="1" presetClass="entr" presetSubtype="0" fill="hold" nodeType="clickEffect">
-                                  <p:stCondLst>
-                                    <p:cond delay="0"/>
-                                  </p:stCondLst>
-                                  <p:childTnLst>
-                                    <p:set>
-                                      <p:cBhvr>
-                                        <p:cTn id="14" dur="1" fill="hold">
-                                          <p:stCondLst>
-                                            <p:cond delay="0"/>
-                                          </p:stCondLst>
-                                        </p:cTn>
-                                        <p:tgtEl>
-                                          <p:spTgt spid="7"/>
-                                        </p:tgtEl>
-                                        <p:attrNameLst>
-                                          <p:attrName>style.visibility</p:attrName>
-                                        </p:attrNameLst>
-                                      </p:cBhvr>
-                                      <p:to>
-                                        <p:strVal val="visible"/>
-                                      </p:to>
-                                    </p:set>
-                                  </p:childTnLst>
-                                </p:cTn>
-                              </p:par>
-                            </p:childTnLst>
-                          </p:cTn>
-                        </p:par>
-                      </p:childTnLst>
-                    </p:cTn>
-                  </p:par>
-                </p:childTnLst>
-              </p:cTn>
-              <p:prevCondLst>
-                <p:cond evt="onPrev" delay="0">
-                  <p:tgtEl>
-                    <p:sldTgt/>
-                  </p:tgtEl>
-                </p:cond>
-              </p:prevCondLst>
-              <p:nextCondLst>
-                <p:cond evt="onNext" delay="0">
-                  <p:tgtEl>
-                    <p:sldTgt/>
-                  </p:tgtEl>
-                </p:cond>
-              </p:nextCondLst>
-            </p:seq>
-          </p:childTnLst>
-        </p:cTn>
-      </p:par>
-    </p:tnLst>
-  </p:timing>
-</p:sld>
-</file>
-
-<file path=ppt/slides/slide22.xml><?xml version="1.0" encoding="utf-8"?>
-<p:sld xmlns:a="http://schemas.openxmlformats.org/drawingml/2006/main" xmlns:r="http://schemas.openxmlformats.org/officeDocument/2006/relationships" xmlns:p="http://schemas.openxmlformats.org/presentationml/2006/main">
-  <p:cSld>
-    <p:spTree>
-      <p:nvGrpSpPr>
-        <p:cNvPr id="1" name=""/>
-        <p:cNvGrpSpPr/>
-        <p:nvPr/>
-      </p:nvGrpSpPr>
-      <p:grpSpPr>
-        <a:xfrm>
-          <a:off x="0" y="0"/>
-          <a:ext cx="0" cy="0"/>
-          <a:chOff x="0" y="0"/>
-          <a:chExt cx="0" cy="0"/>
-        </a:xfrm>
-      </p:grpSpPr>
-      <p:sp>
-        <p:nvSpPr>
-          <p:cNvPr id="2" name="标题 1">
-            <a:extLst>
-              <a:ext uri="{FF2B5EF4-FFF2-40B4-BE49-F238E27FC236}">
-                <a16:creationId xmlns:a16="http://schemas.microsoft.com/office/drawing/2014/main" id="{E7C0ADBE-56F2-4ED9-AFC2-99179C3FC911}"/>
-              </a:ext>
-            </a:extLst>
-          </p:cNvPr>
-          <p:cNvSpPr txBox="1">
-            <a:spLocks/>
-          </p:cNvSpPr>
-          <p:nvPr/>
-        </p:nvSpPr>
-        <p:spPr>
-          <a:xfrm>
-            <a:off x="608400" y="608400"/>
-            <a:ext cx="10969200" cy="705600"/>
-          </a:xfrm>
-          <a:prstGeom prst="rect">
-            <a:avLst/>
-          </a:prstGeom>
-        </p:spPr>
-        <p:txBody>
-          <a:bodyPr/>
-          <a:lstStyle>
-            <a:lvl1pPr algn="l" defTabSz="914400" rtl="0" eaLnBrk="1" fontAlgn="auto" latinLnBrk="0" hangingPunct="1">
-              <a:lnSpc>
-                <a:spcPct val="100000"/>
-              </a:lnSpc>
-              <a:spcBef>
-                <a:spcPct val="0"/>
-              </a:spcBef>
-              <a:buNone/>
-              <a:defRPr sz="3600" b="1" u="none" strike="noStrike" kern="1200" cap="none" spc="300" normalizeH="0" baseline="0">
-                <a:solidFill>
-                  <a:schemeClr val="tx1">
-                    <a:lumMod val="85000"/>
-                    <a:lumOff val="15000"/>
-                  </a:schemeClr>
-                </a:solidFill>
-                <a:uFillTx/>
-                <a:latin typeface="+mj-lt"/>
-                <a:ea typeface="+mj-ea"/>
-                <a:cs typeface="+mj-cs"/>
-              </a:defRPr>
-            </a:lvl1pPr>
-          </a:lstStyle>
-          <a:p>
-            <a:r>
-              <a:rPr lang="zh-CN" altLang="en-US" dirty="0"/>
-              <a:t>封建制强化学习</a:t>
-            </a:r>
-          </a:p>
-        </p:txBody>
-      </p:sp>
-      <p:sp>
-        <p:nvSpPr>
-          <p:cNvPr id="4" name="文本框 3">
-            <a:extLst>
-              <a:ext uri="{FF2B5EF4-FFF2-40B4-BE49-F238E27FC236}">
-                <a16:creationId xmlns:a16="http://schemas.microsoft.com/office/drawing/2014/main" id="{8EBE0CBF-606A-490B-B036-E6C3600943D4}"/>
-              </a:ext>
-            </a:extLst>
-          </p:cNvPr>
-          <p:cNvSpPr txBox="1"/>
-          <p:nvPr/>
-        </p:nvSpPr>
-        <p:spPr>
-          <a:xfrm>
-            <a:off x="1376039" y="1757779"/>
-            <a:ext cx="8433785" cy="369332"/>
-          </a:xfrm>
-          <a:prstGeom prst="rect">
-            <a:avLst/>
-          </a:prstGeom>
-          <a:noFill/>
-        </p:spPr>
-        <p:txBody>
-          <a:bodyPr wrap="square" rtlCol="0">
-            <a:spAutoFit/>
-          </a:bodyPr>
-          <a:lstStyle/>
-          <a:p>
-            <a:r>
-              <a:rPr lang="zh-CN" altLang="en-US" dirty="0"/>
-              <a:t>高层控制器负责为下层控制器提出明确的目标，来实现状态空间的层次分解</a:t>
-            </a:r>
-          </a:p>
-        </p:txBody>
-      </p:sp>
-    </p:spTree>
-    <p:extLst>
-      <p:ext uri="{BB962C8B-B14F-4D97-AF65-F5344CB8AC3E}">
-        <p14:creationId xmlns:p14="http://schemas.microsoft.com/office/powerpoint/2010/main" val="3460686921"/>
-      </p:ext>
-    </p:extLst>
-  </p:cSld>
-  <p:clrMapOvr>
-    <a:masterClrMapping/>
-  </p:clrMapOvr>
-</p:sld>
-</file>
-
-<file path=ppt/slides/slide23.xml><?xml version="1.0" encoding="utf-8"?>
-<p:sld xmlns:a="http://schemas.openxmlformats.org/drawingml/2006/main" xmlns:r="http://schemas.openxmlformats.org/officeDocument/2006/relationships" xmlns:p="http://schemas.openxmlformats.org/presentationml/2006/main">
-  <p:cSld>
-    <p:spTree>
-      <p:nvGrpSpPr>
-        <p:cNvPr id="1" name=""/>
-        <p:cNvGrpSpPr/>
-        <p:nvPr/>
-      </p:nvGrpSpPr>
-      <p:grpSpPr>
-        <a:xfrm>
-          <a:off x="0" y="0"/>
-          <a:ext cx="0" cy="0"/>
-          <a:chOff x="0" y="0"/>
-          <a:chExt cx="0" cy="0"/>
-        </a:xfrm>
-      </p:grpSpPr>
-      <p:sp>
-        <p:nvSpPr>
           <p:cNvPr id="2" name="标题 1"/>
           <p:cNvSpPr>
             <a:spLocks noGrp="1"/>
@@ -13091,7 +13449,7 @@
 </p:sld>
 </file>
 
-<file path=ppt/slides/slide24.xml><?xml version="1.0" encoding="utf-8"?>
+<file path=ppt/slides/slide22.xml><?xml version="1.0" encoding="utf-8"?>
 <p:sld xmlns:a="http://schemas.openxmlformats.org/drawingml/2006/main" xmlns:r="http://schemas.openxmlformats.org/officeDocument/2006/relationships" xmlns:p="http://schemas.openxmlformats.org/presentationml/2006/main">
   <p:cSld>
     <p:spTree>
@@ -13299,7 +13657,7 @@
 </p:sld>
 </file>
 
-<file path=ppt/slides/slide25.xml><?xml version="1.0" encoding="utf-8"?>
+<file path=ppt/slides/slide23.xml><?xml version="1.0" encoding="utf-8"?>
 <p:sld xmlns:a="http://schemas.openxmlformats.org/drawingml/2006/main" xmlns:r="http://schemas.openxmlformats.org/officeDocument/2006/relationships" xmlns:p="http://schemas.openxmlformats.org/presentationml/2006/main">
   <p:cSld>
     <p:spTree>
@@ -13505,7 +13863,7 @@
 </p:sld>
 </file>
 
-<file path=ppt/slides/slide26.xml><?xml version="1.0" encoding="utf-8"?>
+<file path=ppt/slides/slide24.xml><?xml version="1.0" encoding="utf-8"?>
 <p:sld xmlns:a="http://schemas.openxmlformats.org/drawingml/2006/main" xmlns:r="http://schemas.openxmlformats.org/officeDocument/2006/relationships" xmlns:p="http://schemas.openxmlformats.org/presentationml/2006/main">
   <p:cSld>
     <p:spTree>
@@ -13735,7 +14093,7 @@
 </p:sld>
 </file>
 
-<file path=ppt/slides/slide27.xml><?xml version="1.0" encoding="utf-8"?>
+<file path=ppt/slides/slide25.xml><?xml version="1.0" encoding="utf-8"?>
 <p:sld xmlns:a="http://schemas.openxmlformats.org/drawingml/2006/main" xmlns:r="http://schemas.openxmlformats.org/officeDocument/2006/relationships" xmlns:p="http://schemas.openxmlformats.org/presentationml/2006/main">
   <p:cSld>
     <p:spTree>
@@ -13848,7 +14206,7 @@
 </p:sld>
 </file>
 
-<file path=ppt/slides/slide28.xml><?xml version="1.0" encoding="utf-8"?>
+<file path=ppt/slides/slide26.xml><?xml version="1.0" encoding="utf-8"?>
 <p:sld xmlns:a="http://schemas.openxmlformats.org/drawingml/2006/main" xmlns:r="http://schemas.openxmlformats.org/officeDocument/2006/relationships" xmlns:p="http://schemas.openxmlformats.org/presentationml/2006/main">
   <p:cSld>
     <p:spTree>
@@ -14439,7 +14797,7 @@
 </p:sld>
 </file>
 
-<file path=ppt/slides/slide29.xml><?xml version="1.0" encoding="utf-8"?>
+<file path=ppt/slides/slide27.xml><?xml version="1.0" encoding="utf-8"?>
 <p:sld xmlns:a="http://schemas.openxmlformats.org/drawingml/2006/main" xmlns:r="http://schemas.openxmlformats.org/officeDocument/2006/relationships" xmlns:p="http://schemas.openxmlformats.org/presentationml/2006/main">
   <p:cSld>
     <p:spTree>
@@ -15425,971 +15783,7 @@
 </p:sld>
 </file>
 
-<file path=ppt/slides/slide3.xml><?xml version="1.0" encoding="utf-8"?>
-<p:sld xmlns:a="http://schemas.openxmlformats.org/drawingml/2006/main" xmlns:r="http://schemas.openxmlformats.org/officeDocument/2006/relationships" xmlns:p="http://schemas.openxmlformats.org/presentationml/2006/main">
-  <p:cSld>
-    <p:spTree>
-      <p:nvGrpSpPr>
-        <p:cNvPr id="1" name=""/>
-        <p:cNvGrpSpPr/>
-        <p:nvPr/>
-      </p:nvGrpSpPr>
-      <p:grpSpPr>
-        <a:xfrm>
-          <a:off x="0" y="0"/>
-          <a:ext cx="0" cy="0"/>
-          <a:chOff x="0" y="0"/>
-          <a:chExt cx="0" cy="0"/>
-        </a:xfrm>
-      </p:grpSpPr>
-      <p:sp>
-        <p:nvSpPr>
-          <p:cNvPr id="2" name="标题 1"/>
-          <p:cNvSpPr>
-            <a:spLocks noGrp="1"/>
-          </p:cNvSpPr>
-          <p:nvPr>
-            <p:ph type="title"/>
-          </p:nvPr>
-        </p:nvSpPr>
-        <p:spPr/>
-        <p:txBody>
-          <a:bodyPr/>
-          <a:lstStyle/>
-          <a:p>
-            <a:r>
-              <a:rPr lang="zh-CN" altLang="en-US"/>
-              <a:t>基本元素与问题</a:t>
-            </a:r>
-          </a:p>
-        </p:txBody>
-      </p:sp>
-      <p:sp>
-        <p:nvSpPr>
-          <p:cNvPr id="3" name="内容占位符 2"/>
-          <p:cNvSpPr>
-            <a:spLocks noGrp="1"/>
-          </p:cNvSpPr>
-          <p:nvPr>
-            <p:ph idx="1"/>
-          </p:nvPr>
-        </p:nvSpPr>
-        <p:spPr>
-          <a:xfrm>
-            <a:off x="608330" y="1490345"/>
-            <a:ext cx="5787390" cy="4759325"/>
-          </a:xfrm>
-        </p:spPr>
-        <p:txBody>
-          <a:bodyPr>
-            <a:normAutofit/>
-          </a:bodyPr>
-          <a:lstStyle/>
-          <a:p>
-            <a:pPr>
-              <a:buFont typeface="Wingdings" panose="05000000000000000000" pitchFamily="2" charset="2"/>
-              <a:buChar char="Ø"/>
-            </a:pPr>
-            <a:r>
-              <a:rPr lang="zh-CN" altLang="en-US" dirty="0"/>
-              <a:t>智能体与环境</a:t>
-            </a:r>
-          </a:p>
-          <a:p>
-            <a:pPr lvl="1"/>
-            <a:r>
-              <a:rPr lang="zh-CN" altLang="en-US" dirty="0"/>
-              <a:t>智能体：通过优化策略使期望回报最大化</a:t>
-            </a:r>
-          </a:p>
-          <a:p>
-            <a:pPr lvl="1"/>
-            <a:r>
-              <a:rPr lang="zh-CN" altLang="en-US" dirty="0"/>
-              <a:t>环境：奖励函数，状态转移概率</a:t>
-            </a:r>
-          </a:p>
-          <a:p>
-            <a:pPr lvl="1"/>
-            <a:r>
-              <a:rPr lang="zh-CN" altLang="en-US" dirty="0"/>
-              <a:t>策略、奖励、值函数、模型</a:t>
-            </a:r>
-          </a:p>
-          <a:p>
-            <a:pPr marL="342900" indent="-342900">
-              <a:buFont typeface="+mj-lt"/>
-              <a:buAutoNum type="arabicPeriod"/>
-            </a:pPr>
-            <a:endParaRPr lang="zh-CN" altLang="en-US" dirty="0"/>
-          </a:p>
-        </p:txBody>
-      </p:sp>
-      <p:graphicFrame>
-        <p:nvGraphicFramePr>
-          <p:cNvPr id="5" name="对象 4">
-            <a:hlinkClick r:id="" action="ppaction://ole?verb=0"/>
-          </p:cNvPr>
-          <p:cNvGraphicFramePr>
-            <a:graphicFrameLocks noChangeAspect="1"/>
-          </p:cNvGraphicFramePr>
-          <p:nvPr/>
-        </p:nvGraphicFramePr>
-        <p:xfrm>
-          <a:off x="5638800" y="3321050"/>
-          <a:ext cx="914400" cy="215900"/>
-        </p:xfrm>
-        <a:graphic>
-          <a:graphicData uri="http://schemas.openxmlformats.org/presentationml/2006/ole">
-            <mc:AlternateContent xmlns:mc="http://schemas.openxmlformats.org/markup-compatibility/2006">
-              <mc:Choice xmlns:v="urn:schemas-microsoft-com:vml" Requires="v">
-                <p:oleObj spid="_x0000_s1448" r:id="rId4" imgW="914400" imgH="215900" progId="Equation.KSEE3">
-                  <p:embed/>
-                </p:oleObj>
-              </mc:Choice>
-              <mc:Fallback>
-                <p:oleObj r:id="rId4" imgW="914400" imgH="215900" progId="Equation.KSEE3">
-                  <p:embed/>
-                  <p:pic>
-                    <p:nvPicPr>
-                      <p:cNvPr id="0" name="图片 1024"/>
-                      <p:cNvPicPr/>
-                      <p:nvPr/>
-                    </p:nvPicPr>
-                    <p:blipFill>
-                      <a:blip r:embed="rId5"/>
-                      <a:stretch>
-                        <a:fillRect/>
-                      </a:stretch>
-                    </p:blipFill>
-                    <p:spPr>
-                      <a:xfrm>
-                        <a:off x="5638800" y="3321050"/>
-                        <a:ext cx="914400" cy="215900"/>
-                      </a:xfrm>
-                      <a:prstGeom prst="rect">
-                        <a:avLst/>
-                      </a:prstGeom>
-                    </p:spPr>
-                  </p:pic>
-                </p:oleObj>
-              </mc:Fallback>
-            </mc:AlternateContent>
-          </a:graphicData>
-        </a:graphic>
-      </p:graphicFrame>
-      <p:graphicFrame>
-        <p:nvGraphicFramePr>
-          <p:cNvPr id="6" name="对象 5">
-            <a:hlinkClick r:id="" action="ppaction://ole?verb=0"/>
-          </p:cNvPr>
-          <p:cNvGraphicFramePr>
-            <a:graphicFrameLocks noChangeAspect="1"/>
-          </p:cNvGraphicFramePr>
-          <p:nvPr/>
-        </p:nvGraphicFramePr>
-        <p:xfrm>
-          <a:off x="5638800" y="3321050"/>
-          <a:ext cx="914400" cy="215900"/>
-        </p:xfrm>
-        <a:graphic>
-          <a:graphicData uri="http://schemas.openxmlformats.org/presentationml/2006/ole">
-            <mc:AlternateContent xmlns:mc="http://schemas.openxmlformats.org/markup-compatibility/2006">
-              <mc:Choice xmlns:v="urn:schemas-microsoft-com:vml" Requires="v">
-                <p:oleObj spid="_x0000_s1449" r:id="rId6" imgW="914400" imgH="215900" progId="Equation.KSEE3">
-                  <p:embed/>
-                </p:oleObj>
-              </mc:Choice>
-              <mc:Fallback>
-                <p:oleObj r:id="rId6" imgW="914400" imgH="215900" progId="Equation.KSEE3">
-                  <p:embed/>
-                  <p:pic>
-                    <p:nvPicPr>
-                      <p:cNvPr id="0" name="图片 1025"/>
-                      <p:cNvPicPr/>
-                      <p:nvPr/>
-                    </p:nvPicPr>
-                    <p:blipFill>
-                      <a:blip r:embed="rId5"/>
-                      <a:stretch>
-                        <a:fillRect/>
-                      </a:stretch>
-                    </p:blipFill>
-                    <p:spPr>
-                      <a:xfrm>
-                        <a:off x="5638800" y="3321050"/>
-                        <a:ext cx="914400" cy="215900"/>
-                      </a:xfrm>
-                      <a:prstGeom prst="rect">
-                        <a:avLst/>
-                      </a:prstGeom>
-                    </p:spPr>
-                  </p:pic>
-                </p:oleObj>
-              </mc:Fallback>
-            </mc:AlternateContent>
-          </a:graphicData>
-        </a:graphic>
-      </p:graphicFrame>
-      <p:graphicFrame>
-        <p:nvGraphicFramePr>
-          <p:cNvPr id="7" name="对象 6">
-            <a:hlinkClick r:id="" action="ppaction://ole?verb=0"/>
-          </p:cNvPr>
-          <p:cNvGraphicFramePr>
-            <a:graphicFrameLocks noChangeAspect="1"/>
-          </p:cNvGraphicFramePr>
-          <p:nvPr/>
-        </p:nvGraphicFramePr>
-        <p:xfrm>
-          <a:off x="5638800" y="3321050"/>
-          <a:ext cx="914400" cy="215900"/>
-        </p:xfrm>
-        <a:graphic>
-          <a:graphicData uri="http://schemas.openxmlformats.org/presentationml/2006/ole">
-            <mc:AlternateContent xmlns:mc="http://schemas.openxmlformats.org/markup-compatibility/2006">
-              <mc:Choice xmlns:v="urn:schemas-microsoft-com:vml" Requires="v">
-                <p:oleObj spid="_x0000_s1450" r:id="rId7" imgW="914400" imgH="215900" progId="Equation.KSEE3">
-                  <p:embed/>
-                </p:oleObj>
-              </mc:Choice>
-              <mc:Fallback>
-                <p:oleObj r:id="rId7" imgW="914400" imgH="215900" progId="Equation.KSEE3">
-                  <p:embed/>
-                  <p:pic>
-                    <p:nvPicPr>
-                      <p:cNvPr id="0" name="图片 1026"/>
-                      <p:cNvPicPr/>
-                      <p:nvPr/>
-                    </p:nvPicPr>
-                    <p:blipFill>
-                      <a:blip r:embed="rId5"/>
-                      <a:stretch>
-                        <a:fillRect/>
-                      </a:stretch>
-                    </p:blipFill>
-                    <p:spPr>
-                      <a:xfrm>
-                        <a:off x="5638800" y="3321050"/>
-                        <a:ext cx="914400" cy="215900"/>
-                      </a:xfrm>
-                      <a:prstGeom prst="rect">
-                        <a:avLst/>
-                      </a:prstGeom>
-                    </p:spPr>
-                  </p:pic>
-                </p:oleObj>
-              </mc:Fallback>
-            </mc:AlternateContent>
-          </a:graphicData>
-        </a:graphic>
-      </p:graphicFrame>
-      <mc:AlternateContent xmlns:mc="http://schemas.openxmlformats.org/markup-compatibility/2006" xmlns:a14="http://schemas.microsoft.com/office/drawing/2010/main">
-        <mc:Choice Requires="a14">
-          <p:sp>
-            <p:nvSpPr>
-              <p:cNvPr id="16" name="内容占位符 2"/>
-              <p:cNvSpPr>
-                <a:spLocks noGrp="1"/>
-              </p:cNvSpPr>
-              <p:nvPr/>
-            </p:nvSpPr>
-            <p:spPr>
-              <a:xfrm>
-                <a:off x="6675119" y="1490345"/>
-                <a:ext cx="4652787" cy="3293110"/>
-              </a:xfrm>
-              <a:prstGeom prst="rect">
-                <a:avLst/>
-              </a:prstGeom>
-            </p:spPr>
-            <p:txBody>
-              <a:bodyPr vert="horz" lIns="90000" tIns="46800" rIns="90000" bIns="46800" rtlCol="0">
-                <a:normAutofit fontScale="92500" lnSpcReduction="10000"/>
-              </a:bodyPr>
-              <a:lstStyle>
-                <a:lvl1pPr marL="228600" indent="-228600" algn="l" defTabSz="914400" rtl="0" eaLnBrk="1" fontAlgn="auto" latinLnBrk="0" hangingPunct="1">
-                  <a:lnSpc>
-                    <a:spcPct val="130000"/>
-                  </a:lnSpc>
-                  <a:spcBef>
-                    <a:spcPts val="0"/>
-                  </a:spcBef>
-                  <a:spcAft>
-                    <a:spcPts val="1000"/>
-                  </a:spcAft>
-                  <a:buFont typeface="Arial" panose="020B0604020202020204" pitchFamily="34" charset="0"/>
-                  <a:buChar char="●"/>
-                  <a:defRPr sz="1800" u="none" strike="noStrike" kern="1200" cap="none" spc="150" normalizeH="0" baseline="0">
-                    <a:solidFill>
-                      <a:schemeClr val="tx1">
-                        <a:lumMod val="65000"/>
-                        <a:lumOff val="35000"/>
-                      </a:schemeClr>
-                    </a:solidFill>
-                    <a:uFillTx/>
-                    <a:latin typeface="+mn-lt"/>
-                    <a:ea typeface="+mn-ea"/>
-                    <a:cs typeface="+mn-cs"/>
-                  </a:defRPr>
-                </a:lvl1pPr>
-                <a:lvl2pPr marL="685800" indent="-228600" algn="l" defTabSz="914400" rtl="0" eaLnBrk="1" fontAlgn="auto" latinLnBrk="0" hangingPunct="1">
-                  <a:lnSpc>
-                    <a:spcPct val="120000"/>
-                  </a:lnSpc>
-                  <a:spcBef>
-                    <a:spcPts val="0"/>
-                  </a:spcBef>
-                  <a:spcAft>
-                    <a:spcPts val="600"/>
-                  </a:spcAft>
-                  <a:buFont typeface="Arial" panose="020B0604020202020204" pitchFamily="34" charset="0"/>
-                  <a:buChar char="●"/>
-                  <a:tabLst>
-                    <a:tab pos="1609725" algn="l"/>
-                    <a:tab pos="1609725" algn="l"/>
-                    <a:tab pos="1609725" algn="l"/>
-                    <a:tab pos="1609725" algn="l"/>
-                  </a:tabLst>
-                  <a:defRPr sz="1600" u="none" strike="noStrike" kern="1200" cap="none" spc="150" normalizeH="0" baseline="0">
-                    <a:solidFill>
-                      <a:schemeClr val="tx1">
-                        <a:lumMod val="65000"/>
-                        <a:lumOff val="35000"/>
-                      </a:schemeClr>
-                    </a:solidFill>
-                    <a:uFillTx/>
-                    <a:latin typeface="+mn-lt"/>
-                    <a:ea typeface="+mn-ea"/>
-                    <a:cs typeface="+mn-cs"/>
-                  </a:defRPr>
-                </a:lvl2pPr>
-                <a:lvl3pPr marL="1143000" indent="-228600" algn="l" defTabSz="914400" rtl="0" eaLnBrk="1" fontAlgn="auto" latinLnBrk="0" hangingPunct="1">
-                  <a:lnSpc>
-                    <a:spcPct val="120000"/>
-                  </a:lnSpc>
-                  <a:spcBef>
-                    <a:spcPts val="0"/>
-                  </a:spcBef>
-                  <a:spcAft>
-                    <a:spcPts val="600"/>
-                  </a:spcAft>
-                  <a:buFont typeface="Arial" panose="020B0604020202020204" pitchFamily="34" charset="0"/>
-                  <a:buChar char="●"/>
-                  <a:defRPr sz="1600" u="none" strike="noStrike" kern="1200" cap="none" spc="150" normalizeH="0" baseline="0">
-                    <a:solidFill>
-                      <a:schemeClr val="tx1">
-                        <a:lumMod val="65000"/>
-                        <a:lumOff val="35000"/>
-                      </a:schemeClr>
-                    </a:solidFill>
-                    <a:uFillTx/>
-                    <a:latin typeface="+mn-lt"/>
-                    <a:ea typeface="+mn-ea"/>
-                    <a:cs typeface="+mn-cs"/>
-                  </a:defRPr>
-                </a:lvl3pPr>
-                <a:lvl4pPr marL="1600200" indent="-228600" algn="l" defTabSz="914400" rtl="0" eaLnBrk="1" fontAlgn="auto" latinLnBrk="0" hangingPunct="1">
-                  <a:lnSpc>
-                    <a:spcPct val="120000"/>
-                  </a:lnSpc>
-                  <a:spcBef>
-                    <a:spcPts val="0"/>
-                  </a:spcBef>
-                  <a:spcAft>
-                    <a:spcPts val="300"/>
-                  </a:spcAft>
-                  <a:buFont typeface="Wingdings" panose="05000000000000000000" charset="0"/>
-                  <a:buChar char=""/>
-                  <a:defRPr sz="1400" u="none" strike="noStrike" kern="1200" cap="none" spc="150" normalizeH="0" baseline="0">
-                    <a:solidFill>
-                      <a:schemeClr val="tx1">
-                        <a:lumMod val="65000"/>
-                        <a:lumOff val="35000"/>
-                      </a:schemeClr>
-                    </a:solidFill>
-                    <a:uFillTx/>
-                    <a:latin typeface="+mn-lt"/>
-                    <a:ea typeface="+mn-ea"/>
-                    <a:cs typeface="+mn-cs"/>
-                  </a:defRPr>
-                </a:lvl4pPr>
-                <a:lvl5pPr marL="2057400" indent="-228600" algn="l" defTabSz="914400" rtl="0" eaLnBrk="1" fontAlgn="auto" latinLnBrk="0" hangingPunct="1">
-                  <a:lnSpc>
-                    <a:spcPct val="120000"/>
-                  </a:lnSpc>
-                  <a:spcBef>
-                    <a:spcPts val="0"/>
-                  </a:spcBef>
-                  <a:spcAft>
-                    <a:spcPts val="300"/>
-                  </a:spcAft>
-                  <a:buFont typeface="Arial" panose="020B0604020202020204" pitchFamily="34" charset="0"/>
-                  <a:buChar char="•"/>
-                  <a:defRPr sz="1400" u="none" strike="noStrike" kern="1200" cap="none" spc="150" normalizeH="0" baseline="0">
-                    <a:solidFill>
-                      <a:schemeClr val="tx1">
-                        <a:lumMod val="65000"/>
-                        <a:lumOff val="35000"/>
-                      </a:schemeClr>
-                    </a:solidFill>
-                    <a:uFillTx/>
-                    <a:latin typeface="+mn-lt"/>
-                    <a:ea typeface="+mn-ea"/>
-                    <a:cs typeface="+mn-cs"/>
-                  </a:defRPr>
-                </a:lvl5pPr>
-                <a:lvl6pPr marL="2514600" indent="-228600" algn="l" defTabSz="914400" rtl="0" eaLnBrk="1" latinLnBrk="0" hangingPunct="1">
-                  <a:lnSpc>
-                    <a:spcPct val="90000"/>
-                  </a:lnSpc>
-                  <a:spcBef>
-                    <a:spcPts val="500"/>
-                  </a:spcBef>
-                  <a:buFont typeface="Arial" panose="020B0604020202020204" pitchFamily="34" charset="0"/>
-                  <a:buChar char="•"/>
-                  <a:defRPr sz="1800" kern="1200">
-                    <a:solidFill>
-                      <a:schemeClr val="tx1"/>
-                    </a:solidFill>
-                    <a:latin typeface="+mn-lt"/>
-                    <a:ea typeface="+mn-ea"/>
-                    <a:cs typeface="+mn-cs"/>
-                  </a:defRPr>
-                </a:lvl6pPr>
-                <a:lvl7pPr marL="2971800" indent="-228600" algn="l" defTabSz="914400" rtl="0" eaLnBrk="1" latinLnBrk="0" hangingPunct="1">
-                  <a:lnSpc>
-                    <a:spcPct val="90000"/>
-                  </a:lnSpc>
-                  <a:spcBef>
-                    <a:spcPts val="500"/>
-                  </a:spcBef>
-                  <a:buFont typeface="Arial" panose="020B0604020202020204" pitchFamily="34" charset="0"/>
-                  <a:buChar char="•"/>
-                  <a:defRPr sz="1800" kern="1200">
-                    <a:solidFill>
-                      <a:schemeClr val="tx1"/>
-                    </a:solidFill>
-                    <a:latin typeface="+mn-lt"/>
-                    <a:ea typeface="+mn-ea"/>
-                    <a:cs typeface="+mn-cs"/>
-                  </a:defRPr>
-                </a:lvl7pPr>
-                <a:lvl8pPr marL="3429000" indent="-228600" algn="l" defTabSz="914400" rtl="0" eaLnBrk="1" latinLnBrk="0" hangingPunct="1">
-                  <a:lnSpc>
-                    <a:spcPct val="90000"/>
-                  </a:lnSpc>
-                  <a:spcBef>
-                    <a:spcPts val="500"/>
-                  </a:spcBef>
-                  <a:buFont typeface="Arial" panose="020B0604020202020204" pitchFamily="34" charset="0"/>
-                  <a:buChar char="•"/>
-                  <a:defRPr sz="1800" kern="1200">
-                    <a:solidFill>
-                      <a:schemeClr val="tx1"/>
-                    </a:solidFill>
-                    <a:latin typeface="+mn-lt"/>
-                    <a:ea typeface="+mn-ea"/>
-                    <a:cs typeface="+mn-cs"/>
-                  </a:defRPr>
-                </a:lvl8pPr>
-                <a:lvl9pPr marL="3886200" indent="-228600" algn="l" defTabSz="914400" rtl="0" eaLnBrk="1" latinLnBrk="0" hangingPunct="1">
-                  <a:lnSpc>
-                    <a:spcPct val="90000"/>
-                  </a:lnSpc>
-                  <a:spcBef>
-                    <a:spcPts val="500"/>
-                  </a:spcBef>
-                  <a:buFont typeface="Arial" panose="020B0604020202020204" pitchFamily="34" charset="0"/>
-                  <a:buChar char="•"/>
-                  <a:defRPr sz="1800" kern="1200">
-                    <a:solidFill>
-                      <a:schemeClr val="tx1"/>
-                    </a:solidFill>
-                    <a:latin typeface="+mn-lt"/>
-                    <a:ea typeface="+mn-ea"/>
-                    <a:cs typeface="+mn-cs"/>
-                  </a:defRPr>
-                </a:lvl9pPr>
-              </a:lstStyle>
-              <a:p>
-                <a:pPr>
-                  <a:buFont typeface="Wingdings" panose="05000000000000000000" pitchFamily="2" charset="2"/>
-                  <a:buChar char="Ø"/>
-                </a:pPr>
-                <a:r>
-                  <a:rPr lang="zh-CN" altLang="en-US" dirty="0"/>
-                  <a:t>探索与利用</a:t>
-                </a:r>
-              </a:p>
-              <a:p>
-                <a:pPr lvl="1">
-                  <a:buFont typeface="Wingdings" panose="05000000000000000000" charset="0"/>
-                  <a:buChar char="Ø"/>
-                </a:pPr>
-                <a:r>
-                  <a:rPr lang="zh-CN" altLang="en-US" dirty="0"/>
-                  <a:t>短期收益</a:t>
-                </a:r>
-                <a:r>
-                  <a:rPr lang="en-US" altLang="zh-CN" dirty="0"/>
-                  <a:t> or </a:t>
-                </a:r>
-                <a:r>
-                  <a:rPr lang="zh-CN" altLang="en-US" dirty="0"/>
-                  <a:t>长期收益</a:t>
-                </a:r>
-              </a:p>
-              <a:p>
-                <a:pPr lvl="1"/>
-                <a:r>
-                  <a:rPr lang="zh-CN" altLang="en-US" dirty="0"/>
-                  <a:t>贪心</a:t>
-                </a:r>
-              </a:p>
-              <a:p>
-                <a:pPr lvl="1"/>
-                <a:r>
-                  <a:rPr lang="zh-CN" altLang="en-US" dirty="0">
-                    <a:latin typeface="微软雅黑" panose="020B0503020204020204" charset="-122"/>
-                    <a:ea typeface="微软雅黑" panose="020B0503020204020204" charset="-122"/>
-                  </a:rPr>
-                  <a:t>ε</a:t>
-                </a:r>
-                <a:r>
-                  <a:rPr lang="en-US" altLang="zh-CN" dirty="0">
-                    <a:latin typeface="微软雅黑" panose="020B0503020204020204" charset="-122"/>
-                    <a:ea typeface="微软雅黑" panose="020B0503020204020204" charset="-122"/>
-                  </a:rPr>
-                  <a:t>-</a:t>
-                </a:r>
-                <a:r>
-                  <a:rPr lang="zh-CN" altLang="en-US" dirty="0">
-                    <a:latin typeface="微软雅黑" panose="020B0503020204020204" charset="-122"/>
-                    <a:ea typeface="微软雅黑" panose="020B0503020204020204" charset="-122"/>
-                  </a:rPr>
-                  <a:t>贪心</a:t>
-                </a:r>
-              </a:p>
-              <a:p>
-                <a:pPr lvl="1"/>
-                <a:r>
-                  <a:rPr lang="zh-CN" altLang="en-US" dirty="0">
-                    <a:latin typeface="微软雅黑" panose="020B0503020204020204" charset="-122"/>
-                    <a:ea typeface="微软雅黑" panose="020B0503020204020204" charset="-122"/>
-                  </a:rPr>
-                  <a:t>置信上界算法</a:t>
-                </a:r>
-                <a:r>
-                  <a:rPr lang="en-US" altLang="zh-CN" dirty="0">
-                    <a:latin typeface="微软雅黑" panose="020B0503020204020204" charset="-122"/>
-                    <a:ea typeface="微软雅黑" panose="020B0503020204020204" charset="-122"/>
-                  </a:rPr>
-                  <a:t>UCB</a:t>
-                </a:r>
-              </a:p>
-              <a:p>
-                <a:pPr lvl="2">
-                  <a:buFont typeface="Wingdings" panose="05000000000000000000" pitchFamily="2" charset="2"/>
-                  <a:buChar char="n"/>
-                </a:pPr>
-                <a:r>
-                  <a:rPr lang="en-US" altLang="zh-CN" dirty="0">
-                    <a:latin typeface="微软雅黑" panose="020B0503020204020204" charset="-122"/>
-                    <a:ea typeface="微软雅黑" panose="020B0503020204020204" charset="-122"/>
-                  </a:rPr>
-                  <a:t> </a:t>
-                </a:r>
-                <a14:m>
-                  <m:oMath xmlns:m="http://schemas.openxmlformats.org/officeDocument/2006/math">
-                    <m:sSub>
-                      <m:sSubPr>
-                        <m:ctrlPr>
-                          <a:rPr lang="en-US" altLang="zh-CN" b="0" i="1" smtClean="0">
-                            <a:latin typeface="Cambria Math" panose="02040503050406030204" pitchFamily="18" charset="0"/>
-                            <a:ea typeface="微软雅黑" panose="020B0503020204020204" charset="-122"/>
-                          </a:rPr>
-                        </m:ctrlPr>
-                      </m:sSubPr>
-                      <m:e>
-                        <m:r>
-                          <a:rPr lang="en-US" altLang="zh-CN" b="0" i="1" smtClean="0">
-                            <a:latin typeface="Cambria Math" panose="02040503050406030204" pitchFamily="18" charset="0"/>
-                            <a:ea typeface="微软雅黑" panose="020B0503020204020204" charset="-122"/>
-                          </a:rPr>
-                          <m:t>𝐴</m:t>
-                        </m:r>
-                      </m:e>
-                      <m:sub>
-                        <m:r>
-                          <a:rPr lang="en-US" altLang="zh-CN" b="0" i="1" smtClean="0">
-                            <a:latin typeface="Cambria Math" panose="02040503050406030204" pitchFamily="18" charset="0"/>
-                            <a:ea typeface="微软雅黑" panose="020B0503020204020204" charset="-122"/>
-                          </a:rPr>
-                          <m:t>𝑡</m:t>
-                        </m:r>
-                      </m:sub>
-                    </m:sSub>
-                    <m:r>
-                      <a:rPr lang="en-US" altLang="zh-CN" b="0" i="1" smtClean="0">
-                        <a:latin typeface="Cambria Math" panose="02040503050406030204" pitchFamily="18" charset="0"/>
-                        <a:ea typeface="微软雅黑" panose="020B0503020204020204" charset="-122"/>
-                      </a:rPr>
-                      <m:t>=</m:t>
-                    </m:r>
-                    <m:func>
-                      <m:funcPr>
-                        <m:ctrlPr>
-                          <a:rPr lang="en-US" altLang="zh-CN" b="0" i="1" smtClean="0">
-                            <a:latin typeface="Cambria Math" panose="02040503050406030204" pitchFamily="18" charset="0"/>
-                            <a:ea typeface="微软雅黑" panose="020B0503020204020204" charset="-122"/>
-                          </a:rPr>
-                        </m:ctrlPr>
-                      </m:funcPr>
-                      <m:fName>
-                        <m:r>
-                          <m:rPr>
-                            <m:sty m:val="p"/>
-                          </m:rPr>
-                          <a:rPr lang="en-US" altLang="zh-CN" b="0" i="0" smtClean="0">
-                            <a:latin typeface="Cambria Math" panose="02040503050406030204" pitchFamily="18" charset="0"/>
-                            <a:ea typeface="微软雅黑" panose="020B0503020204020204" charset="-122"/>
-                          </a:rPr>
-                          <m:t>arg</m:t>
-                        </m:r>
-                      </m:fName>
-                      <m:e>
-                        <m:limLow>
-                          <m:limLowPr>
-                            <m:ctrlPr>
-                              <a:rPr lang="en-US" altLang="zh-CN" b="0" i="1" smtClean="0">
-                                <a:latin typeface="Cambria Math" panose="02040503050406030204" pitchFamily="18" charset="0"/>
-                                <a:ea typeface="微软雅黑" panose="020B0503020204020204" charset="-122"/>
-                              </a:rPr>
-                            </m:ctrlPr>
-                          </m:limLowPr>
-                          <m:e>
-                            <m:r>
-                              <m:rPr>
-                                <m:sty m:val="p"/>
-                              </m:rPr>
-                              <a:rPr lang="en-US" altLang="zh-CN" b="0" i="0" smtClean="0">
-                                <a:latin typeface="Cambria Math" panose="02040503050406030204" pitchFamily="18" charset="0"/>
-                                <a:ea typeface="微软雅黑" panose="020B0503020204020204" charset="-122"/>
-                              </a:rPr>
-                              <m:t>max</m:t>
-                            </m:r>
-                          </m:e>
-                          <m:lim>
-                            <m:r>
-                              <a:rPr lang="en-US" altLang="zh-CN" b="0" i="1" smtClean="0">
-                                <a:latin typeface="Cambria Math" panose="02040503050406030204" pitchFamily="18" charset="0"/>
-                                <a:ea typeface="微软雅黑" panose="020B0503020204020204" charset="-122"/>
-                              </a:rPr>
-                              <m:t>𝑎</m:t>
-                            </m:r>
-                          </m:lim>
-                        </m:limLow>
-                        <m:r>
-                          <a:rPr lang="en-US" altLang="zh-CN" b="0" i="1" smtClean="0">
-                            <a:latin typeface="Cambria Math" panose="02040503050406030204" pitchFamily="18" charset="0"/>
-                            <a:ea typeface="微软雅黑" panose="020B0503020204020204" charset="-122"/>
-                          </a:rPr>
-                          <m:t>[</m:t>
-                        </m:r>
-                        <m:sSub>
-                          <m:sSubPr>
-                            <m:ctrlPr>
-                              <a:rPr lang="en-US" altLang="zh-CN" b="0" i="1" smtClean="0">
-                                <a:latin typeface="Cambria Math" panose="02040503050406030204" pitchFamily="18" charset="0"/>
-                                <a:ea typeface="微软雅黑" panose="020B0503020204020204" charset="-122"/>
-                              </a:rPr>
-                            </m:ctrlPr>
-                          </m:sSubPr>
-                          <m:e>
-                            <m:r>
-                              <a:rPr lang="en-US" altLang="zh-CN" b="0" i="1" smtClean="0">
-                                <a:latin typeface="Cambria Math" panose="02040503050406030204" pitchFamily="18" charset="0"/>
-                                <a:ea typeface="微软雅黑" panose="020B0503020204020204" charset="-122"/>
-                              </a:rPr>
-                              <m:t>𝑄</m:t>
-                            </m:r>
-                          </m:e>
-                          <m:sub>
-                            <m:r>
-                              <a:rPr lang="en-US" altLang="zh-CN" b="0" i="1" smtClean="0">
-                                <a:latin typeface="Cambria Math" panose="02040503050406030204" pitchFamily="18" charset="0"/>
-                                <a:ea typeface="微软雅黑" panose="020B0503020204020204" charset="-122"/>
-                              </a:rPr>
-                              <m:t>𝑡</m:t>
-                            </m:r>
-                          </m:sub>
-                        </m:sSub>
-                        <m:d>
-                          <m:dPr>
-                            <m:ctrlPr>
-                              <a:rPr lang="en-US" altLang="zh-CN" b="0" i="1" smtClean="0">
-                                <a:latin typeface="Cambria Math" panose="02040503050406030204" pitchFamily="18" charset="0"/>
-                                <a:ea typeface="微软雅黑" panose="020B0503020204020204" charset="-122"/>
-                              </a:rPr>
-                            </m:ctrlPr>
-                          </m:dPr>
-                          <m:e>
-                            <m:r>
-                              <a:rPr lang="en-US" altLang="zh-CN" b="0" i="1" smtClean="0">
-                                <a:latin typeface="Cambria Math" panose="02040503050406030204" pitchFamily="18" charset="0"/>
-                                <a:ea typeface="微软雅黑" panose="020B0503020204020204" charset="-122"/>
-                              </a:rPr>
-                              <m:t>𝑎</m:t>
-                            </m:r>
-                          </m:e>
-                        </m:d>
-                        <m:r>
-                          <a:rPr lang="en-US" altLang="zh-CN" b="0" i="1" smtClean="0">
-                            <a:latin typeface="Cambria Math" panose="02040503050406030204" pitchFamily="18" charset="0"/>
-                            <a:ea typeface="微软雅黑" panose="020B0503020204020204" charset="-122"/>
-                          </a:rPr>
-                          <m:t>+</m:t>
-                        </m:r>
-                        <m:r>
-                          <a:rPr lang="en-US" altLang="zh-CN" b="0" i="1" smtClean="0">
-                            <a:latin typeface="Cambria Math" panose="02040503050406030204" pitchFamily="18" charset="0"/>
-                            <a:ea typeface="微软雅黑" panose="020B0503020204020204" charset="-122"/>
-                          </a:rPr>
-                          <m:t>𝑐</m:t>
-                        </m:r>
-                        <m:rad>
-                          <m:radPr>
-                            <m:degHide m:val="on"/>
-                            <m:ctrlPr>
-                              <a:rPr lang="en-US" altLang="zh-CN" b="0" i="1" smtClean="0">
-                                <a:latin typeface="Cambria Math" panose="02040503050406030204" pitchFamily="18" charset="0"/>
-                                <a:ea typeface="微软雅黑" panose="020B0503020204020204" charset="-122"/>
-                              </a:rPr>
-                            </m:ctrlPr>
-                          </m:radPr>
-                          <m:deg/>
-                          <m:e>
-                            <m:f>
-                              <m:fPr>
-                                <m:ctrlPr>
-                                  <a:rPr lang="en-US" altLang="zh-CN" b="0" i="1" smtClean="0">
-                                    <a:latin typeface="Cambria Math" panose="02040503050406030204" pitchFamily="18" charset="0"/>
-                                    <a:ea typeface="微软雅黑" panose="020B0503020204020204" charset="-122"/>
-                                  </a:rPr>
-                                </m:ctrlPr>
-                              </m:fPr>
-                              <m:num>
-                                <m:r>
-                                  <m:rPr>
-                                    <m:sty m:val="p"/>
-                                  </m:rPr>
-                                  <a:rPr lang="en-US" altLang="zh-CN" b="0" i="1" smtClean="0">
-                                    <a:latin typeface="Cambria Math" panose="02040503050406030204" pitchFamily="18" charset="0"/>
-                                    <a:ea typeface="微软雅黑" panose="020B0503020204020204" charset="-122"/>
-                                  </a:rPr>
-                                  <m:t>lnt</m:t>
-                                </m:r>
-                              </m:num>
-                              <m:den>
-                                <m:sSub>
-                                  <m:sSubPr>
-                                    <m:ctrlPr>
-                                      <a:rPr lang="en-US" altLang="zh-CN" b="0" i="1" smtClean="0">
-                                        <a:latin typeface="Cambria Math" panose="02040503050406030204" pitchFamily="18" charset="0"/>
-                                        <a:ea typeface="微软雅黑" panose="020B0503020204020204" charset="-122"/>
-                                      </a:rPr>
-                                    </m:ctrlPr>
-                                  </m:sSubPr>
-                                  <m:e>
-                                    <m:r>
-                                      <a:rPr lang="en-US" altLang="zh-CN" b="0" i="1" smtClean="0">
-                                        <a:latin typeface="Cambria Math" panose="02040503050406030204" pitchFamily="18" charset="0"/>
-                                        <a:ea typeface="微软雅黑" panose="020B0503020204020204" charset="-122"/>
-                                      </a:rPr>
-                                      <m:t>𝑁</m:t>
-                                    </m:r>
-                                  </m:e>
-                                  <m:sub>
-                                    <m:r>
-                                      <a:rPr lang="en-US" altLang="zh-CN" b="0" i="1" smtClean="0">
-                                        <a:latin typeface="Cambria Math" panose="02040503050406030204" pitchFamily="18" charset="0"/>
-                                        <a:ea typeface="微软雅黑" panose="020B0503020204020204" charset="-122"/>
-                                      </a:rPr>
-                                      <m:t>𝑡</m:t>
-                                    </m:r>
-                                  </m:sub>
-                                </m:sSub>
-                                <m:r>
-                                  <a:rPr lang="en-US" altLang="zh-CN" b="0" i="1" smtClean="0">
-                                    <a:latin typeface="Cambria Math" panose="02040503050406030204" pitchFamily="18" charset="0"/>
-                                    <a:ea typeface="微软雅黑" panose="020B0503020204020204" charset="-122"/>
-                                  </a:rPr>
-                                  <m:t>(</m:t>
-                                </m:r>
-                                <m:r>
-                                  <a:rPr lang="en-US" altLang="zh-CN" b="0" i="1" smtClean="0">
-                                    <a:latin typeface="Cambria Math" panose="02040503050406030204" pitchFamily="18" charset="0"/>
-                                    <a:ea typeface="微软雅黑" panose="020B0503020204020204" charset="-122"/>
-                                  </a:rPr>
-                                  <m:t>𝑎</m:t>
-                                </m:r>
-                                <m:r>
-                                  <a:rPr lang="en-US" altLang="zh-CN" b="0" i="1" smtClean="0">
-                                    <a:latin typeface="Cambria Math" panose="02040503050406030204" pitchFamily="18" charset="0"/>
-                                    <a:ea typeface="微软雅黑" panose="020B0503020204020204" charset="-122"/>
-                                  </a:rPr>
-                                  <m:t>)</m:t>
-                                </m:r>
-                              </m:den>
-                            </m:f>
-                          </m:e>
-                        </m:rad>
-                        <m:r>
-                          <a:rPr lang="en-US" altLang="zh-CN" b="0" i="1" smtClean="0">
-                            <a:latin typeface="Cambria Math" panose="02040503050406030204" pitchFamily="18" charset="0"/>
-                            <a:ea typeface="微软雅黑" panose="020B0503020204020204" charset="-122"/>
-                          </a:rPr>
-                          <m:t>]</m:t>
-                        </m:r>
-                      </m:e>
-                    </m:func>
-                  </m:oMath>
-                </a14:m>
-                <a:endParaRPr lang="en-US" altLang="zh-CN" dirty="0">
-                  <a:latin typeface="微软雅黑" panose="020B0503020204020204" charset="-122"/>
-                  <a:ea typeface="微软雅黑" panose="020B0503020204020204" charset="-122"/>
-                </a:endParaRPr>
-              </a:p>
-              <a:p>
-                <a:pPr lvl="3">
-                  <a:buFont typeface="Wingdings" panose="05000000000000000000" charset="0"/>
-                  <a:buChar char="p"/>
-                </a:pPr>
-                <a:r>
-                  <a:rPr lang="en-US" altLang="zh-CN" dirty="0" err="1">
-                    <a:latin typeface="微软雅黑" panose="020B0503020204020204" charset="-122"/>
-                    <a:ea typeface="微软雅黑" panose="020B0503020204020204" charset="-122"/>
-                  </a:rPr>
-                  <a:t>行为值函数</a:t>
-                </a:r>
-                <a:endParaRPr lang="en-US" altLang="zh-CN" dirty="0">
-                  <a:latin typeface="微软雅黑" panose="020B0503020204020204" charset="-122"/>
-                  <a:ea typeface="微软雅黑" panose="020B0503020204020204" charset="-122"/>
-                </a:endParaRPr>
-              </a:p>
-              <a:p>
-                <a:pPr lvl="3">
-                  <a:buFont typeface="Wingdings" panose="05000000000000000000" charset="0"/>
-                  <a:buChar char="p"/>
-                </a:pPr>
-                <a:r>
-                  <a:rPr lang="en-US" altLang="zh-CN" dirty="0" err="1">
-                    <a:latin typeface="微软雅黑" panose="020B0503020204020204" charset="-122"/>
-                    <a:ea typeface="微软雅黑" panose="020B0503020204020204" charset="-122"/>
-                  </a:rPr>
-                  <a:t>访问次数</a:t>
-                </a:r>
-                <a:endParaRPr lang="en-US" altLang="zh-CN" dirty="0">
-                  <a:latin typeface="微软雅黑" panose="020B0503020204020204" charset="-122"/>
-                  <a:ea typeface="微软雅黑" panose="020B0503020204020204" charset="-122"/>
-                </a:endParaRPr>
-              </a:p>
-              <a:p>
-                <a:pPr lvl="3">
-                  <a:buFont typeface="Wingdings" panose="05000000000000000000" charset="0"/>
-                  <a:buChar char="p"/>
-                </a:pPr>
-                <a:r>
-                  <a:rPr lang="en-US" altLang="zh-CN" dirty="0" err="1">
-                    <a:latin typeface="微软雅黑" panose="020B0503020204020204" charset="-122"/>
-                    <a:ea typeface="微软雅黑" panose="020B0503020204020204" charset="-122"/>
-                  </a:rPr>
-                  <a:t>时间</a:t>
-                </a:r>
-                <a:endParaRPr lang="en-US" altLang="zh-CN" dirty="0">
-                  <a:latin typeface="微软雅黑" panose="020B0503020204020204" charset="-122"/>
-                  <a:ea typeface="微软雅黑" panose="020B0503020204020204" charset="-122"/>
-                </a:endParaRPr>
-              </a:p>
-            </p:txBody>
-          </p:sp>
-        </mc:Choice>
-        <mc:Fallback xmlns="">
-          <p:sp>
-            <p:nvSpPr>
-              <p:cNvPr id="16" name="内容占位符 2"/>
-              <p:cNvSpPr>
-                <a:spLocks noGrp="1" noRot="1" noChangeAspect="1" noMove="1" noResize="1" noEditPoints="1" noAdjustHandles="1" noChangeArrowheads="1" noChangeShapeType="1" noTextEdit="1"/>
-              </p:cNvSpPr>
-              <p:nvPr/>
-            </p:nvSpPr>
-            <p:spPr>
-              <a:xfrm>
-                <a:off x="6675119" y="1490345"/>
-                <a:ext cx="4652787" cy="3293110"/>
-              </a:xfrm>
-              <a:prstGeom prst="rect">
-                <a:avLst/>
-              </a:prstGeom>
-              <a:blipFill>
-                <a:blip r:embed="rId8"/>
-                <a:stretch>
-                  <a:fillRect l="-655"/>
-                </a:stretch>
-              </a:blipFill>
-            </p:spPr>
-            <p:txBody>
-              <a:bodyPr/>
-              <a:lstStyle/>
-              <a:p>
-                <a:r>
-                  <a:rPr lang="zh-CN" altLang="en-US">
-                    <a:noFill/>
-                  </a:rPr>
-                  <a:t> </a:t>
-                </a:r>
-              </a:p>
-            </p:txBody>
-          </p:sp>
-        </mc:Fallback>
-      </mc:AlternateContent>
-      <p:pic>
-        <p:nvPicPr>
-          <p:cNvPr id="9" name="图片 8" descr="智能体与环境"/>
-          <p:cNvPicPr>
-            <a:picLocks noChangeAspect="1"/>
-          </p:cNvPicPr>
-          <p:nvPr/>
-        </p:nvPicPr>
-        <p:blipFill>
-          <a:blip r:embed="rId9"/>
-          <a:stretch>
-            <a:fillRect/>
-          </a:stretch>
-        </p:blipFill>
-        <p:spPr>
-          <a:xfrm>
-            <a:off x="614045" y="3155950"/>
-            <a:ext cx="6057900" cy="2324100"/>
-          </a:xfrm>
-          <a:prstGeom prst="rect">
-            <a:avLst/>
-          </a:prstGeom>
-        </p:spPr>
-      </p:pic>
-    </p:spTree>
-    <p:custDataLst>
-      <p:tags r:id="rId2"/>
-    </p:custDataLst>
-  </p:cSld>
-  <p:clrMapOvr>
-    <a:masterClrMapping/>
-  </p:clrMapOvr>
-</p:sld>
-</file>
-
-<file path=ppt/slides/slide30.xml><?xml version="1.0" encoding="utf-8"?>
+<file path=ppt/slides/slide28.xml><?xml version="1.0" encoding="utf-8"?>
 <p:sld xmlns:a="http://schemas.openxmlformats.org/drawingml/2006/main" xmlns:r="http://schemas.openxmlformats.org/officeDocument/2006/relationships" xmlns:p="http://schemas.openxmlformats.org/presentationml/2006/main">
   <p:cSld>
     <p:spTree>
@@ -17383,7 +16777,7 @@
           <a:graphicData uri="http://schemas.openxmlformats.org/presentationml/2006/ole">
             <mc:AlternateContent xmlns:mc="http://schemas.openxmlformats.org/markup-compatibility/2006">
               <mc:Choice xmlns:v="urn:schemas-microsoft-com:vml" Requires="v">
-                <p:oleObj spid="_x0000_s8783" r:id="rId5" imgW="2926080" imgH="1645920" progId="latexeqedit.Formula">
+                <p:oleObj spid="_x0000_s8846" r:id="rId5" imgW="2926080" imgH="1645920" progId="latexeqedit.Formula">
                   <p:embed/>
                 </p:oleObj>
               </mc:Choice>
@@ -17429,7 +16823,7 @@
 </p:sld>
 </file>
 
-<file path=ppt/slides/slide31.xml><?xml version="1.0" encoding="utf-8"?>
+<file path=ppt/slides/slide29.xml><?xml version="1.0" encoding="utf-8"?>
 <p:sld xmlns:a="http://schemas.openxmlformats.org/drawingml/2006/main" xmlns:r="http://schemas.openxmlformats.org/officeDocument/2006/relationships" xmlns:p="http://schemas.openxmlformats.org/presentationml/2006/main">
   <p:cSld>
     <p:spTree>
@@ -18064,7 +17458,1109 @@
 </p:sld>
 </file>
 
-<file path=ppt/slides/slide32.xml><?xml version="1.0" encoding="utf-8"?>
+<file path=ppt/slides/slide3.xml><?xml version="1.0" encoding="utf-8"?>
+<p:sld xmlns:a="http://schemas.openxmlformats.org/drawingml/2006/main" xmlns:r="http://schemas.openxmlformats.org/officeDocument/2006/relationships" xmlns:p="http://schemas.openxmlformats.org/presentationml/2006/main">
+  <p:cSld>
+    <p:spTree>
+      <p:nvGrpSpPr>
+        <p:cNvPr id="1" name=""/>
+        <p:cNvGrpSpPr/>
+        <p:nvPr/>
+      </p:nvGrpSpPr>
+      <p:grpSpPr>
+        <a:xfrm>
+          <a:off x="0" y="0"/>
+          <a:ext cx="0" cy="0"/>
+          <a:chOff x="0" y="0"/>
+          <a:chExt cx="0" cy="0"/>
+        </a:xfrm>
+      </p:grpSpPr>
+      <p:sp>
+        <p:nvSpPr>
+          <p:cNvPr id="2" name="标题 1"/>
+          <p:cNvSpPr>
+            <a:spLocks noGrp="1"/>
+          </p:cNvSpPr>
+          <p:nvPr>
+            <p:ph type="title"/>
+          </p:nvPr>
+        </p:nvSpPr>
+        <p:spPr/>
+        <p:txBody>
+          <a:bodyPr/>
+          <a:lstStyle/>
+          <a:p>
+            <a:r>
+              <a:rPr lang="zh-CN" altLang="en-US" dirty="0"/>
+              <a:t>基本元素与问题</a:t>
+            </a:r>
+          </a:p>
+        </p:txBody>
+      </p:sp>
+      <p:sp>
+        <p:nvSpPr>
+          <p:cNvPr id="3" name="内容占位符 2"/>
+          <p:cNvSpPr>
+            <a:spLocks noGrp="1"/>
+          </p:cNvSpPr>
+          <p:nvPr>
+            <p:ph idx="1"/>
+          </p:nvPr>
+        </p:nvSpPr>
+        <p:spPr>
+          <a:xfrm>
+            <a:off x="608330" y="1490345"/>
+            <a:ext cx="5787390" cy="4759325"/>
+          </a:xfrm>
+        </p:spPr>
+        <p:txBody>
+          <a:bodyPr>
+            <a:normAutofit/>
+          </a:bodyPr>
+          <a:lstStyle/>
+          <a:p>
+            <a:pPr>
+              <a:buFont typeface="Wingdings" panose="05000000000000000000" pitchFamily="2" charset="2"/>
+              <a:buChar char="Ø"/>
+            </a:pPr>
+            <a:r>
+              <a:rPr lang="zh-CN" altLang="en-US" dirty="0"/>
+              <a:t>智能体与环境</a:t>
+            </a:r>
+          </a:p>
+          <a:p>
+            <a:pPr lvl="1"/>
+            <a:r>
+              <a:rPr lang="zh-CN" altLang="en-US" dirty="0"/>
+              <a:t>智能体：通过优化策略使期望回报最大化</a:t>
+            </a:r>
+          </a:p>
+          <a:p>
+            <a:pPr lvl="1"/>
+            <a:r>
+              <a:rPr lang="zh-CN" altLang="en-US" dirty="0"/>
+              <a:t>环境：奖励函数，状态转移概率</a:t>
+            </a:r>
+          </a:p>
+          <a:p>
+            <a:pPr lvl="1"/>
+            <a:r>
+              <a:rPr lang="zh-CN" altLang="en-US" dirty="0"/>
+              <a:t>策略、奖励、值函数、模型</a:t>
+            </a:r>
+          </a:p>
+          <a:p>
+            <a:pPr marL="342900" indent="-342900">
+              <a:buFont typeface="+mj-lt"/>
+              <a:buAutoNum type="arabicPeriod"/>
+            </a:pPr>
+            <a:endParaRPr lang="zh-CN" altLang="en-US" dirty="0"/>
+          </a:p>
+        </p:txBody>
+      </p:sp>
+      <p:graphicFrame>
+        <p:nvGraphicFramePr>
+          <p:cNvPr id="5" name="对象 4">
+            <a:hlinkClick r:id="" action="ppaction://ole?verb=0"/>
+          </p:cNvPr>
+          <p:cNvGraphicFramePr>
+            <a:graphicFrameLocks noChangeAspect="1"/>
+          </p:cNvGraphicFramePr>
+          <p:nvPr/>
+        </p:nvGraphicFramePr>
+        <p:xfrm>
+          <a:off x="5638800" y="3321050"/>
+          <a:ext cx="914400" cy="215900"/>
+        </p:xfrm>
+        <a:graphic>
+          <a:graphicData uri="http://schemas.openxmlformats.org/presentationml/2006/ole">
+            <mc:AlternateContent xmlns:mc="http://schemas.openxmlformats.org/markup-compatibility/2006">
+              <mc:Choice xmlns:v="urn:schemas-microsoft-com:vml" Requires="v">
+                <p:oleObj spid="_x0000_s1637" r:id="rId4" imgW="914400" imgH="215900" progId="Equation.KSEE3">
+                  <p:embed/>
+                </p:oleObj>
+              </mc:Choice>
+              <mc:Fallback>
+                <p:oleObj r:id="rId4" imgW="914400" imgH="215900" progId="Equation.KSEE3">
+                  <p:embed/>
+                  <p:pic>
+                    <p:nvPicPr>
+                      <p:cNvPr id="0" name="图片 1024"/>
+                      <p:cNvPicPr/>
+                      <p:nvPr/>
+                    </p:nvPicPr>
+                    <p:blipFill>
+                      <a:blip r:embed="rId5"/>
+                      <a:stretch>
+                        <a:fillRect/>
+                      </a:stretch>
+                    </p:blipFill>
+                    <p:spPr>
+                      <a:xfrm>
+                        <a:off x="5638800" y="3321050"/>
+                        <a:ext cx="914400" cy="215900"/>
+                      </a:xfrm>
+                      <a:prstGeom prst="rect">
+                        <a:avLst/>
+                      </a:prstGeom>
+                    </p:spPr>
+                  </p:pic>
+                </p:oleObj>
+              </mc:Fallback>
+            </mc:AlternateContent>
+          </a:graphicData>
+        </a:graphic>
+      </p:graphicFrame>
+      <p:graphicFrame>
+        <p:nvGraphicFramePr>
+          <p:cNvPr id="6" name="对象 5">
+            <a:hlinkClick r:id="" action="ppaction://ole?verb=0"/>
+          </p:cNvPr>
+          <p:cNvGraphicFramePr>
+            <a:graphicFrameLocks noChangeAspect="1"/>
+          </p:cNvGraphicFramePr>
+          <p:nvPr/>
+        </p:nvGraphicFramePr>
+        <p:xfrm>
+          <a:off x="5638800" y="3321050"/>
+          <a:ext cx="914400" cy="215900"/>
+        </p:xfrm>
+        <a:graphic>
+          <a:graphicData uri="http://schemas.openxmlformats.org/presentationml/2006/ole">
+            <mc:AlternateContent xmlns:mc="http://schemas.openxmlformats.org/markup-compatibility/2006">
+              <mc:Choice xmlns:v="urn:schemas-microsoft-com:vml" Requires="v">
+                <p:oleObj spid="_x0000_s1638" r:id="rId6" imgW="914400" imgH="215900" progId="Equation.KSEE3">
+                  <p:embed/>
+                </p:oleObj>
+              </mc:Choice>
+              <mc:Fallback>
+                <p:oleObj r:id="rId6" imgW="914400" imgH="215900" progId="Equation.KSEE3">
+                  <p:embed/>
+                  <p:pic>
+                    <p:nvPicPr>
+                      <p:cNvPr id="0" name="图片 1025"/>
+                      <p:cNvPicPr/>
+                      <p:nvPr/>
+                    </p:nvPicPr>
+                    <p:blipFill>
+                      <a:blip r:embed="rId5"/>
+                      <a:stretch>
+                        <a:fillRect/>
+                      </a:stretch>
+                    </p:blipFill>
+                    <p:spPr>
+                      <a:xfrm>
+                        <a:off x="5638800" y="3321050"/>
+                        <a:ext cx="914400" cy="215900"/>
+                      </a:xfrm>
+                      <a:prstGeom prst="rect">
+                        <a:avLst/>
+                      </a:prstGeom>
+                    </p:spPr>
+                  </p:pic>
+                </p:oleObj>
+              </mc:Fallback>
+            </mc:AlternateContent>
+          </a:graphicData>
+        </a:graphic>
+      </p:graphicFrame>
+      <p:graphicFrame>
+        <p:nvGraphicFramePr>
+          <p:cNvPr id="7" name="对象 6">
+            <a:hlinkClick r:id="" action="ppaction://ole?verb=0"/>
+          </p:cNvPr>
+          <p:cNvGraphicFramePr>
+            <a:graphicFrameLocks noChangeAspect="1"/>
+          </p:cNvGraphicFramePr>
+          <p:nvPr/>
+        </p:nvGraphicFramePr>
+        <p:xfrm>
+          <a:off x="5638800" y="3321050"/>
+          <a:ext cx="914400" cy="215900"/>
+        </p:xfrm>
+        <a:graphic>
+          <a:graphicData uri="http://schemas.openxmlformats.org/presentationml/2006/ole">
+            <mc:AlternateContent xmlns:mc="http://schemas.openxmlformats.org/markup-compatibility/2006">
+              <mc:Choice xmlns:v="urn:schemas-microsoft-com:vml" Requires="v">
+                <p:oleObj spid="_x0000_s1639" r:id="rId7" imgW="914400" imgH="215900" progId="Equation.KSEE3">
+                  <p:embed/>
+                </p:oleObj>
+              </mc:Choice>
+              <mc:Fallback>
+                <p:oleObj r:id="rId7" imgW="914400" imgH="215900" progId="Equation.KSEE3">
+                  <p:embed/>
+                  <p:pic>
+                    <p:nvPicPr>
+                      <p:cNvPr id="0" name="图片 1026"/>
+                      <p:cNvPicPr/>
+                      <p:nvPr/>
+                    </p:nvPicPr>
+                    <p:blipFill>
+                      <a:blip r:embed="rId5"/>
+                      <a:stretch>
+                        <a:fillRect/>
+                      </a:stretch>
+                    </p:blipFill>
+                    <p:spPr>
+                      <a:xfrm>
+                        <a:off x="5638800" y="3321050"/>
+                        <a:ext cx="914400" cy="215900"/>
+                      </a:xfrm>
+                      <a:prstGeom prst="rect">
+                        <a:avLst/>
+                      </a:prstGeom>
+                    </p:spPr>
+                  </p:pic>
+                </p:oleObj>
+              </mc:Fallback>
+            </mc:AlternateContent>
+          </a:graphicData>
+        </a:graphic>
+      </p:graphicFrame>
+      <mc:AlternateContent xmlns:mc="http://schemas.openxmlformats.org/markup-compatibility/2006" xmlns:a14="http://schemas.microsoft.com/office/drawing/2010/main">
+        <mc:Choice Requires="a14">
+          <p:sp>
+            <p:nvSpPr>
+              <p:cNvPr id="16" name="内容占位符 2"/>
+              <p:cNvSpPr>
+                <a:spLocks noGrp="1"/>
+              </p:cNvSpPr>
+              <p:nvPr/>
+            </p:nvSpPr>
+            <p:spPr>
+              <a:xfrm>
+                <a:off x="6553201" y="1489170"/>
+                <a:ext cx="5635626" cy="4759255"/>
+              </a:xfrm>
+              <a:prstGeom prst="rect">
+                <a:avLst/>
+              </a:prstGeom>
+            </p:spPr>
+            <p:txBody>
+              <a:bodyPr vert="horz" lIns="90000" tIns="46800" rIns="90000" bIns="46800" rtlCol="0">
+                <a:normAutofit fontScale="77500" lnSpcReduction="20000"/>
+              </a:bodyPr>
+              <a:lstStyle>
+                <a:lvl1pPr marL="228600" indent="-228600" algn="l" defTabSz="914400" rtl="0" eaLnBrk="1" fontAlgn="auto" latinLnBrk="0" hangingPunct="1">
+                  <a:lnSpc>
+                    <a:spcPct val="130000"/>
+                  </a:lnSpc>
+                  <a:spcBef>
+                    <a:spcPts val="0"/>
+                  </a:spcBef>
+                  <a:spcAft>
+                    <a:spcPts val="1000"/>
+                  </a:spcAft>
+                  <a:buFont typeface="Arial" panose="020B0604020202020204" pitchFamily="34" charset="0"/>
+                  <a:buChar char="●"/>
+                  <a:defRPr sz="1800" u="none" strike="noStrike" kern="1200" cap="none" spc="150" normalizeH="0" baseline="0">
+                    <a:solidFill>
+                      <a:schemeClr val="tx1">
+                        <a:lumMod val="65000"/>
+                        <a:lumOff val="35000"/>
+                      </a:schemeClr>
+                    </a:solidFill>
+                    <a:uFillTx/>
+                    <a:latin typeface="+mn-lt"/>
+                    <a:ea typeface="+mn-ea"/>
+                    <a:cs typeface="+mn-cs"/>
+                  </a:defRPr>
+                </a:lvl1pPr>
+                <a:lvl2pPr marL="685800" indent="-228600" algn="l" defTabSz="914400" rtl="0" eaLnBrk="1" fontAlgn="auto" latinLnBrk="0" hangingPunct="1">
+                  <a:lnSpc>
+                    <a:spcPct val="120000"/>
+                  </a:lnSpc>
+                  <a:spcBef>
+                    <a:spcPts val="0"/>
+                  </a:spcBef>
+                  <a:spcAft>
+                    <a:spcPts val="600"/>
+                  </a:spcAft>
+                  <a:buFont typeface="Arial" panose="020B0604020202020204" pitchFamily="34" charset="0"/>
+                  <a:buChar char="●"/>
+                  <a:tabLst>
+                    <a:tab pos="1609725" algn="l"/>
+                    <a:tab pos="1609725" algn="l"/>
+                    <a:tab pos="1609725" algn="l"/>
+                    <a:tab pos="1609725" algn="l"/>
+                  </a:tabLst>
+                  <a:defRPr sz="1600" u="none" strike="noStrike" kern="1200" cap="none" spc="150" normalizeH="0" baseline="0">
+                    <a:solidFill>
+                      <a:schemeClr val="tx1">
+                        <a:lumMod val="65000"/>
+                        <a:lumOff val="35000"/>
+                      </a:schemeClr>
+                    </a:solidFill>
+                    <a:uFillTx/>
+                    <a:latin typeface="+mn-lt"/>
+                    <a:ea typeface="+mn-ea"/>
+                    <a:cs typeface="+mn-cs"/>
+                  </a:defRPr>
+                </a:lvl2pPr>
+                <a:lvl3pPr marL="1143000" indent="-228600" algn="l" defTabSz="914400" rtl="0" eaLnBrk="1" fontAlgn="auto" latinLnBrk="0" hangingPunct="1">
+                  <a:lnSpc>
+                    <a:spcPct val="120000"/>
+                  </a:lnSpc>
+                  <a:spcBef>
+                    <a:spcPts val="0"/>
+                  </a:spcBef>
+                  <a:spcAft>
+                    <a:spcPts val="600"/>
+                  </a:spcAft>
+                  <a:buFont typeface="Arial" panose="020B0604020202020204" pitchFamily="34" charset="0"/>
+                  <a:buChar char="●"/>
+                  <a:defRPr sz="1600" u="none" strike="noStrike" kern="1200" cap="none" spc="150" normalizeH="0" baseline="0">
+                    <a:solidFill>
+                      <a:schemeClr val="tx1">
+                        <a:lumMod val="65000"/>
+                        <a:lumOff val="35000"/>
+                      </a:schemeClr>
+                    </a:solidFill>
+                    <a:uFillTx/>
+                    <a:latin typeface="+mn-lt"/>
+                    <a:ea typeface="+mn-ea"/>
+                    <a:cs typeface="+mn-cs"/>
+                  </a:defRPr>
+                </a:lvl3pPr>
+                <a:lvl4pPr marL="1600200" indent="-228600" algn="l" defTabSz="914400" rtl="0" eaLnBrk="1" fontAlgn="auto" latinLnBrk="0" hangingPunct="1">
+                  <a:lnSpc>
+                    <a:spcPct val="120000"/>
+                  </a:lnSpc>
+                  <a:spcBef>
+                    <a:spcPts val="0"/>
+                  </a:spcBef>
+                  <a:spcAft>
+                    <a:spcPts val="300"/>
+                  </a:spcAft>
+                  <a:buFont typeface="Wingdings" panose="05000000000000000000" charset="0"/>
+                  <a:buChar char=""/>
+                  <a:defRPr sz="1400" u="none" strike="noStrike" kern="1200" cap="none" spc="150" normalizeH="0" baseline="0">
+                    <a:solidFill>
+                      <a:schemeClr val="tx1">
+                        <a:lumMod val="65000"/>
+                        <a:lumOff val="35000"/>
+                      </a:schemeClr>
+                    </a:solidFill>
+                    <a:uFillTx/>
+                    <a:latin typeface="+mn-lt"/>
+                    <a:ea typeface="+mn-ea"/>
+                    <a:cs typeface="+mn-cs"/>
+                  </a:defRPr>
+                </a:lvl4pPr>
+                <a:lvl5pPr marL="2057400" indent="-228600" algn="l" defTabSz="914400" rtl="0" eaLnBrk="1" fontAlgn="auto" latinLnBrk="0" hangingPunct="1">
+                  <a:lnSpc>
+                    <a:spcPct val="120000"/>
+                  </a:lnSpc>
+                  <a:spcBef>
+                    <a:spcPts val="0"/>
+                  </a:spcBef>
+                  <a:spcAft>
+                    <a:spcPts val="300"/>
+                  </a:spcAft>
+                  <a:buFont typeface="Arial" panose="020B0604020202020204" pitchFamily="34" charset="0"/>
+                  <a:buChar char="•"/>
+                  <a:defRPr sz="1400" u="none" strike="noStrike" kern="1200" cap="none" spc="150" normalizeH="0" baseline="0">
+                    <a:solidFill>
+                      <a:schemeClr val="tx1">
+                        <a:lumMod val="65000"/>
+                        <a:lumOff val="35000"/>
+                      </a:schemeClr>
+                    </a:solidFill>
+                    <a:uFillTx/>
+                    <a:latin typeface="+mn-lt"/>
+                    <a:ea typeface="+mn-ea"/>
+                    <a:cs typeface="+mn-cs"/>
+                  </a:defRPr>
+                </a:lvl5pPr>
+                <a:lvl6pPr marL="2514600" indent="-228600" algn="l" defTabSz="914400" rtl="0" eaLnBrk="1" latinLnBrk="0" hangingPunct="1">
+                  <a:lnSpc>
+                    <a:spcPct val="90000"/>
+                  </a:lnSpc>
+                  <a:spcBef>
+                    <a:spcPts val="500"/>
+                  </a:spcBef>
+                  <a:buFont typeface="Arial" panose="020B0604020202020204" pitchFamily="34" charset="0"/>
+                  <a:buChar char="•"/>
+                  <a:defRPr sz="1800" kern="1200">
+                    <a:solidFill>
+                      <a:schemeClr val="tx1"/>
+                    </a:solidFill>
+                    <a:latin typeface="+mn-lt"/>
+                    <a:ea typeface="+mn-ea"/>
+                    <a:cs typeface="+mn-cs"/>
+                  </a:defRPr>
+                </a:lvl6pPr>
+                <a:lvl7pPr marL="2971800" indent="-228600" algn="l" defTabSz="914400" rtl="0" eaLnBrk="1" latinLnBrk="0" hangingPunct="1">
+                  <a:lnSpc>
+                    <a:spcPct val="90000"/>
+                  </a:lnSpc>
+                  <a:spcBef>
+                    <a:spcPts val="500"/>
+                  </a:spcBef>
+                  <a:buFont typeface="Arial" panose="020B0604020202020204" pitchFamily="34" charset="0"/>
+                  <a:buChar char="•"/>
+                  <a:defRPr sz="1800" kern="1200">
+                    <a:solidFill>
+                      <a:schemeClr val="tx1"/>
+                    </a:solidFill>
+                    <a:latin typeface="+mn-lt"/>
+                    <a:ea typeface="+mn-ea"/>
+                    <a:cs typeface="+mn-cs"/>
+                  </a:defRPr>
+                </a:lvl7pPr>
+                <a:lvl8pPr marL="3429000" indent="-228600" algn="l" defTabSz="914400" rtl="0" eaLnBrk="1" latinLnBrk="0" hangingPunct="1">
+                  <a:lnSpc>
+                    <a:spcPct val="90000"/>
+                  </a:lnSpc>
+                  <a:spcBef>
+                    <a:spcPts val="500"/>
+                  </a:spcBef>
+                  <a:buFont typeface="Arial" panose="020B0604020202020204" pitchFamily="34" charset="0"/>
+                  <a:buChar char="•"/>
+                  <a:defRPr sz="1800" kern="1200">
+                    <a:solidFill>
+                      <a:schemeClr val="tx1"/>
+                    </a:solidFill>
+                    <a:latin typeface="+mn-lt"/>
+                    <a:ea typeface="+mn-ea"/>
+                    <a:cs typeface="+mn-cs"/>
+                  </a:defRPr>
+                </a:lvl8pPr>
+                <a:lvl9pPr marL="3886200" indent="-228600" algn="l" defTabSz="914400" rtl="0" eaLnBrk="1" latinLnBrk="0" hangingPunct="1">
+                  <a:lnSpc>
+                    <a:spcPct val="90000"/>
+                  </a:lnSpc>
+                  <a:spcBef>
+                    <a:spcPts val="500"/>
+                  </a:spcBef>
+                  <a:buFont typeface="Arial" panose="020B0604020202020204" pitchFamily="34" charset="0"/>
+                  <a:buChar char="•"/>
+                  <a:defRPr sz="1800" kern="1200">
+                    <a:solidFill>
+                      <a:schemeClr val="tx1"/>
+                    </a:solidFill>
+                    <a:latin typeface="+mn-lt"/>
+                    <a:ea typeface="+mn-ea"/>
+                    <a:cs typeface="+mn-cs"/>
+                  </a:defRPr>
+                </a:lvl9pPr>
+              </a:lstStyle>
+              <a:p>
+                <a:pPr>
+                  <a:buFont typeface="Wingdings" panose="05000000000000000000" pitchFamily="2" charset="2"/>
+                  <a:buChar char="Ø"/>
+                </a:pPr>
+                <a:r>
+                  <a:rPr lang="zh-CN" altLang="en-US" dirty="0"/>
+                  <a:t>探索与利用</a:t>
+                </a:r>
+              </a:p>
+              <a:p>
+                <a:pPr lvl="1">
+                  <a:buFont typeface="Wingdings" panose="05000000000000000000" charset="0"/>
+                  <a:buChar char="Ø"/>
+                </a:pPr>
+                <a:r>
+                  <a:rPr lang="zh-CN" altLang="en-US" dirty="0"/>
+                  <a:t>长期收益 </a:t>
+                </a:r>
+                <a:r>
+                  <a:rPr lang="en-US" altLang="zh-CN" dirty="0"/>
+                  <a:t>or </a:t>
+                </a:r>
+                <a:r>
+                  <a:rPr lang="zh-CN" altLang="en-US" dirty="0"/>
+                  <a:t>短期收益</a:t>
+                </a:r>
+                <a:endParaRPr lang="en-US" altLang="zh-CN" dirty="0"/>
+              </a:p>
+              <a:p>
+                <a:pPr lvl="1"/>
+                <a:r>
+                  <a:rPr lang="zh-CN" altLang="en-US" dirty="0"/>
+                  <a:t>搜集更多信息 </a:t>
+                </a:r>
+                <a:r>
+                  <a:rPr lang="en-US" altLang="zh-CN" dirty="0"/>
+                  <a:t>vs </a:t>
+                </a:r>
+                <a:r>
+                  <a:rPr lang="zh-CN" altLang="en-US" dirty="0"/>
+                  <a:t>最大化短期收益</a:t>
+                </a:r>
+                <a:endParaRPr lang="en-US" altLang="zh-CN" dirty="0"/>
+              </a:p>
+              <a:p>
+                <a:pPr lvl="1"/>
+                <a:r>
+                  <a:rPr lang="zh-CN" altLang="en-US" dirty="0"/>
+                  <a:t>乐观初始值</a:t>
+                </a:r>
+              </a:p>
+              <a:p>
+                <a:pPr lvl="2">
+                  <a:buFont typeface="Wingdings" panose="05000000000000000000" pitchFamily="2" charset="2"/>
+                  <a:buChar char="n"/>
+                </a:pPr>
+                <a:r>
+                  <a:rPr lang="zh-CN" altLang="en-US" dirty="0">
+                    <a:latin typeface="微软雅黑" panose="020B0503020204020204" charset="-122"/>
+                    <a:ea typeface="微软雅黑" panose="020B0503020204020204" charset="-122"/>
+                  </a:rPr>
+                  <a:t>置信上界算法：</a:t>
+                </a:r>
+                <a14:m>
+                  <m:oMath xmlns:m="http://schemas.openxmlformats.org/officeDocument/2006/math">
+                    <m:sSub>
+                      <m:sSubPr>
+                        <m:ctrlPr>
+                          <a:rPr lang="zh-CN" altLang="zh-CN" i="1">
+                            <a:latin typeface="Cambria Math" panose="02040503050406030204" pitchFamily="18" charset="0"/>
+                          </a:rPr>
+                        </m:ctrlPr>
+                      </m:sSubPr>
+                      <m:e>
+                        <m:r>
+                          <m:rPr>
+                            <m:sty m:val="p"/>
+                          </m:rPr>
+                          <a:rPr lang="en-US" altLang="zh-CN">
+                            <a:latin typeface="Cambria Math" panose="02040503050406030204" pitchFamily="18" charset="0"/>
+                          </a:rPr>
+                          <m:t>A</m:t>
+                        </m:r>
+                      </m:e>
+                      <m:sub>
+                        <m:r>
+                          <m:rPr>
+                            <m:sty m:val="p"/>
+                          </m:rPr>
+                          <a:rPr lang="en-US" altLang="zh-CN">
+                            <a:latin typeface="Cambria Math" panose="02040503050406030204" pitchFamily="18" charset="0"/>
+                          </a:rPr>
+                          <m:t>t</m:t>
+                        </m:r>
+                      </m:sub>
+                    </m:sSub>
+                    <m:r>
+                      <a:rPr lang="en-US" altLang="zh-CN">
+                        <a:latin typeface="Cambria Math" panose="02040503050406030204" pitchFamily="18" charset="0"/>
+                      </a:rPr>
+                      <m:t>=</m:t>
+                    </m:r>
+                    <m:r>
+                      <m:rPr>
+                        <m:sty m:val="p"/>
+                      </m:rPr>
+                      <a:rPr lang="en-US" altLang="zh-CN">
+                        <a:latin typeface="Cambria Math" panose="02040503050406030204" pitchFamily="18" charset="0"/>
+                      </a:rPr>
+                      <m:t>arg</m:t>
+                    </m:r>
+                    <m:func>
+                      <m:funcPr>
+                        <m:ctrlPr>
+                          <a:rPr lang="zh-CN" altLang="zh-CN" i="1">
+                            <a:latin typeface="Cambria Math" panose="02040503050406030204" pitchFamily="18" charset="0"/>
+                          </a:rPr>
+                        </m:ctrlPr>
+                      </m:funcPr>
+                      <m:fName>
+                        <m:limLow>
+                          <m:limLowPr>
+                            <m:ctrlPr>
+                              <a:rPr lang="zh-CN" altLang="zh-CN" i="1">
+                                <a:latin typeface="Cambria Math" panose="02040503050406030204" pitchFamily="18" charset="0"/>
+                              </a:rPr>
+                            </m:ctrlPr>
+                          </m:limLowPr>
+                          <m:e>
+                            <m:r>
+                              <m:rPr>
+                                <m:sty m:val="p"/>
+                              </m:rPr>
+                              <a:rPr lang="en-US" altLang="zh-CN">
+                                <a:latin typeface="Cambria Math" panose="02040503050406030204" pitchFamily="18" charset="0"/>
+                              </a:rPr>
+                              <m:t>max</m:t>
+                            </m:r>
+                          </m:e>
+                          <m:lim>
+                            <m:r>
+                              <m:rPr>
+                                <m:sty m:val="p"/>
+                              </m:rPr>
+                              <a:rPr lang="en-US" altLang="zh-CN">
+                                <a:latin typeface="Cambria Math" panose="02040503050406030204" pitchFamily="18" charset="0"/>
+                              </a:rPr>
+                              <m:t>a</m:t>
+                            </m:r>
+                          </m:lim>
+                        </m:limLow>
+                      </m:fName>
+                      <m:e>
+                        <m:d>
+                          <m:dPr>
+                            <m:begChr m:val="["/>
+                            <m:endChr m:val="]"/>
+                            <m:ctrlPr>
+                              <a:rPr lang="zh-CN" altLang="zh-CN" i="1">
+                                <a:latin typeface="Cambria Math" panose="02040503050406030204" pitchFamily="18" charset="0"/>
+                              </a:rPr>
+                            </m:ctrlPr>
+                          </m:dPr>
+                          <m:e>
+                            <m:sSub>
+                              <m:sSubPr>
+                                <m:ctrlPr>
+                                  <a:rPr lang="zh-CN" altLang="zh-CN" i="1">
+                                    <a:latin typeface="Cambria Math" panose="02040503050406030204" pitchFamily="18" charset="0"/>
+                                  </a:rPr>
+                                </m:ctrlPr>
+                              </m:sSubPr>
+                              <m:e>
+                                <m:r>
+                                  <m:rPr>
+                                    <m:sty m:val="p"/>
+                                  </m:rPr>
+                                  <a:rPr lang="en-US" altLang="zh-CN">
+                                    <a:latin typeface="Cambria Math" panose="02040503050406030204" pitchFamily="18" charset="0"/>
+                                  </a:rPr>
+                                  <m:t>Q</m:t>
+                                </m:r>
+                              </m:e>
+                              <m:sub>
+                                <m:r>
+                                  <m:rPr>
+                                    <m:sty m:val="p"/>
+                                  </m:rPr>
+                                  <a:rPr lang="en-US" altLang="zh-CN">
+                                    <a:latin typeface="Cambria Math" panose="02040503050406030204" pitchFamily="18" charset="0"/>
+                                  </a:rPr>
+                                  <m:t>t</m:t>
+                                </m:r>
+                              </m:sub>
+                            </m:sSub>
+                            <m:d>
+                              <m:dPr>
+                                <m:ctrlPr>
+                                  <a:rPr lang="zh-CN" altLang="zh-CN" i="1">
+                                    <a:latin typeface="Cambria Math" panose="02040503050406030204" pitchFamily="18" charset="0"/>
+                                  </a:rPr>
+                                </m:ctrlPr>
+                              </m:dPr>
+                              <m:e>
+                                <m:r>
+                                  <m:rPr>
+                                    <m:sty m:val="p"/>
+                                  </m:rPr>
+                                  <a:rPr lang="en-US" altLang="zh-CN">
+                                    <a:latin typeface="Cambria Math" panose="02040503050406030204" pitchFamily="18" charset="0"/>
+                                  </a:rPr>
+                                  <m:t>a</m:t>
+                                </m:r>
+                              </m:e>
+                            </m:d>
+                            <m:r>
+                              <a:rPr lang="en-US" altLang="zh-CN">
+                                <a:latin typeface="Cambria Math" panose="02040503050406030204" pitchFamily="18" charset="0"/>
+                              </a:rPr>
+                              <m:t>+</m:t>
+                            </m:r>
+                            <m:r>
+                              <m:rPr>
+                                <m:sty m:val="p"/>
+                              </m:rPr>
+                              <a:rPr lang="en-US" altLang="zh-CN">
+                                <a:latin typeface="Cambria Math" panose="02040503050406030204" pitchFamily="18" charset="0"/>
+                              </a:rPr>
+                              <m:t>c</m:t>
+                            </m:r>
+                            <m:rad>
+                              <m:radPr>
+                                <m:degHide m:val="on"/>
+                                <m:ctrlPr>
+                                  <a:rPr lang="zh-CN" altLang="zh-CN" i="1">
+                                    <a:latin typeface="Cambria Math" panose="02040503050406030204" pitchFamily="18" charset="0"/>
+                                  </a:rPr>
+                                </m:ctrlPr>
+                              </m:radPr>
+                              <m:deg/>
+                              <m:e>
+                                <m:f>
+                                  <m:fPr>
+                                    <m:ctrlPr>
+                                      <a:rPr lang="zh-CN" altLang="zh-CN" i="1">
+                                        <a:latin typeface="Cambria Math" panose="02040503050406030204" pitchFamily="18" charset="0"/>
+                                      </a:rPr>
+                                    </m:ctrlPr>
+                                  </m:fPr>
+                                  <m:num>
+                                    <m:r>
+                                      <m:rPr>
+                                        <m:sty m:val="p"/>
+                                      </m:rPr>
+                                      <a:rPr lang="en-US" altLang="zh-CN">
+                                        <a:latin typeface="Cambria Math" panose="02040503050406030204" pitchFamily="18" charset="0"/>
+                                      </a:rPr>
+                                      <m:t>lnt</m:t>
+                                    </m:r>
+                                  </m:num>
+                                  <m:den>
+                                    <m:sSub>
+                                      <m:sSubPr>
+                                        <m:ctrlPr>
+                                          <a:rPr lang="zh-CN" altLang="zh-CN" i="1">
+                                            <a:latin typeface="Cambria Math" panose="02040503050406030204" pitchFamily="18" charset="0"/>
+                                          </a:rPr>
+                                        </m:ctrlPr>
+                                      </m:sSubPr>
+                                      <m:e>
+                                        <m:r>
+                                          <m:rPr>
+                                            <m:sty m:val="p"/>
+                                          </m:rPr>
+                                          <a:rPr lang="en-US" altLang="zh-CN">
+                                            <a:latin typeface="Cambria Math" panose="02040503050406030204" pitchFamily="18" charset="0"/>
+                                          </a:rPr>
+                                          <m:t>N</m:t>
+                                        </m:r>
+                                      </m:e>
+                                      <m:sub>
+                                        <m:r>
+                                          <m:rPr>
+                                            <m:sty m:val="p"/>
+                                          </m:rPr>
+                                          <a:rPr lang="en-US" altLang="zh-CN">
+                                            <a:latin typeface="Cambria Math" panose="02040503050406030204" pitchFamily="18" charset="0"/>
+                                          </a:rPr>
+                                          <m:t>t</m:t>
+                                        </m:r>
+                                      </m:sub>
+                                    </m:sSub>
+                                    <m:d>
+                                      <m:dPr>
+                                        <m:ctrlPr>
+                                          <a:rPr lang="zh-CN" altLang="zh-CN" i="1">
+                                            <a:latin typeface="Cambria Math" panose="02040503050406030204" pitchFamily="18" charset="0"/>
+                                          </a:rPr>
+                                        </m:ctrlPr>
+                                      </m:dPr>
+                                      <m:e>
+                                        <m:r>
+                                          <m:rPr>
+                                            <m:sty m:val="p"/>
+                                          </m:rPr>
+                                          <a:rPr lang="en-US" altLang="zh-CN">
+                                            <a:latin typeface="Cambria Math" panose="02040503050406030204" pitchFamily="18" charset="0"/>
+                                          </a:rPr>
+                                          <m:t>a</m:t>
+                                        </m:r>
+                                      </m:e>
+                                    </m:d>
+                                  </m:den>
+                                </m:f>
+                              </m:e>
+                            </m:rad>
+                          </m:e>
+                        </m:d>
+                      </m:e>
+                    </m:func>
+                  </m:oMath>
+                </a14:m>
+                <a:endParaRPr lang="en-US" altLang="zh-CN" dirty="0">
+                  <a:latin typeface="微软雅黑" panose="020B0503020204020204" charset="-122"/>
+                  <a:ea typeface="微软雅黑" panose="020B0503020204020204" charset="-122"/>
+                </a:endParaRPr>
+              </a:p>
+              <a:p>
+                <a:pPr lvl="2">
+                  <a:buFont typeface="Wingdings" panose="05000000000000000000" pitchFamily="2" charset="2"/>
+                  <a:buChar char="n"/>
+                </a:pPr>
+                <a:r>
+                  <a:rPr lang="zh-CN" altLang="en-US" dirty="0">
+                    <a:latin typeface="微软雅黑" panose="020B0503020204020204" charset="-122"/>
+                    <a:ea typeface="微软雅黑" panose="020B0503020204020204" charset="-122"/>
+                  </a:rPr>
+                  <a:t>乐观初始值：增大动作价值函数的初值，增大新的动作被选取的概率</a:t>
+                </a:r>
+                <a:endParaRPr lang="en-US" altLang="zh-CN" dirty="0">
+                  <a:latin typeface="微软雅黑" panose="020B0503020204020204" charset="-122"/>
+                  <a:ea typeface="微软雅黑" panose="020B0503020204020204" charset="-122"/>
+                </a:endParaRPr>
+              </a:p>
+              <a:p>
+                <a:pPr lvl="2">
+                  <a:buFont typeface="Wingdings" panose="05000000000000000000" pitchFamily="2" charset="2"/>
+                  <a:buChar char="n"/>
+                </a:pPr>
+                <a:r>
+                  <a:rPr lang="zh-CN" altLang="en-US" dirty="0">
+                    <a:latin typeface="微软雅黑" panose="020B0503020204020204" charset="-122"/>
+                    <a:ea typeface="微软雅黑" panose="020B0503020204020204" charset="-122"/>
+                  </a:rPr>
+                  <a:t>梯度赌博机算法：用熵值代替</a:t>
+                </a:r>
+                <a:r>
+                  <a:rPr lang="en-US" altLang="zh-CN" dirty="0">
+                    <a:latin typeface="微软雅黑" panose="020B0503020204020204" charset="-122"/>
+                    <a:ea typeface="微软雅黑" panose="020B0503020204020204" charset="-122"/>
+                  </a:rPr>
+                  <a:t>Q</a:t>
+                </a:r>
+                <a:r>
+                  <a:rPr lang="zh-CN" altLang="en-US" dirty="0">
+                    <a:latin typeface="微软雅黑" panose="020B0503020204020204" charset="-122"/>
+                    <a:ea typeface="微软雅黑" panose="020B0503020204020204" charset="-122"/>
+                  </a:rPr>
+                  <a:t>值，熵值代表不确定性</a:t>
+                </a:r>
+                <a:endParaRPr lang="en-US" altLang="zh-CN" dirty="0">
+                  <a:latin typeface="微软雅黑" panose="020B0503020204020204" charset="-122"/>
+                  <a:ea typeface="微软雅黑" panose="020B0503020204020204" charset="-122"/>
+                </a:endParaRPr>
+              </a:p>
+              <a:p>
+                <a:pPr lvl="2">
+                  <a:buFont typeface="Wingdings" panose="05000000000000000000" pitchFamily="2" charset="2"/>
+                  <a:buChar char="n"/>
+                </a:pPr>
+                <a:r>
+                  <a:rPr lang="zh-CN" altLang="en-US" dirty="0">
+                    <a:latin typeface="微软雅黑" panose="020B0503020204020204" charset="-122"/>
+                    <a:ea typeface="微软雅黑" panose="020B0503020204020204" charset="-122"/>
+                  </a:rPr>
+                  <a:t>伪计数探索：相似状态认为是相同状态</a:t>
+                </a:r>
+                <a:endParaRPr lang="en-US" altLang="zh-CN" dirty="0">
+                  <a:latin typeface="微软雅黑" panose="020B0503020204020204" charset="-122"/>
+                  <a:ea typeface="微软雅黑" panose="020B0503020204020204" charset="-122"/>
+                </a:endParaRPr>
+              </a:p>
+              <a:p>
+                <a:pPr lvl="1"/>
+                <a:r>
+                  <a:rPr lang="zh-CN" altLang="en-US" dirty="0">
+                    <a:latin typeface="微软雅黑" panose="020B0503020204020204" charset="-122"/>
+                    <a:ea typeface="微软雅黑" panose="020B0503020204020204" charset="-122"/>
+                  </a:rPr>
+                  <a:t>后验概率探索</a:t>
+                </a:r>
+                <a:endParaRPr lang="en-US" altLang="zh-CN" dirty="0">
+                  <a:latin typeface="微软雅黑" panose="020B0503020204020204" charset="-122"/>
+                  <a:ea typeface="微软雅黑" panose="020B0503020204020204" charset="-122"/>
+                </a:endParaRPr>
+              </a:p>
+              <a:p>
+                <a:pPr lvl="2">
+                  <a:buFont typeface="Wingdings" panose="05000000000000000000" pitchFamily="2" charset="2"/>
+                  <a:buChar char="n"/>
+                </a:pPr>
+                <a:r>
+                  <a:rPr lang="zh-CN" altLang="en-US" dirty="0">
+                    <a:latin typeface="微软雅黑" panose="020B0503020204020204" charset="-122"/>
+                    <a:ea typeface="微软雅黑" panose="020B0503020204020204" charset="-122"/>
+                  </a:rPr>
+                  <a:t>汤普森采样：假设</a:t>
+                </a:r>
+                <a:r>
+                  <a:rPr lang="en-US" altLang="zh-CN" dirty="0">
+                    <a:latin typeface="微软雅黑" panose="020B0503020204020204" charset="-122"/>
+                    <a:ea typeface="微软雅黑" panose="020B0503020204020204" charset="-122"/>
+                  </a:rPr>
+                  <a:t>Q</a:t>
+                </a:r>
+                <a:r>
+                  <a:rPr lang="zh-CN" altLang="en-US" dirty="0">
+                    <a:latin typeface="微软雅黑" panose="020B0503020204020204" charset="-122"/>
+                    <a:ea typeface="微软雅黑" panose="020B0503020204020204" charset="-122"/>
+                  </a:rPr>
+                  <a:t>值服从</a:t>
+                </a:r>
+                <a:r>
+                  <a:rPr lang="en-US" altLang="zh-CN" dirty="0">
+                    <a:latin typeface="微软雅黑" panose="020B0503020204020204" charset="-122"/>
+                    <a:ea typeface="微软雅黑" panose="020B0503020204020204" charset="-122"/>
+                  </a:rPr>
+                  <a:t>beta</a:t>
+                </a:r>
+                <a:r>
+                  <a:rPr lang="zh-CN" altLang="en-US" dirty="0">
+                    <a:latin typeface="微软雅黑" panose="020B0503020204020204" charset="-122"/>
+                    <a:ea typeface="微软雅黑" panose="020B0503020204020204" charset="-122"/>
+                  </a:rPr>
+                  <a:t>分布等后验分布，而不是随机初始化</a:t>
+                </a:r>
+                <a:r>
+                  <a:rPr lang="en-US" altLang="zh-CN" dirty="0">
+                    <a:latin typeface="微软雅黑" panose="020B0503020204020204" charset="-122"/>
+                    <a:ea typeface="微软雅黑" panose="020B0503020204020204" charset="-122"/>
+                  </a:rPr>
+                  <a:t>Q</a:t>
+                </a:r>
+                <a:r>
+                  <a:rPr lang="zh-CN" altLang="en-US" dirty="0">
+                    <a:latin typeface="微软雅黑" panose="020B0503020204020204" charset="-122"/>
+                    <a:ea typeface="微软雅黑" panose="020B0503020204020204" charset="-122"/>
+                  </a:rPr>
+                  <a:t>值</a:t>
+                </a:r>
+                <a:endParaRPr lang="en-US" altLang="zh-CN" dirty="0">
+                  <a:latin typeface="微软雅黑" panose="020B0503020204020204" charset="-122"/>
+                  <a:ea typeface="微软雅黑" panose="020B0503020204020204" charset="-122"/>
+                </a:endParaRPr>
+              </a:p>
+              <a:p>
+                <a:pPr lvl="2">
+                  <a:buFont typeface="Wingdings" panose="05000000000000000000" pitchFamily="2" charset="2"/>
+                  <a:buChar char="n"/>
+                </a:pPr>
+                <a:r>
+                  <a:rPr lang="en-US" altLang="zh-CN" dirty="0">
+                    <a:latin typeface="微软雅黑" panose="020B0503020204020204" charset="-122"/>
+                    <a:ea typeface="微软雅黑" panose="020B0503020204020204" charset="-122"/>
+                  </a:rPr>
+                  <a:t>Bootstrap DQN</a:t>
+                </a:r>
+                <a:r>
+                  <a:rPr lang="zh-CN" altLang="en-US" dirty="0">
+                    <a:latin typeface="微软雅黑" panose="020B0503020204020204" charset="-122"/>
+                    <a:ea typeface="微软雅黑" panose="020B0503020204020204" charset="-122"/>
+                  </a:rPr>
+                  <a:t>：使用神经网络估计不确定度</a:t>
+                </a:r>
+                <a:endParaRPr lang="en-US" altLang="zh-CN" dirty="0">
+                  <a:latin typeface="微软雅黑" panose="020B0503020204020204" charset="-122"/>
+                  <a:ea typeface="微软雅黑" panose="020B0503020204020204" charset="-122"/>
+                </a:endParaRPr>
+              </a:p>
+              <a:p>
+                <a:pPr lvl="1"/>
+                <a:r>
+                  <a:rPr lang="zh-CN" altLang="en-US" dirty="0">
+                    <a:latin typeface="微软雅黑" panose="020B0503020204020204" charset="-122"/>
+                    <a:ea typeface="微软雅黑" panose="020B0503020204020204" charset="-122"/>
+                  </a:rPr>
+                  <a:t>信息增益探索</a:t>
+                </a:r>
+                <a:endParaRPr lang="en-US" altLang="zh-CN" dirty="0">
+                  <a:latin typeface="微软雅黑" panose="020B0503020204020204" charset="-122"/>
+                  <a:ea typeface="微软雅黑" panose="020B0503020204020204" charset="-122"/>
+                </a:endParaRPr>
+              </a:p>
+              <a:p>
+                <a:pPr lvl="2">
+                  <a:buFont typeface="Wingdings" panose="05000000000000000000" pitchFamily="2" charset="2"/>
+                  <a:buChar char="n"/>
+                </a:pPr>
+                <a:r>
+                  <a:rPr lang="zh-CN" altLang="en-US" dirty="0">
+                    <a:latin typeface="微软雅黑" panose="020B0503020204020204" charset="-122"/>
+                    <a:ea typeface="微软雅黑" panose="020B0503020204020204" charset="-122"/>
+                  </a:rPr>
+                  <a:t>变分信息最大化探索：最大化信息增益</a:t>
+                </a:r>
+                <a:endParaRPr lang="en-US" altLang="zh-CN" dirty="0">
+                  <a:latin typeface="微软雅黑" panose="020B0503020204020204" charset="-122"/>
+                  <a:ea typeface="微软雅黑" panose="020B0503020204020204" charset="-122"/>
+                </a:endParaRPr>
+              </a:p>
+              <a:p>
+                <a:pPr lvl="2">
+                  <a:buFont typeface="Wingdings" panose="05000000000000000000" pitchFamily="2" charset="2"/>
+                  <a:buChar char="n"/>
+                </a:pPr>
+                <a:r>
+                  <a:rPr lang="zh-CN" altLang="en-US" dirty="0">
+                    <a:latin typeface="微软雅黑" panose="020B0503020204020204" charset="-122"/>
+                    <a:ea typeface="微软雅黑" panose="020B0503020204020204" charset="-122"/>
+                  </a:rPr>
+                  <a:t>好奇心驱使探索：把对环境的熟悉程度作为一种内在奖励</a:t>
+                </a:r>
+                <a:endParaRPr lang="en-US" altLang="zh-CN" dirty="0">
+                  <a:latin typeface="微软雅黑" panose="020B0503020204020204" charset="-122"/>
+                  <a:ea typeface="微软雅黑" panose="020B0503020204020204" charset="-122"/>
+                </a:endParaRPr>
+              </a:p>
+            </p:txBody>
+          </p:sp>
+        </mc:Choice>
+        <mc:Fallback xmlns="">
+          <p:sp>
+            <p:nvSpPr>
+              <p:cNvPr id="16" name="内容占位符 2"/>
+              <p:cNvSpPr>
+                <a:spLocks noGrp="1" noRot="1" noChangeAspect="1" noMove="1" noResize="1" noEditPoints="1" noAdjustHandles="1" noChangeArrowheads="1" noChangeShapeType="1" noTextEdit="1"/>
+              </p:cNvSpPr>
+              <p:nvPr/>
+            </p:nvSpPr>
+            <p:spPr>
+              <a:xfrm>
+                <a:off x="6553201" y="1489170"/>
+                <a:ext cx="5635626" cy="4759255"/>
+              </a:xfrm>
+              <a:prstGeom prst="rect">
+                <a:avLst/>
+              </a:prstGeom>
+              <a:blipFill>
+                <a:blip r:embed="rId8"/>
+                <a:stretch>
+                  <a:fillRect l="-216"/>
+                </a:stretch>
+              </a:blipFill>
+            </p:spPr>
+            <p:txBody>
+              <a:bodyPr/>
+              <a:lstStyle/>
+              <a:p>
+                <a:r>
+                  <a:rPr lang="zh-CN" altLang="en-US">
+                    <a:noFill/>
+                  </a:rPr>
+                  <a:t> </a:t>
+                </a:r>
+              </a:p>
+            </p:txBody>
+          </p:sp>
+        </mc:Fallback>
+      </mc:AlternateContent>
+      <p:pic>
+        <p:nvPicPr>
+          <p:cNvPr id="9" name="图片 8" descr="智能体与环境"/>
+          <p:cNvPicPr>
+            <a:picLocks noChangeAspect="1"/>
+          </p:cNvPicPr>
+          <p:nvPr/>
+        </p:nvPicPr>
+        <p:blipFill>
+          <a:blip r:embed="rId9"/>
+          <a:stretch>
+            <a:fillRect/>
+          </a:stretch>
+        </p:blipFill>
+        <p:spPr>
+          <a:xfrm>
+            <a:off x="614045" y="3155950"/>
+            <a:ext cx="6057900" cy="2324100"/>
+          </a:xfrm>
+          <a:prstGeom prst="rect">
+            <a:avLst/>
+          </a:prstGeom>
+        </p:spPr>
+      </p:pic>
+    </p:spTree>
+    <p:custDataLst>
+      <p:tags r:id="rId2"/>
+    </p:custDataLst>
+  </p:cSld>
+  <p:clrMapOvr>
+    <a:masterClrMapping/>
+  </p:clrMapOvr>
+</p:sld>
+</file>
+
+<file path=ppt/slides/slide30.xml><?xml version="1.0" encoding="utf-8"?>
 <p:sld xmlns:a="http://schemas.openxmlformats.org/drawingml/2006/main" xmlns:r="http://schemas.openxmlformats.org/officeDocument/2006/relationships" xmlns:p="http://schemas.openxmlformats.org/presentationml/2006/main">
   <p:cSld>
     <p:spTree>
@@ -21344,7 +21840,7 @@
           <a:graphicData uri="http://schemas.openxmlformats.org/presentationml/2006/ole">
             <mc:AlternateContent xmlns:mc="http://schemas.openxmlformats.org/markup-compatibility/2006">
               <mc:Choice xmlns:v="urn:schemas-microsoft-com:vml" Requires="v">
-                <p:oleObj spid="_x0000_s3187" r:id="rId6" imgW="914400" imgH="215900" progId="Equation.KSEE3">
+                <p:oleObj spid="_x0000_s3250" r:id="rId6" imgW="914400" imgH="215900" progId="Equation.KSEE3">
                   <p:embed/>
                 </p:oleObj>
               </mc:Choice>
@@ -22723,7 +23219,7 @@
         </p:blipFill>
         <p:spPr>
           <a:xfrm>
-            <a:off x="8707120" y="1490345"/>
+            <a:off x="9399578" y="1499223"/>
             <a:ext cx="1886585" cy="1598295"/>
           </a:xfrm>
           <a:prstGeom prst="rect">
@@ -22769,8 +23265,8 @@
         </p:nvSpPr>
         <p:spPr>
           <a:xfrm>
-            <a:off x="6353810" y="1490345"/>
-            <a:ext cx="5593080" cy="5286375"/>
+            <a:off x="6442590" y="1472589"/>
+            <a:ext cx="2894638" cy="3614315"/>
           </a:xfrm>
           <a:prstGeom prst="rect">
             <a:avLst/>
@@ -22990,7 +23486,7 @@
               <a:rPr lang="en-US" altLang="zh-CN" dirty="0">
                 <a:sym typeface="+mn-ea"/>
               </a:rPr>
-              <a:t>Dyna-Q</a:t>
+              <a:t>Dyna-Q(Sutton,1991)</a:t>
             </a:r>
           </a:p>
           <a:p>
@@ -23034,7 +23530,7 @@
               <a:rPr lang="en-US" altLang="zh-CN" dirty="0">
                 <a:sym typeface="+mn-ea"/>
               </a:rPr>
-              <a:t>MCTS</a:t>
+              <a:t>MCTS(Browne,2012)</a:t>
             </a:r>
           </a:p>
           <a:p>
@@ -23046,7 +23542,19 @@
               <a:rPr lang="zh-CN" altLang="en-US" dirty="0">
                 <a:sym typeface="+mn-ea"/>
               </a:rPr>
-              <a:t>选择</a:t>
+              <a:t>选择（</a:t>
+            </a:r>
+            <a:r>
+              <a:rPr lang="en-US" altLang="zh-CN" dirty="0">
+                <a:sym typeface="+mn-ea"/>
+              </a:rPr>
+              <a:t>UCB</a:t>
+            </a:r>
+            <a:r>
+              <a:rPr lang="zh-CN" altLang="en-US" dirty="0">
+                <a:sym typeface="+mn-ea"/>
+              </a:rPr>
+              <a:t>）</a:t>
             </a:r>
           </a:p>
           <a:p>

--- a/Python/RL/深度强化学习.pptx
+++ b/Python/RL/深度强化学习.pptx
@@ -243,7 +243,7 @@
           <a:p>
             <a:fld id="{4A648F17-BF6F-453D-A28F-C845509EFD1C}" type="datetimeFigureOut">
               <a:rPr lang="zh-CN" altLang="en-US" smtClean="0"/>
-              <a:t>2023/2/9</a:t>
+              <a:t>2023/2/20</a:t>
             </a:fld>
             <a:endParaRPr lang="zh-CN" altLang="en-US"/>
           </a:p>
@@ -657,7 +657,7 @@
           <a:p>
             <a:fld id="{760FBDFE-C587-4B4C-A407-44438C67B59E}" type="datetimeFigureOut">
               <a:rPr lang="zh-CN" altLang="en-US" smtClean="0"/>
-              <a:t>2023/2/9</a:t>
+              <a:t>2023/2/20</a:t>
             </a:fld>
             <a:endParaRPr lang="zh-CN" altLang="en-US"/>
           </a:p>
@@ -792,7 +792,7 @@
           <a:p>
             <a:fld id="{760FBDFE-C587-4B4C-A407-44438C67B59E}" type="datetimeFigureOut">
               <a:rPr lang="zh-CN" altLang="en-US" smtClean="0"/>
-              <a:t>2023/2/9</a:t>
+              <a:t>2023/2/20</a:t>
             </a:fld>
             <a:endParaRPr lang="zh-CN" altLang="en-US"/>
           </a:p>
@@ -950,7 +950,7 @@
           <a:p>
             <a:fld id="{760FBDFE-C587-4B4C-A407-44438C67B59E}" type="datetimeFigureOut">
               <a:rPr lang="zh-CN" altLang="en-US" smtClean="0"/>
-              <a:t>2023/2/9</a:t>
+              <a:t>2023/2/20</a:t>
             </a:fld>
             <a:endParaRPr lang="zh-CN" altLang="en-US"/>
           </a:p>
@@ -1257,7 +1257,7 @@
           <a:p>
             <a:fld id="{760FBDFE-C587-4B4C-A407-44438C67B59E}" type="datetimeFigureOut">
               <a:rPr lang="zh-CN" altLang="en-US" smtClean="0"/>
-              <a:t>2023/2/9</a:t>
+              <a:t>2023/2/20</a:t>
             </a:fld>
             <a:endParaRPr lang="zh-CN" altLang="en-US"/>
           </a:p>
@@ -1547,7 +1547,7 @@
           <a:p>
             <a:fld id="{760FBDFE-C587-4B4C-A407-44438C67B59E}" type="datetimeFigureOut">
               <a:rPr lang="zh-CN" altLang="en-US" smtClean="0"/>
-              <a:t>2023/2/9</a:t>
+              <a:t>2023/2/20</a:t>
             </a:fld>
             <a:endParaRPr lang="zh-CN" altLang="en-US"/>
           </a:p>
@@ -1801,7 +1801,7 @@
           <a:p>
             <a:fld id="{760FBDFE-C587-4B4C-A407-44438C67B59E}" type="datetimeFigureOut">
               <a:rPr lang="zh-CN" altLang="en-US" smtClean="0"/>
-              <a:t>2023/2/9</a:t>
+              <a:t>2023/2/20</a:t>
             </a:fld>
             <a:endParaRPr lang="zh-CN" altLang="en-US"/>
           </a:p>
@@ -2215,7 +2215,7 @@
           <a:p>
             <a:fld id="{760FBDFE-C587-4B4C-A407-44438C67B59E}" type="datetimeFigureOut">
               <a:rPr lang="zh-CN" altLang="en-US" smtClean="0"/>
-              <a:t>2023/2/9</a:t>
+              <a:t>2023/2/20</a:t>
             </a:fld>
             <a:endParaRPr lang="zh-CN" altLang="en-US"/>
           </a:p>
@@ -2347,7 +2347,7 @@
           <a:p>
             <a:fld id="{760FBDFE-C587-4B4C-A407-44438C67B59E}" type="datetimeFigureOut">
               <a:rPr lang="zh-CN" altLang="en-US" smtClean="0"/>
-              <a:t>2023/2/9</a:t>
+              <a:t>2023/2/20</a:t>
             </a:fld>
             <a:endParaRPr lang="zh-CN" altLang="en-US"/>
           </a:p>
@@ -2482,7 +2482,7 @@
           <a:p>
             <a:fld id="{760FBDFE-C587-4B4C-A407-44438C67B59E}" type="datetimeFigureOut">
               <a:rPr lang="zh-CN" altLang="en-US" smtClean="0"/>
-              <a:t>2023/2/9</a:t>
+              <a:t>2023/2/20</a:t>
             </a:fld>
             <a:endParaRPr lang="zh-CN" altLang="en-US"/>
           </a:p>
@@ -2690,7 +2690,7 @@
           <a:p>
             <a:fld id="{9EFD9D74-47D9-4702-A33C-335B63B48DBF}" type="datetimeFigureOut">
               <a:rPr lang="zh-CN" altLang="en-US" smtClean="0"/>
-              <a:t>2023/2/9</a:t>
+              <a:t>2023/2/20</a:t>
             </a:fld>
             <a:endParaRPr lang="zh-CN" altLang="en-US" dirty="0"/>
           </a:p>
@@ -2930,7 +2930,7 @@
           <a:p>
             <a:fld id="{760FBDFE-C587-4B4C-A407-44438C67B59E}" type="datetimeFigureOut">
               <a:rPr lang="zh-CN" altLang="en-US" smtClean="0"/>
-              <a:t>2023/2/9</a:t>
+              <a:t>2023/2/20</a:t>
             </a:fld>
             <a:endParaRPr lang="zh-CN" altLang="en-US"/>
           </a:p>
@@ -3153,7 +3153,7 @@
           <a:p>
             <a:fld id="{760FBDFE-C587-4B4C-A407-44438C67B59E}" type="datetimeFigureOut">
               <a:rPr lang="zh-CN" altLang="en-US" smtClean="0"/>
-              <a:t>2023/2/9</a:t>
+              <a:t>2023/2/20</a:t>
             </a:fld>
             <a:endParaRPr lang="zh-CN" altLang="en-US"/>
           </a:p>
@@ -5310,8 +5310,8 @@
           </a:p>
         </p:txBody>
       </p:sp>
-      <mc:AlternateContent xmlns:mc="http://schemas.openxmlformats.org/markup-compatibility/2006">
-        <mc:Choice xmlns:a14="http://schemas.microsoft.com/office/drawing/2010/main" Requires="a14">
+      <mc:AlternateContent xmlns:mc="http://schemas.openxmlformats.org/markup-compatibility/2006" xmlns:a14="http://schemas.microsoft.com/office/drawing/2010/main">
+        <mc:Choice Requires="a14">
           <p:sp>
             <p:nvSpPr>
               <p:cNvPr id="5" name="内容占位符 2"/>
@@ -5657,7 +5657,7 @@
             </p:txBody>
           </p:sp>
         </mc:Choice>
-        <mc:Fallback>
+        <mc:Fallback xmlns="">
           <p:sp>
             <p:nvSpPr>
               <p:cNvPr id="5" name="内容占位符 2"/>
@@ -5726,8 +5726,8 @@
           </a:prstGeom>
         </p:spPr>
       </p:pic>
-      <mc:AlternateContent xmlns:mc="http://schemas.openxmlformats.org/markup-compatibility/2006">
-        <mc:Choice xmlns:a14="http://schemas.microsoft.com/office/drawing/2010/main" Requires="a14">
+      <mc:AlternateContent xmlns:mc="http://schemas.openxmlformats.org/markup-compatibility/2006" xmlns:a14="http://schemas.microsoft.com/office/drawing/2010/main">
+        <mc:Choice Requires="a14">
           <p:sp>
             <p:nvSpPr>
               <p:cNvPr id="3" name="文本框 2">
@@ -6532,7 +6532,7 @@
             </p:txBody>
           </p:sp>
         </mc:Choice>
-        <mc:Fallback>
+        <mc:Fallback xmlns="">
           <p:sp>
             <p:nvSpPr>
               <p:cNvPr id="3" name="文本框 2">
@@ -16777,7 +16777,7 @@
           <a:graphicData uri="http://schemas.openxmlformats.org/presentationml/2006/ole">
             <mc:AlternateContent xmlns:mc="http://schemas.openxmlformats.org/markup-compatibility/2006">
               <mc:Choice xmlns:v="urn:schemas-microsoft-com:vml" Requires="v">
-                <p:oleObj spid="_x0000_s8846" r:id="rId5" imgW="2926080" imgH="1645920" progId="latexeqedit.Formula">
+                <p:oleObj spid="_x0000_s8847" r:id="rId5" imgW="2926080" imgH="1645920" progId="latexeqedit.Formula">
                   <p:embed/>
                 </p:oleObj>
               </mc:Choice>
@@ -17576,7 +17576,7 @@
           <a:graphicData uri="http://schemas.openxmlformats.org/presentationml/2006/ole">
             <mc:AlternateContent xmlns:mc="http://schemas.openxmlformats.org/markup-compatibility/2006">
               <mc:Choice xmlns:v="urn:schemas-microsoft-com:vml" Requires="v">
-                <p:oleObj spid="_x0000_s1637" r:id="rId4" imgW="914400" imgH="215900" progId="Equation.KSEE3">
+                <p:oleObj spid="_x0000_s1640" r:id="rId4" imgW="914400" imgH="215900" progId="Equation.KSEE3">
                   <p:embed/>
                 </p:oleObj>
               </mc:Choice>
@@ -17629,7 +17629,7 @@
           <a:graphicData uri="http://schemas.openxmlformats.org/presentationml/2006/ole">
             <mc:AlternateContent xmlns:mc="http://schemas.openxmlformats.org/markup-compatibility/2006">
               <mc:Choice xmlns:v="urn:schemas-microsoft-com:vml" Requires="v">
-                <p:oleObj spid="_x0000_s1638" r:id="rId6" imgW="914400" imgH="215900" progId="Equation.KSEE3">
+                <p:oleObj spid="_x0000_s1641" r:id="rId6" imgW="914400" imgH="215900" progId="Equation.KSEE3">
                   <p:embed/>
                 </p:oleObj>
               </mc:Choice>
@@ -17682,7 +17682,7 @@
           <a:graphicData uri="http://schemas.openxmlformats.org/presentationml/2006/ole">
             <mc:AlternateContent xmlns:mc="http://schemas.openxmlformats.org/markup-compatibility/2006">
               <mc:Choice xmlns:v="urn:schemas-microsoft-com:vml" Requires="v">
-                <p:oleObj spid="_x0000_s1639" r:id="rId7" imgW="914400" imgH="215900" progId="Equation.KSEE3">
+                <p:oleObj spid="_x0000_s1642" r:id="rId7" imgW="914400" imgH="215900" progId="Equation.KSEE3">
                   <p:embed/>
                 </p:oleObj>
               </mc:Choice>
@@ -17717,8 +17717,8 @@
           </a:graphicData>
         </a:graphic>
       </p:graphicFrame>
-      <mc:AlternateContent xmlns:mc="http://schemas.openxmlformats.org/markup-compatibility/2006" xmlns:a14="http://schemas.microsoft.com/office/drawing/2010/main">
-        <mc:Choice Requires="a14">
+      <mc:AlternateContent xmlns:mc="http://schemas.openxmlformats.org/markup-compatibility/2006">
+        <mc:Choice xmlns:a14="http://schemas.microsoft.com/office/drawing/2010/main" Requires="a14">
           <p:sp>
             <p:nvSpPr>
               <p:cNvPr id="16" name="内容占位符 2"/>
@@ -17993,9 +17993,10 @@
               <a:p>
                 <a:pPr lvl="1"/>
                 <a:r>
-                  <a:rPr lang="zh-CN" altLang="en-US" dirty="0"/>
-                  <a:t>乐观初始值</a:t>
+                  <a:rPr lang="zh-CN" altLang="en-US"/>
+                  <a:t>乐观探索</a:t>
                 </a:r>
+                <a:endParaRPr lang="zh-CN" altLang="en-US" dirty="0"/>
               </a:p>
               <a:p>
                 <a:pPr lvl="2">
@@ -18486,7 +18487,7 @@
             </p:txBody>
           </p:sp>
         </mc:Choice>
-        <mc:Fallback xmlns="">
+        <mc:Fallback>
           <p:sp>
             <p:nvSpPr>
               <p:cNvPr id="16" name="内容占位符 2"/>
@@ -21840,7 +21841,7 @@
           <a:graphicData uri="http://schemas.openxmlformats.org/presentationml/2006/ole">
             <mc:AlternateContent xmlns:mc="http://schemas.openxmlformats.org/markup-compatibility/2006">
               <mc:Choice xmlns:v="urn:schemas-microsoft-com:vml" Requires="v">
-                <p:oleObj spid="_x0000_s3250" r:id="rId6" imgW="914400" imgH="215900" progId="Equation.KSEE3">
+                <p:oleObj spid="_x0000_s3251" r:id="rId6" imgW="914400" imgH="215900" progId="Equation.KSEE3">
                   <p:embed/>
                 </p:oleObj>
               </mc:Choice>
